--- a/รายงาน/Project Aj chanwit.pptx
+++ b/รายงาน/Project Aj chanwit.pptx
@@ -6,6 +6,27 @@
   </p:sldMasterIdLst>
   <p:sldIdLst>
     <p:sldId id="256" r:id="rId2"/>
+    <p:sldId id="257" r:id="rId3"/>
+    <p:sldId id="260" r:id="rId4"/>
+    <p:sldId id="259" r:id="rId5"/>
+    <p:sldId id="264" r:id="rId6"/>
+    <p:sldId id="272" r:id="rId7"/>
+    <p:sldId id="261" r:id="rId8"/>
+    <p:sldId id="258" r:id="rId9"/>
+    <p:sldId id="262" r:id="rId10"/>
+    <p:sldId id="267" r:id="rId11"/>
+    <p:sldId id="263" r:id="rId12"/>
+    <p:sldId id="274" r:id="rId13"/>
+    <p:sldId id="275" r:id="rId14"/>
+    <p:sldId id="268" r:id="rId15"/>
+    <p:sldId id="269" r:id="rId16"/>
+    <p:sldId id="273" r:id="rId17"/>
+    <p:sldId id="276" r:id="rId18"/>
+    <p:sldId id="277" r:id="rId19"/>
+    <p:sldId id="270" r:id="rId20"/>
+    <p:sldId id="266" r:id="rId21"/>
+    <p:sldId id="265" r:id="rId22"/>
+    <p:sldId id="271" r:id="rId23"/>
   </p:sldIdLst>
   <p:sldSz cx="12192000" cy="6858000"/>
   <p:notesSz cx="6858000" cy="9144000"/>
@@ -261,7 +282,7 @@
           <a:p>
             <a:fld id="{92FFE534-1A97-4E5E-BB3E-CC8D3547B872}" type="datetimeFigureOut">
               <a:rPr lang="en-US" smtClean="0"/>
-              <a:t>7/27/2019</a:t>
+              <a:t>8/7/2019</a:t>
             </a:fld>
             <a:endParaRPr lang="en-US"/>
           </a:p>
@@ -461,7 +482,7 @@
           <a:p>
             <a:fld id="{92FFE534-1A97-4E5E-BB3E-CC8D3547B872}" type="datetimeFigureOut">
               <a:rPr lang="en-US" smtClean="0"/>
-              <a:t>7/27/2019</a:t>
+              <a:t>8/7/2019</a:t>
             </a:fld>
             <a:endParaRPr lang="en-US"/>
           </a:p>
@@ -671,7 +692,7 @@
           <a:p>
             <a:fld id="{92FFE534-1A97-4E5E-BB3E-CC8D3547B872}" type="datetimeFigureOut">
               <a:rPr lang="en-US" smtClean="0"/>
-              <a:t>7/27/2019</a:t>
+              <a:t>8/7/2019</a:t>
             </a:fld>
             <a:endParaRPr lang="en-US"/>
           </a:p>
@@ -871,7 +892,7 @@
           <a:p>
             <a:fld id="{92FFE534-1A97-4E5E-BB3E-CC8D3547B872}" type="datetimeFigureOut">
               <a:rPr lang="en-US" smtClean="0"/>
-              <a:t>7/27/2019</a:t>
+              <a:t>8/7/2019</a:t>
             </a:fld>
             <a:endParaRPr lang="en-US"/>
           </a:p>
@@ -1147,7 +1168,7 @@
           <a:p>
             <a:fld id="{92FFE534-1A97-4E5E-BB3E-CC8D3547B872}" type="datetimeFigureOut">
               <a:rPr lang="en-US" smtClean="0"/>
-              <a:t>7/27/2019</a:t>
+              <a:t>8/7/2019</a:t>
             </a:fld>
             <a:endParaRPr lang="en-US"/>
           </a:p>
@@ -1415,7 +1436,7 @@
           <a:p>
             <a:fld id="{92FFE534-1A97-4E5E-BB3E-CC8D3547B872}" type="datetimeFigureOut">
               <a:rPr lang="en-US" smtClean="0"/>
-              <a:t>7/27/2019</a:t>
+              <a:t>8/7/2019</a:t>
             </a:fld>
             <a:endParaRPr lang="en-US"/>
           </a:p>
@@ -1830,7 +1851,7 @@
           <a:p>
             <a:fld id="{92FFE534-1A97-4E5E-BB3E-CC8D3547B872}" type="datetimeFigureOut">
               <a:rPr lang="en-US" smtClean="0"/>
-              <a:t>7/27/2019</a:t>
+              <a:t>8/7/2019</a:t>
             </a:fld>
             <a:endParaRPr lang="en-US"/>
           </a:p>
@@ -1972,7 +1993,7 @@
           <a:p>
             <a:fld id="{92FFE534-1A97-4E5E-BB3E-CC8D3547B872}" type="datetimeFigureOut">
               <a:rPr lang="en-US" smtClean="0"/>
-              <a:t>7/27/2019</a:t>
+              <a:t>8/7/2019</a:t>
             </a:fld>
             <a:endParaRPr lang="en-US"/>
           </a:p>
@@ -2085,7 +2106,7 @@
           <a:p>
             <a:fld id="{92FFE534-1A97-4E5E-BB3E-CC8D3547B872}" type="datetimeFigureOut">
               <a:rPr lang="en-US" smtClean="0"/>
-              <a:t>7/27/2019</a:t>
+              <a:t>8/7/2019</a:t>
             </a:fld>
             <a:endParaRPr lang="en-US"/>
           </a:p>
@@ -2398,7 +2419,7 @@
           <a:p>
             <a:fld id="{92FFE534-1A97-4E5E-BB3E-CC8D3547B872}" type="datetimeFigureOut">
               <a:rPr lang="en-US" smtClean="0"/>
-              <a:t>7/27/2019</a:t>
+              <a:t>8/7/2019</a:t>
             </a:fld>
             <a:endParaRPr lang="en-US"/>
           </a:p>
@@ -2687,7 +2708,7 @@
           <a:p>
             <a:fld id="{92FFE534-1A97-4E5E-BB3E-CC8D3547B872}" type="datetimeFigureOut">
               <a:rPr lang="en-US" smtClean="0"/>
-              <a:t>7/27/2019</a:t>
+              <a:t>8/7/2019</a:t>
             </a:fld>
             <a:endParaRPr lang="en-US"/>
           </a:p>
@@ -2930,7 +2951,7 @@
           <a:p>
             <a:fld id="{92FFE534-1A97-4E5E-BB3E-CC8D3547B872}" type="datetimeFigureOut">
               <a:rPr lang="en-US" smtClean="0"/>
-              <a:t>7/27/2019</a:t>
+              <a:t>8/7/2019</a:t>
             </a:fld>
             <a:endParaRPr lang="en-US"/>
           </a:p>
@@ -4048,6 +4069,3029 @@
 </p:sld>
 </file>
 
+<file path=ppt/slides/slide10.xml><?xml version="1.0" encoding="utf-8"?>
+<p:sld xmlns:a="http://schemas.openxmlformats.org/drawingml/2006/main" xmlns:r="http://schemas.openxmlformats.org/officeDocument/2006/relationships" xmlns:p="http://schemas.openxmlformats.org/presentationml/2006/main">
+  <p:cSld>
+    <p:spTree>
+      <p:nvGrpSpPr>
+        <p:cNvPr id="1" name=""/>
+        <p:cNvGrpSpPr/>
+        <p:nvPr/>
+      </p:nvGrpSpPr>
+      <p:grpSpPr>
+        <a:xfrm>
+          <a:off x="0" y="0"/>
+          <a:ext cx="0" cy="0"/>
+          <a:chOff x="0" y="0"/>
+          <a:chExt cx="0" cy="0"/>
+        </a:xfrm>
+      </p:grpSpPr>
+    </p:spTree>
+    <p:extLst>
+      <p:ext uri="{BB962C8B-B14F-4D97-AF65-F5344CB8AC3E}">
+        <p14:creationId xmlns:p14="http://schemas.microsoft.com/office/powerpoint/2010/main" val="2422906255"/>
+      </p:ext>
+    </p:extLst>
+  </p:cSld>
+  <p:clrMapOvr>
+    <a:masterClrMapping/>
+  </p:clrMapOvr>
+</p:sld>
+</file>
+
+<file path=ppt/slides/slide11.xml><?xml version="1.0" encoding="utf-8"?>
+<p:sld xmlns:a="http://schemas.openxmlformats.org/drawingml/2006/main" xmlns:r="http://schemas.openxmlformats.org/officeDocument/2006/relationships" xmlns:p="http://schemas.openxmlformats.org/presentationml/2006/main">
+  <p:cSld>
+    <p:bg>
+      <p:bgPr>
+        <a:solidFill>
+          <a:schemeClr val="bg1"/>
+        </a:solidFill>
+        <a:effectLst/>
+      </p:bgPr>
+    </p:bg>
+    <p:spTree>
+      <p:nvGrpSpPr>
+        <p:cNvPr id="1" name=""/>
+        <p:cNvGrpSpPr/>
+        <p:nvPr/>
+      </p:nvGrpSpPr>
+      <p:grpSpPr>
+        <a:xfrm>
+          <a:off x="0" y="0"/>
+          <a:ext cx="0" cy="0"/>
+          <a:chOff x="0" y="0"/>
+          <a:chExt cx="0" cy="0"/>
+        </a:xfrm>
+      </p:grpSpPr>
+      <p:sp>
+        <p:nvSpPr>
+          <p:cNvPr id="8" name="Rectangle 7">
+            <a:extLst>
+              <a:ext uri="{FF2B5EF4-FFF2-40B4-BE49-F238E27FC236}">
+                <a16:creationId xmlns:a16="http://schemas.microsoft.com/office/drawing/2014/main" id="{3F24A09B-713F-43FC-AB6E-B88083968522}"/>
+              </a:ext>
+              <a:ext uri="{C183D7F6-B498-43B3-948B-1728B52AA6E4}">
+                <adec:decorative xmlns:adec="http://schemas.microsoft.com/office/drawing/2017/decorative" val="1"/>
+              </a:ext>
+            </a:extLst>
+          </p:cNvPr>
+          <p:cNvSpPr>
+            <a:spLocks noGrp="1" noRot="1" noChangeAspect="1" noMove="1" noResize="1" noEditPoints="1" noAdjustHandles="1" noChangeArrowheads="1" noChangeShapeType="1" noTextEdit="1"/>
+          </p:cNvSpPr>
+          <p:nvPr>
+            <p:extLst>
+              <p:ext uri="{386F3935-93C4-4BCD-93E2-E3B085C9AB24}">
+                <p16:designElem xmlns:p16="http://schemas.microsoft.com/office/powerpoint/2015/main" val="1"/>
+              </p:ext>
+            </p:extLst>
+          </p:nvPr>
+        </p:nvSpPr>
+        <p:spPr>
+          <a:xfrm>
+            <a:off x="0" y="0"/>
+            <a:ext cx="5468548" cy="6858000"/>
+          </a:xfrm>
+          <a:prstGeom prst="rect">
+            <a:avLst/>
+          </a:prstGeom>
+          <a:solidFill>
+            <a:schemeClr val="accent1"/>
+          </a:solidFill>
+          <a:ln>
+            <a:noFill/>
+          </a:ln>
+        </p:spPr>
+        <p:style>
+          <a:lnRef idx="2">
+            <a:schemeClr val="accent1">
+              <a:shade val="50000"/>
+            </a:schemeClr>
+          </a:lnRef>
+          <a:fillRef idx="1">
+            <a:schemeClr val="accent1"/>
+          </a:fillRef>
+          <a:effectRef idx="0">
+            <a:schemeClr val="accent1"/>
+          </a:effectRef>
+          <a:fontRef idx="minor">
+            <a:schemeClr val="lt1"/>
+          </a:fontRef>
+        </p:style>
+        <p:txBody>
+          <a:bodyPr rtlCol="0" anchor="ctr"/>
+          <a:lstStyle/>
+          <a:p>
+            <a:pPr algn="ctr"/>
+            <a:endParaRPr lang="en-US"/>
+          </a:p>
+        </p:txBody>
+      </p:sp>
+      <p:sp>
+        <p:nvSpPr>
+          <p:cNvPr id="3" name="กล่องข้อความ 2">
+            <a:extLst>
+              <a:ext uri="{FF2B5EF4-FFF2-40B4-BE49-F238E27FC236}">
+                <a16:creationId xmlns:a16="http://schemas.microsoft.com/office/drawing/2014/main" id="{FFB52979-AAC4-4AC7-A597-51CAC95CF1ED}"/>
+              </a:ext>
+            </a:extLst>
+          </p:cNvPr>
+          <p:cNvSpPr txBox="1"/>
+          <p:nvPr/>
+        </p:nvSpPr>
+        <p:spPr>
+          <a:xfrm>
+            <a:off x="646744" y="640080"/>
+            <a:ext cx="4173905" cy="5577818"/>
+          </a:xfrm>
+          <a:prstGeom prst="rect">
+            <a:avLst/>
+          </a:prstGeom>
+        </p:spPr>
+        <p:txBody>
+          <a:bodyPr vert="horz" lIns="91440" tIns="45720" rIns="91440" bIns="45720" rtlCol="0" anchor="ctr">
+            <a:normAutofit/>
+          </a:bodyPr>
+          <a:lstStyle/>
+          <a:p>
+            <a:pPr algn="r">
+              <a:lnSpc>
+                <a:spcPct val="90000"/>
+              </a:lnSpc>
+              <a:spcBef>
+                <a:spcPct val="0"/>
+              </a:spcBef>
+              <a:spcAft>
+                <a:spcPts val="600"/>
+              </a:spcAft>
+            </a:pPr>
+            <a:r>
+              <a:rPr lang="en-US" sz="5400" kern="1200">
+                <a:solidFill>
+                  <a:srgbClr val="FFFFFF"/>
+                </a:solidFill>
+                <a:latin typeface="+mj-lt"/>
+                <a:ea typeface="+mj-ea"/>
+                <a:cs typeface="+mj-cs"/>
+              </a:rPr>
+              <a:t>jest</a:t>
+            </a:r>
+          </a:p>
+        </p:txBody>
+      </p:sp>
+      <p:cxnSp>
+        <p:nvCxnSpPr>
+          <p:cNvPr id="10" name="Straight Connector 9">
+            <a:extLst>
+              <a:ext uri="{FF2B5EF4-FFF2-40B4-BE49-F238E27FC236}">
+                <a16:creationId xmlns:a16="http://schemas.microsoft.com/office/drawing/2014/main" id="{0B91AB35-C3B4-4B70-B3DD-13D63B7DA23D}"/>
+              </a:ext>
+              <a:ext uri="{C183D7F6-B498-43B3-948B-1728B52AA6E4}">
+                <adec:decorative xmlns:adec="http://schemas.microsoft.com/office/drawing/2017/decorative" val="1"/>
+              </a:ext>
+            </a:extLst>
+          </p:cNvPr>
+          <p:cNvCxnSpPr>
+            <a:cxnSpLocks noGrp="1" noRot="1" noChangeAspect="1" noMove="1" noResize="1" noEditPoints="1" noAdjustHandles="1" noChangeArrowheads="1" noChangeShapeType="1"/>
+          </p:cNvCxnSpPr>
+          <p:nvPr>
+            <p:extLst>
+              <p:ext uri="{386F3935-93C4-4BCD-93E2-E3B085C9AB24}">
+                <p16:designElem xmlns:p16="http://schemas.microsoft.com/office/powerpoint/2015/main" val="1"/>
+              </p:ext>
+            </p:extLst>
+          </p:nvPr>
+        </p:nvCxnSpPr>
+        <p:spPr>
+          <a:xfrm>
+            <a:off x="5133975" y="2423149"/>
+            <a:ext cx="0" cy="2011680"/>
+          </a:xfrm>
+          <a:prstGeom prst="line">
+            <a:avLst/>
+          </a:prstGeom>
+          <a:ln w="19050">
+            <a:solidFill>
+              <a:srgbClr val="FFFFFF">
+                <a:alpha val="80000"/>
+              </a:srgbClr>
+            </a:solidFill>
+          </a:ln>
+        </p:spPr>
+        <p:style>
+          <a:lnRef idx="1">
+            <a:schemeClr val="accent1"/>
+          </a:lnRef>
+          <a:fillRef idx="0">
+            <a:schemeClr val="accent1"/>
+          </a:fillRef>
+          <a:effectRef idx="0">
+            <a:schemeClr val="accent1"/>
+          </a:effectRef>
+          <a:fontRef idx="minor">
+            <a:schemeClr val="tx1"/>
+          </a:fontRef>
+        </p:style>
+      </p:cxnSp>
+      <p:pic>
+        <p:nvPicPr>
+          <p:cNvPr id="2" name="Picture 18" descr="Image result for jest  png">
+            <a:extLst>
+              <a:ext uri="{FF2B5EF4-FFF2-40B4-BE49-F238E27FC236}">
+                <a16:creationId xmlns:a16="http://schemas.microsoft.com/office/drawing/2014/main" id="{D2335888-715E-4CB8-AA75-425D0CF9AC72}"/>
+              </a:ext>
+            </a:extLst>
+          </p:cNvPr>
+          <p:cNvPicPr>
+            <a:picLocks noChangeAspect="1" noChangeArrowheads="1"/>
+          </p:cNvPicPr>
+          <p:nvPr/>
+        </p:nvPicPr>
+        <p:blipFill>
+          <a:blip r:embed="rId2">
+            <a:extLst>
+              <a:ext uri="{28A0092B-C50C-407E-A947-70E740481C1C}">
+                <a14:useLocalDpi xmlns:a14="http://schemas.microsoft.com/office/drawing/2010/main" val="0"/>
+              </a:ext>
+            </a:extLst>
+          </a:blip>
+          <a:stretch>
+            <a:fillRect/>
+          </a:stretch>
+        </p:blipFill>
+        <p:spPr bwMode="auto">
+          <a:xfrm>
+            <a:off x="6285593" y="640080"/>
+            <a:ext cx="5080283" cy="5578816"/>
+          </a:xfrm>
+          <a:prstGeom prst="rect">
+            <a:avLst/>
+          </a:prstGeom>
+          <a:noFill/>
+          <a:extLst>
+            <a:ext uri="{909E8E84-426E-40DD-AFC4-6F175D3DCCD1}">
+              <a14:hiddenFill xmlns:a14="http://schemas.microsoft.com/office/drawing/2010/main">
+                <a:solidFill>
+                  <a:srgbClr val="FFFFFF"/>
+                </a:solidFill>
+              </a14:hiddenFill>
+            </a:ext>
+          </a:extLst>
+        </p:spPr>
+      </p:pic>
+    </p:spTree>
+    <p:extLst>
+      <p:ext uri="{BB962C8B-B14F-4D97-AF65-F5344CB8AC3E}">
+        <p14:creationId xmlns:p14="http://schemas.microsoft.com/office/powerpoint/2010/main" val="4247002059"/>
+      </p:ext>
+    </p:extLst>
+  </p:cSld>
+  <p:clrMapOvr>
+    <a:masterClrMapping/>
+  </p:clrMapOvr>
+</p:sld>
+</file>
+
+<file path=ppt/slides/slide12.xml><?xml version="1.0" encoding="utf-8"?>
+<p:sld xmlns:a="http://schemas.openxmlformats.org/drawingml/2006/main" xmlns:r="http://schemas.openxmlformats.org/officeDocument/2006/relationships" xmlns:p="http://schemas.openxmlformats.org/presentationml/2006/main">
+  <p:cSld>
+    <p:bg>
+      <p:bgPr>
+        <a:solidFill>
+          <a:schemeClr val="bg1"/>
+        </a:solidFill>
+        <a:effectLst/>
+      </p:bgPr>
+    </p:bg>
+    <p:spTree>
+      <p:nvGrpSpPr>
+        <p:cNvPr id="1" name=""/>
+        <p:cNvGrpSpPr/>
+        <p:nvPr/>
+      </p:nvGrpSpPr>
+      <p:grpSpPr>
+        <a:xfrm>
+          <a:off x="0" y="0"/>
+          <a:ext cx="0" cy="0"/>
+          <a:chOff x="0" y="0"/>
+          <a:chExt cx="0" cy="0"/>
+        </a:xfrm>
+      </p:grpSpPr>
+      <p:pic>
+        <p:nvPicPr>
+          <p:cNvPr id="2" name="Picture 14" descr="Image result for travis ci">
+            <a:extLst>
+              <a:ext uri="{FF2B5EF4-FFF2-40B4-BE49-F238E27FC236}">
+                <a16:creationId xmlns:a16="http://schemas.microsoft.com/office/drawing/2014/main" id="{DC54034A-D6FE-4CCA-8979-5FDCCDC69990}"/>
+              </a:ext>
+            </a:extLst>
+          </p:cNvPr>
+          <p:cNvPicPr>
+            <a:picLocks noChangeAspect="1" noChangeArrowheads="1"/>
+          </p:cNvPicPr>
+          <p:nvPr/>
+        </p:nvPicPr>
+        <p:blipFill>
+          <a:blip r:embed="rId2">
+            <a:extLst>
+              <a:ext uri="{28A0092B-C50C-407E-A947-70E740481C1C}">
+                <a14:useLocalDpi xmlns:a14="http://schemas.microsoft.com/office/drawing/2010/main" val="0"/>
+              </a:ext>
+            </a:extLst>
+          </a:blip>
+          <a:stretch>
+            <a:fillRect/>
+          </a:stretch>
+        </p:blipFill>
+        <p:spPr bwMode="auto">
+          <a:xfrm>
+            <a:off x="790221" y="643466"/>
+            <a:ext cx="10611557" cy="5571067"/>
+          </a:xfrm>
+          <a:prstGeom prst="rect">
+            <a:avLst/>
+          </a:prstGeom>
+          <a:noFill/>
+          <a:extLst>
+            <a:ext uri="{909E8E84-426E-40DD-AFC4-6F175D3DCCD1}">
+              <a14:hiddenFill xmlns:a14="http://schemas.microsoft.com/office/drawing/2010/main">
+                <a:solidFill>
+                  <a:srgbClr val="FFFFFF"/>
+                </a:solidFill>
+              </a14:hiddenFill>
+            </a:ext>
+          </a:extLst>
+        </p:spPr>
+      </p:pic>
+    </p:spTree>
+    <p:extLst>
+      <p:ext uri="{BB962C8B-B14F-4D97-AF65-F5344CB8AC3E}">
+        <p14:creationId xmlns:p14="http://schemas.microsoft.com/office/powerpoint/2010/main" val="3914338576"/>
+      </p:ext>
+    </p:extLst>
+  </p:cSld>
+  <p:clrMapOvr>
+    <a:masterClrMapping/>
+  </p:clrMapOvr>
+</p:sld>
+</file>
+
+<file path=ppt/slides/slide13.xml><?xml version="1.0" encoding="utf-8"?>
+<p:sld xmlns:a="http://schemas.openxmlformats.org/drawingml/2006/main" xmlns:r="http://schemas.openxmlformats.org/officeDocument/2006/relationships" xmlns:p="http://schemas.openxmlformats.org/presentationml/2006/main">
+  <p:cSld>
+    <p:spTree>
+      <p:nvGrpSpPr>
+        <p:cNvPr id="1" name=""/>
+        <p:cNvGrpSpPr/>
+        <p:nvPr/>
+      </p:nvGrpSpPr>
+      <p:grpSpPr>
+        <a:xfrm>
+          <a:off x="0" y="0"/>
+          <a:ext cx="0" cy="0"/>
+          <a:chOff x="0" y="0"/>
+          <a:chExt cx="0" cy="0"/>
+        </a:xfrm>
+      </p:grpSpPr>
+    </p:spTree>
+    <p:extLst>
+      <p:ext uri="{BB962C8B-B14F-4D97-AF65-F5344CB8AC3E}">
+        <p14:creationId xmlns:p14="http://schemas.microsoft.com/office/powerpoint/2010/main" val="2311053893"/>
+      </p:ext>
+    </p:extLst>
+  </p:cSld>
+  <p:clrMapOvr>
+    <a:masterClrMapping/>
+  </p:clrMapOvr>
+</p:sld>
+</file>
+
+<file path=ppt/slides/slide14.xml><?xml version="1.0" encoding="utf-8"?>
+<p:sld xmlns:a="http://schemas.openxmlformats.org/drawingml/2006/main" xmlns:r="http://schemas.openxmlformats.org/officeDocument/2006/relationships" xmlns:p="http://schemas.openxmlformats.org/presentationml/2006/main">
+  <p:cSld>
+    <p:bg>
+      <p:bgPr>
+        <a:solidFill>
+          <a:schemeClr val="bg1"/>
+        </a:solidFill>
+        <a:effectLst/>
+      </p:bgPr>
+    </p:bg>
+    <p:spTree>
+      <p:nvGrpSpPr>
+        <p:cNvPr id="1" name=""/>
+        <p:cNvGrpSpPr/>
+        <p:nvPr/>
+      </p:nvGrpSpPr>
+      <p:grpSpPr>
+        <a:xfrm>
+          <a:off x="0" y="0"/>
+          <a:ext cx="0" cy="0"/>
+          <a:chOff x="0" y="0"/>
+          <a:chExt cx="0" cy="0"/>
+        </a:xfrm>
+      </p:grpSpPr>
+      <p:pic>
+        <p:nvPicPr>
+          <p:cNvPr id="2" name="รูปภาพ 1">
+            <a:extLst>
+              <a:ext uri="{FF2B5EF4-FFF2-40B4-BE49-F238E27FC236}">
+                <a16:creationId xmlns:a16="http://schemas.microsoft.com/office/drawing/2014/main" id="{8070E99C-3A17-4E2C-9DAC-2ECE9682453C}"/>
+              </a:ext>
+            </a:extLst>
+          </p:cNvPr>
+          <p:cNvPicPr>
+            <a:picLocks noChangeAspect="1"/>
+          </p:cNvPicPr>
+          <p:nvPr/>
+        </p:nvPicPr>
+        <p:blipFill rotWithShape="1">
+          <a:blip r:embed="rId2">
+            <a:alphaModFix amt="35000"/>
+          </a:blip>
+          <a:srcRect l="2638" r="1" b="1"/>
+          <a:stretch/>
+        </p:blipFill>
+        <p:spPr>
+          <a:xfrm>
+            <a:off x="0" y="0"/>
+            <a:ext cx="12192000" cy="6855958"/>
+          </a:xfrm>
+          <a:prstGeom prst="rect">
+            <a:avLst/>
+          </a:prstGeom>
+        </p:spPr>
+      </p:pic>
+      <p:sp>
+        <p:nvSpPr>
+          <p:cNvPr id="3" name="กล่องข้อความ 2">
+            <a:extLst>
+              <a:ext uri="{FF2B5EF4-FFF2-40B4-BE49-F238E27FC236}">
+                <a16:creationId xmlns:a16="http://schemas.microsoft.com/office/drawing/2014/main" id="{76246E2F-4A5D-4AF7-8125-55E48D5BE652}"/>
+              </a:ext>
+            </a:extLst>
+          </p:cNvPr>
+          <p:cNvSpPr txBox="1"/>
+          <p:nvPr/>
+        </p:nvSpPr>
+        <p:spPr>
+          <a:xfrm>
+            <a:off x="244577" y="2365241"/>
+            <a:ext cx="1641373" cy="625610"/>
+          </a:xfrm>
+          <a:prstGeom prst="rect">
+            <a:avLst/>
+          </a:prstGeom>
+        </p:spPr>
+        <p:txBody>
+          <a:bodyPr vert="horz" lIns="91440" tIns="45720" rIns="91440" bIns="45720" rtlCol="0" anchor="t">
+            <a:normAutofit fontScale="47500" lnSpcReduction="20000"/>
+          </a:bodyPr>
+          <a:lstStyle/>
+          <a:p>
+            <a:pPr>
+              <a:lnSpc>
+                <a:spcPct val="90000"/>
+              </a:lnSpc>
+              <a:spcBef>
+                <a:spcPct val="0"/>
+              </a:spcBef>
+              <a:spcAft>
+                <a:spcPts val="600"/>
+              </a:spcAft>
+            </a:pPr>
+            <a:endParaRPr lang="en-US" sz="9600" kern="1200" dirty="0">
+              <a:solidFill>
+                <a:schemeClr val="tx1"/>
+              </a:solidFill>
+              <a:latin typeface="Abadi Extra Light" panose="020B0604020202020204" pitchFamily="34" charset="0"/>
+              <a:ea typeface="+mj-ea"/>
+              <a:cs typeface="+mj-cs"/>
+            </a:endParaRPr>
+          </a:p>
+        </p:txBody>
+      </p:sp>
+      <p:sp>
+        <p:nvSpPr>
+          <p:cNvPr id="71" name="Freeform: Shape 70">
+            <a:extLst>
+              <a:ext uri="{FF2B5EF4-FFF2-40B4-BE49-F238E27FC236}">
+                <a16:creationId xmlns:a16="http://schemas.microsoft.com/office/drawing/2014/main" id="{BCC55ACC-A2F6-403C-A3A4-D59B3734D45F}"/>
+              </a:ext>
+              <a:ext uri="{C183D7F6-B498-43B3-948B-1728B52AA6E4}">
+                <adec:decorative xmlns:adec="http://schemas.microsoft.com/office/drawing/2017/decorative" val="1"/>
+              </a:ext>
+            </a:extLst>
+          </p:cNvPr>
+          <p:cNvSpPr>
+            <a:spLocks noGrp="1" noRot="1" noChangeAspect="1" noMove="1" noResize="1" noEditPoints="1" noAdjustHandles="1" noChangeArrowheads="1" noChangeShapeType="1" noTextEdit="1"/>
+          </p:cNvSpPr>
+          <p:nvPr>
+            <p:extLst>
+              <p:ext uri="{386F3935-93C4-4BCD-93E2-E3B085C9AB24}">
+                <p16:designElem xmlns:p16="http://schemas.microsoft.com/office/powerpoint/2015/main" val="1"/>
+              </p:ext>
+            </p:extLst>
+          </p:nvPr>
+        </p:nvSpPr>
+        <p:spPr>
+          <a:xfrm>
+            <a:off x="5857312" y="381000"/>
+            <a:ext cx="6334689" cy="6477000"/>
+          </a:xfrm>
+          <a:custGeom>
+            <a:avLst/>
+            <a:gdLst>
+              <a:gd name="connsiteX0" fmla="*/ 3561588 w 6334689"/>
+              <a:gd name="connsiteY0" fmla="*/ 0 h 6477000"/>
+              <a:gd name="connsiteX1" fmla="*/ 6309883 w 6334689"/>
+              <a:gd name="connsiteY1" fmla="*/ 1296087 h 6477000"/>
+              <a:gd name="connsiteX2" fmla="*/ 6334689 w 6334689"/>
+              <a:gd name="connsiteY2" fmla="*/ 1329261 h 6477000"/>
+              <a:gd name="connsiteX3" fmla="*/ 6334689 w 6334689"/>
+              <a:gd name="connsiteY3" fmla="*/ 5793916 h 6477000"/>
+              <a:gd name="connsiteX4" fmla="*/ 6309883 w 6334689"/>
+              <a:gd name="connsiteY4" fmla="*/ 5827089 h 6477000"/>
+              <a:gd name="connsiteX5" fmla="*/ 5760467 w 6334689"/>
+              <a:gd name="connsiteY5" fmla="*/ 6363539 h 6477000"/>
+              <a:gd name="connsiteX6" fmla="*/ 5607796 w 6334689"/>
+              <a:gd name="connsiteY6" fmla="*/ 6477000 h 6477000"/>
+              <a:gd name="connsiteX7" fmla="*/ 1519571 w 6334689"/>
+              <a:gd name="connsiteY7" fmla="*/ 6477000 h 6477000"/>
+              <a:gd name="connsiteX8" fmla="*/ 1296088 w 6334689"/>
+              <a:gd name="connsiteY8" fmla="*/ 6309883 h 6477000"/>
+              <a:gd name="connsiteX9" fmla="*/ 0 w 6334689"/>
+              <a:gd name="connsiteY9" fmla="*/ 3561588 h 6477000"/>
+              <a:gd name="connsiteX10" fmla="*/ 3561588 w 6334689"/>
+              <a:gd name="connsiteY10" fmla="*/ 0 h 6477000"/>
+            </a:gdLst>
+            <a:ahLst/>
+            <a:cxnLst>
+              <a:cxn ang="0">
+                <a:pos x="connsiteX0" y="connsiteY0"/>
+              </a:cxn>
+              <a:cxn ang="0">
+                <a:pos x="connsiteX1" y="connsiteY1"/>
+              </a:cxn>
+              <a:cxn ang="0">
+                <a:pos x="connsiteX2" y="connsiteY2"/>
+              </a:cxn>
+              <a:cxn ang="0">
+                <a:pos x="connsiteX3" y="connsiteY3"/>
+              </a:cxn>
+              <a:cxn ang="0">
+                <a:pos x="connsiteX4" y="connsiteY4"/>
+              </a:cxn>
+              <a:cxn ang="0">
+                <a:pos x="connsiteX5" y="connsiteY5"/>
+              </a:cxn>
+              <a:cxn ang="0">
+                <a:pos x="connsiteX6" y="connsiteY6"/>
+              </a:cxn>
+              <a:cxn ang="0">
+                <a:pos x="connsiteX7" y="connsiteY7"/>
+              </a:cxn>
+              <a:cxn ang="0">
+                <a:pos x="connsiteX8" y="connsiteY8"/>
+              </a:cxn>
+              <a:cxn ang="0">
+                <a:pos x="connsiteX9" y="connsiteY9"/>
+              </a:cxn>
+              <a:cxn ang="0">
+                <a:pos x="connsiteX10" y="connsiteY10"/>
+              </a:cxn>
+            </a:cxnLst>
+            <a:rect l="l" t="t" r="r" b="b"/>
+            <a:pathLst>
+              <a:path w="6334689" h="6477000">
+                <a:moveTo>
+                  <a:pt x="3561588" y="0"/>
+                </a:moveTo>
+                <a:cubicBezTo>
+                  <a:pt x="4668032" y="0"/>
+                  <a:pt x="5656635" y="504534"/>
+                  <a:pt x="6309883" y="1296087"/>
+                </a:cubicBezTo>
+                <a:lnTo>
+                  <a:pt x="6334689" y="1329261"/>
+                </a:lnTo>
+                <a:lnTo>
+                  <a:pt x="6334689" y="5793916"/>
+                </a:lnTo>
+                <a:lnTo>
+                  <a:pt x="6309883" y="5827089"/>
+                </a:lnTo>
+                <a:cubicBezTo>
+                  <a:pt x="6146571" y="6024977"/>
+                  <a:pt x="5962299" y="6204927"/>
+                  <a:pt x="5760467" y="6363539"/>
+                </a:cubicBezTo>
+                <a:lnTo>
+                  <a:pt x="5607796" y="6477000"/>
+                </a:lnTo>
+                <a:lnTo>
+                  <a:pt x="1519571" y="6477000"/>
+                </a:lnTo>
+                <a:lnTo>
+                  <a:pt x="1296088" y="6309883"/>
+                </a:lnTo>
+                <a:cubicBezTo>
+                  <a:pt x="504535" y="5656635"/>
+                  <a:pt x="0" y="4668032"/>
+                  <a:pt x="0" y="3561588"/>
+                </a:cubicBezTo>
+                <a:cubicBezTo>
+                  <a:pt x="0" y="1594577"/>
+                  <a:pt x="1594577" y="0"/>
+                  <a:pt x="3561588" y="0"/>
+                </a:cubicBezTo>
+                <a:close/>
+              </a:path>
+            </a:pathLst>
+          </a:custGeom>
+          <a:solidFill>
+            <a:srgbClr val="FFFFFF">
+              <a:alpha val="80000"/>
+            </a:srgbClr>
+          </a:solidFill>
+          <a:ln>
+            <a:noFill/>
+          </a:ln>
+        </p:spPr>
+        <p:style>
+          <a:lnRef idx="2">
+            <a:schemeClr val="accent1">
+              <a:shade val="50000"/>
+            </a:schemeClr>
+          </a:lnRef>
+          <a:fillRef idx="1">
+            <a:schemeClr val="accent1"/>
+          </a:fillRef>
+          <a:effectRef idx="0">
+            <a:schemeClr val="accent1"/>
+          </a:effectRef>
+          <a:fontRef idx="minor">
+            <a:schemeClr val="lt1"/>
+          </a:fontRef>
+        </p:style>
+        <p:txBody>
+          <a:bodyPr rtlCol="0" anchor="ctr"/>
+          <a:lstStyle/>
+          <a:p>
+            <a:pPr marL="0" marR="0" lvl="0" indent="0" algn="ctr" defTabSz="914400" rtl="0" eaLnBrk="1" fontAlgn="auto" latinLnBrk="0" hangingPunct="1">
+              <a:lnSpc>
+                <a:spcPct val="100000"/>
+              </a:lnSpc>
+              <a:spcBef>
+                <a:spcPts val="0"/>
+              </a:spcBef>
+              <a:spcAft>
+                <a:spcPts val="0"/>
+              </a:spcAft>
+              <a:buClrTx/>
+              <a:buSzTx/>
+              <a:buFontTx/>
+              <a:buNone/>
+              <a:tabLst/>
+              <a:defRPr/>
+            </a:pPr>
+            <a:endParaRPr kumimoji="0" lang="en-US" sz="1800" b="0" i="0" u="none" strike="noStrike" kern="1200" cap="none" spc="0" normalizeH="0" baseline="0" noProof="0">
+              <a:ln>
+                <a:noFill/>
+              </a:ln>
+              <a:solidFill>
+                <a:prstClr val="white"/>
+              </a:solidFill>
+              <a:effectLst/>
+              <a:uLnTx/>
+              <a:uFillTx/>
+              <a:latin typeface="Calibri" panose="020F0502020204030204"/>
+              <a:ea typeface="+mn-ea"/>
+              <a:cs typeface="+mn-cs"/>
+            </a:endParaRPr>
+          </a:p>
+        </p:txBody>
+      </p:sp>
+      <p:pic>
+        <p:nvPicPr>
+          <p:cNvPr id="3074" name="Picture 2" descr="Image result for weavework">
+            <a:extLst>
+              <a:ext uri="{FF2B5EF4-FFF2-40B4-BE49-F238E27FC236}">
+                <a16:creationId xmlns:a16="http://schemas.microsoft.com/office/drawing/2014/main" id="{BD0EF642-5E48-4DD8-AE2D-2732E0322939}"/>
+              </a:ext>
+            </a:extLst>
+          </p:cNvPr>
+          <p:cNvPicPr>
+            <a:picLocks noChangeAspect="1" noChangeArrowheads="1"/>
+          </p:cNvPicPr>
+          <p:nvPr/>
+        </p:nvPicPr>
+        <p:blipFill rotWithShape="1">
+          <a:blip r:embed="rId3">
+            <a:extLst>
+              <a:ext uri="{28A0092B-C50C-407E-A947-70E740481C1C}">
+                <a14:useLocalDpi xmlns:a14="http://schemas.microsoft.com/office/drawing/2010/main" val="0"/>
+              </a:ext>
+            </a:extLst>
+          </a:blip>
+          <a:srcRect l="97" r="2157"/>
+          <a:stretch/>
+        </p:blipFill>
+        <p:spPr bwMode="auto">
+          <a:xfrm>
+            <a:off x="6021086" y="544802"/>
+            <a:ext cx="6170914" cy="6313225"/>
+          </a:xfrm>
+          <a:custGeom>
+            <a:avLst/>
+            <a:gdLst>
+              <a:gd name="connsiteX0" fmla="*/ 3397813 w 6170914"/>
+              <a:gd name="connsiteY0" fmla="*/ 0 h 6313225"/>
+              <a:gd name="connsiteX1" fmla="*/ 6019731 w 6170914"/>
+              <a:gd name="connsiteY1" fmla="*/ 1236489 h 6313225"/>
+              <a:gd name="connsiteX2" fmla="*/ 6170914 w 6170914"/>
+              <a:gd name="connsiteY2" fmla="*/ 1438663 h 6313225"/>
+              <a:gd name="connsiteX3" fmla="*/ 6170914 w 6170914"/>
+              <a:gd name="connsiteY3" fmla="*/ 5356963 h 6313225"/>
+              <a:gd name="connsiteX4" fmla="*/ 6019731 w 6170914"/>
+              <a:gd name="connsiteY4" fmla="*/ 5559138 h 6313225"/>
+              <a:gd name="connsiteX5" fmla="*/ 5194591 w 6170914"/>
+              <a:gd name="connsiteY5" fmla="*/ 6282226 h 6313225"/>
+              <a:gd name="connsiteX6" fmla="*/ 5141791 w 6170914"/>
+              <a:gd name="connsiteY6" fmla="*/ 6313225 h 6313225"/>
+              <a:gd name="connsiteX7" fmla="*/ 1659199 w 6170914"/>
+              <a:gd name="connsiteY7" fmla="*/ 6313225 h 6313225"/>
+              <a:gd name="connsiteX8" fmla="*/ 1498064 w 6170914"/>
+              <a:gd name="connsiteY8" fmla="*/ 6215333 h 6313225"/>
+              <a:gd name="connsiteX9" fmla="*/ 0 w 6170914"/>
+              <a:gd name="connsiteY9" fmla="*/ 3397813 h 6313225"/>
+              <a:gd name="connsiteX10" fmla="*/ 3397813 w 6170914"/>
+              <a:gd name="connsiteY10" fmla="*/ 0 h 6313225"/>
+            </a:gdLst>
+            <a:ahLst/>
+            <a:cxnLst>
+              <a:cxn ang="0">
+                <a:pos x="connsiteX0" y="connsiteY0"/>
+              </a:cxn>
+              <a:cxn ang="0">
+                <a:pos x="connsiteX1" y="connsiteY1"/>
+              </a:cxn>
+              <a:cxn ang="0">
+                <a:pos x="connsiteX2" y="connsiteY2"/>
+              </a:cxn>
+              <a:cxn ang="0">
+                <a:pos x="connsiteX3" y="connsiteY3"/>
+              </a:cxn>
+              <a:cxn ang="0">
+                <a:pos x="connsiteX4" y="connsiteY4"/>
+              </a:cxn>
+              <a:cxn ang="0">
+                <a:pos x="connsiteX5" y="connsiteY5"/>
+              </a:cxn>
+              <a:cxn ang="0">
+                <a:pos x="connsiteX6" y="connsiteY6"/>
+              </a:cxn>
+              <a:cxn ang="0">
+                <a:pos x="connsiteX7" y="connsiteY7"/>
+              </a:cxn>
+              <a:cxn ang="0">
+                <a:pos x="connsiteX8" y="connsiteY8"/>
+              </a:cxn>
+              <a:cxn ang="0">
+                <a:pos x="connsiteX9" y="connsiteY9"/>
+              </a:cxn>
+              <a:cxn ang="0">
+                <a:pos x="connsiteX10" y="connsiteY10"/>
+              </a:cxn>
+            </a:cxnLst>
+            <a:rect l="l" t="t" r="r" b="b"/>
+            <a:pathLst>
+              <a:path w="6170914" h="6313225">
+                <a:moveTo>
+                  <a:pt x="3397813" y="0"/>
+                </a:moveTo>
+                <a:cubicBezTo>
+                  <a:pt x="4453378" y="0"/>
+                  <a:pt x="5396522" y="481334"/>
+                  <a:pt x="6019731" y="1236489"/>
+                </a:cubicBezTo>
+                <a:lnTo>
+                  <a:pt x="6170914" y="1438663"/>
+                </a:lnTo>
+                <a:lnTo>
+                  <a:pt x="6170914" y="5356963"/>
+                </a:lnTo>
+                <a:lnTo>
+                  <a:pt x="6019731" y="5559138"/>
+                </a:lnTo>
+                <a:cubicBezTo>
+                  <a:pt x="5786028" y="5842321"/>
+                  <a:pt x="5507333" y="6086998"/>
+                  <a:pt x="5194591" y="6282226"/>
+                </a:cubicBezTo>
+                <a:lnTo>
+                  <a:pt x="5141791" y="6313225"/>
+                </a:lnTo>
+                <a:lnTo>
+                  <a:pt x="1659199" y="6313225"/>
+                </a:lnTo>
+                <a:lnTo>
+                  <a:pt x="1498064" y="6215333"/>
+                </a:lnTo>
+                <a:cubicBezTo>
+                  <a:pt x="594240" y="5604721"/>
+                  <a:pt x="0" y="4570663"/>
+                  <a:pt x="0" y="3397813"/>
+                </a:cubicBezTo>
+                <a:cubicBezTo>
+                  <a:pt x="0" y="1521253"/>
+                  <a:pt x="1521253" y="0"/>
+                  <a:pt x="3397813" y="0"/>
+                </a:cubicBezTo>
+                <a:close/>
+              </a:path>
+            </a:pathLst>
+          </a:custGeom>
+          <a:noFill/>
+          <a:extLst>
+            <a:ext uri="{909E8E84-426E-40DD-AFC4-6F175D3DCCD1}">
+              <a14:hiddenFill xmlns:a14="http://schemas.microsoft.com/office/drawing/2010/main">
+                <a:solidFill>
+                  <a:srgbClr val="FFFFFF"/>
+                </a:solidFill>
+              </a14:hiddenFill>
+            </a:ext>
+          </a:extLst>
+        </p:spPr>
+      </p:pic>
+    </p:spTree>
+    <p:extLst>
+      <p:ext uri="{BB962C8B-B14F-4D97-AF65-F5344CB8AC3E}">
+        <p14:creationId xmlns:p14="http://schemas.microsoft.com/office/powerpoint/2010/main" val="4036562179"/>
+      </p:ext>
+    </p:extLst>
+  </p:cSld>
+  <p:clrMapOvr>
+    <a:overrideClrMapping bg1="dk1" tx1="lt1" bg2="dk2" tx2="lt2" accent1="accent1" accent2="accent2" accent3="accent3" accent4="accent4" accent5="accent5" accent6="accent6" hlink="hlink" folHlink="folHlink"/>
+  </p:clrMapOvr>
+</p:sld>
+</file>
+
+<file path=ppt/slides/slide15.xml><?xml version="1.0" encoding="utf-8"?>
+<p:sld xmlns:a="http://schemas.openxmlformats.org/drawingml/2006/main" xmlns:r="http://schemas.openxmlformats.org/officeDocument/2006/relationships" xmlns:p="http://schemas.openxmlformats.org/presentationml/2006/main">
+  <p:cSld>
+    <p:bg>
+      <p:bgPr>
+        <a:solidFill>
+          <a:schemeClr val="bg1"/>
+        </a:solidFill>
+        <a:effectLst/>
+      </p:bgPr>
+    </p:bg>
+    <p:spTree>
+      <p:nvGrpSpPr>
+        <p:cNvPr id="1" name=""/>
+        <p:cNvGrpSpPr/>
+        <p:nvPr/>
+      </p:nvGrpSpPr>
+      <p:grpSpPr>
+        <a:xfrm>
+          <a:off x="0" y="0"/>
+          <a:ext cx="0" cy="0"/>
+          <a:chOff x="0" y="0"/>
+          <a:chExt cx="0" cy="0"/>
+        </a:xfrm>
+      </p:grpSpPr>
+      <p:pic>
+        <p:nvPicPr>
+          <p:cNvPr id="2" name="รูปภาพ 1">
+            <a:extLst>
+              <a:ext uri="{FF2B5EF4-FFF2-40B4-BE49-F238E27FC236}">
+                <a16:creationId xmlns:a16="http://schemas.microsoft.com/office/drawing/2014/main" id="{3A2D5D66-4A20-4873-9941-108EC4522536}"/>
+              </a:ext>
+            </a:extLst>
+          </p:cNvPr>
+          <p:cNvPicPr>
+            <a:picLocks noChangeAspect="1"/>
+          </p:cNvPicPr>
+          <p:nvPr/>
+        </p:nvPicPr>
+        <p:blipFill>
+          <a:blip r:embed="rId2"/>
+          <a:stretch>
+            <a:fillRect/>
+          </a:stretch>
+        </p:blipFill>
+        <p:spPr>
+          <a:xfrm>
+            <a:off x="643467" y="1316143"/>
+            <a:ext cx="10905066" cy="4225712"/>
+          </a:xfrm>
+          <a:prstGeom prst="rect">
+            <a:avLst/>
+          </a:prstGeom>
+        </p:spPr>
+      </p:pic>
+      <p:sp>
+        <p:nvSpPr>
+          <p:cNvPr id="3" name="สี่เหลี่ยมผืนผ้า 2">
+            <a:extLst>
+              <a:ext uri="{FF2B5EF4-FFF2-40B4-BE49-F238E27FC236}">
+                <a16:creationId xmlns:a16="http://schemas.microsoft.com/office/drawing/2014/main" id="{E71079F2-5B98-4AEB-A59E-5FFADCAF3D43}"/>
+              </a:ext>
+            </a:extLst>
+          </p:cNvPr>
+          <p:cNvSpPr/>
+          <p:nvPr/>
+        </p:nvSpPr>
+        <p:spPr>
+          <a:xfrm>
+            <a:off x="0" y="5903805"/>
+            <a:ext cx="11849100" cy="646331"/>
+          </a:xfrm>
+          <a:prstGeom prst="rect">
+            <a:avLst/>
+          </a:prstGeom>
+        </p:spPr>
+        <p:txBody>
+          <a:bodyPr wrap="square">
+            <a:spAutoFit/>
+          </a:bodyPr>
+          <a:lstStyle/>
+          <a:p>
+            <a:r>
+              <a:rPr lang="en-US" dirty="0"/>
+              <a:t>https://www.weave.works/blog/kubernetes-anti-patterns-let-s-do-gitops-not-ciops?fbclid=IwAR260VE5YEg7HKWBRVWDB56NTaBFyunnm1c9Hk4YQwXJOa9L_hUYyLQUj-Q</a:t>
+            </a:r>
+          </a:p>
+        </p:txBody>
+      </p:sp>
+    </p:spTree>
+    <p:extLst>
+      <p:ext uri="{BB962C8B-B14F-4D97-AF65-F5344CB8AC3E}">
+        <p14:creationId xmlns:p14="http://schemas.microsoft.com/office/powerpoint/2010/main" val="3391822180"/>
+      </p:ext>
+    </p:extLst>
+  </p:cSld>
+  <p:clrMapOvr>
+    <a:masterClrMapping/>
+  </p:clrMapOvr>
+</p:sld>
+</file>
+
+<file path=ppt/slides/slide16.xml><?xml version="1.0" encoding="utf-8"?>
+<p:sld xmlns:a="http://schemas.openxmlformats.org/drawingml/2006/main" xmlns:r="http://schemas.openxmlformats.org/officeDocument/2006/relationships" xmlns:p="http://schemas.openxmlformats.org/presentationml/2006/main">
+  <p:cSld>
+    <p:spTree>
+      <p:nvGrpSpPr>
+        <p:cNvPr id="1" name=""/>
+        <p:cNvGrpSpPr/>
+        <p:nvPr/>
+      </p:nvGrpSpPr>
+      <p:grpSpPr>
+        <a:xfrm>
+          <a:off x="0" y="0"/>
+          <a:ext cx="0" cy="0"/>
+          <a:chOff x="0" y="0"/>
+          <a:chExt cx="0" cy="0"/>
+        </a:xfrm>
+      </p:grpSpPr>
+      <p:pic>
+        <p:nvPicPr>
+          <p:cNvPr id="2" name="Picture 10" descr="Image result for weave flux">
+            <a:extLst>
+              <a:ext uri="{FF2B5EF4-FFF2-40B4-BE49-F238E27FC236}">
+                <a16:creationId xmlns:a16="http://schemas.microsoft.com/office/drawing/2014/main" id="{D38F9577-35EA-4BD8-ADB8-1521A29FCAA2}"/>
+              </a:ext>
+            </a:extLst>
+          </p:cNvPr>
+          <p:cNvPicPr>
+            <a:picLocks noChangeAspect="1" noChangeArrowheads="1"/>
+          </p:cNvPicPr>
+          <p:nvPr/>
+        </p:nvPicPr>
+        <p:blipFill>
+          <a:blip r:embed="rId2">
+            <a:extLst>
+              <a:ext uri="{28A0092B-C50C-407E-A947-70E740481C1C}">
+                <a14:useLocalDpi xmlns:a14="http://schemas.microsoft.com/office/drawing/2010/main" val="0"/>
+              </a:ext>
+            </a:extLst>
+          </a:blip>
+          <a:srcRect/>
+          <a:stretch>
+            <a:fillRect/>
+          </a:stretch>
+        </p:blipFill>
+        <p:spPr bwMode="auto">
+          <a:xfrm>
+            <a:off x="3676650" y="738956"/>
+            <a:ext cx="5176802" cy="4973348"/>
+          </a:xfrm>
+          <a:prstGeom prst="rect">
+            <a:avLst/>
+          </a:prstGeom>
+          <a:noFill/>
+          <a:extLst>
+            <a:ext uri="{909E8E84-426E-40DD-AFC4-6F175D3DCCD1}">
+              <a14:hiddenFill xmlns:a14="http://schemas.microsoft.com/office/drawing/2010/main">
+                <a:solidFill>
+                  <a:srgbClr val="FFFFFF"/>
+                </a:solidFill>
+              </a14:hiddenFill>
+            </a:ext>
+          </a:extLst>
+        </p:spPr>
+      </p:pic>
+    </p:spTree>
+    <p:extLst>
+      <p:ext uri="{BB962C8B-B14F-4D97-AF65-F5344CB8AC3E}">
+        <p14:creationId xmlns:p14="http://schemas.microsoft.com/office/powerpoint/2010/main" val="733716257"/>
+      </p:ext>
+    </p:extLst>
+  </p:cSld>
+  <p:clrMapOvr>
+    <a:masterClrMapping/>
+  </p:clrMapOvr>
+</p:sld>
+</file>
+
+<file path=ppt/slides/slide17.xml><?xml version="1.0" encoding="utf-8"?>
+<p:sld xmlns:a="http://schemas.openxmlformats.org/drawingml/2006/main" xmlns:r="http://schemas.openxmlformats.org/officeDocument/2006/relationships" xmlns:p="http://schemas.openxmlformats.org/presentationml/2006/main">
+  <p:cSld>
+    <p:bg>
+      <p:bgPr>
+        <a:solidFill>
+          <a:schemeClr val="bg1"/>
+        </a:solidFill>
+        <a:effectLst/>
+      </p:bgPr>
+    </p:bg>
+    <p:spTree>
+      <p:nvGrpSpPr>
+        <p:cNvPr id="1" name=""/>
+        <p:cNvGrpSpPr/>
+        <p:nvPr/>
+      </p:nvGrpSpPr>
+      <p:grpSpPr>
+        <a:xfrm>
+          <a:off x="0" y="0"/>
+          <a:ext cx="0" cy="0"/>
+          <a:chOff x="0" y="0"/>
+          <a:chExt cx="0" cy="0"/>
+        </a:xfrm>
+      </p:grpSpPr>
+      <p:pic>
+        <p:nvPicPr>
+          <p:cNvPr id="2" name="Picture 8" descr="Image result for google cloud">
+            <a:extLst>
+              <a:ext uri="{FF2B5EF4-FFF2-40B4-BE49-F238E27FC236}">
+                <a16:creationId xmlns:a16="http://schemas.microsoft.com/office/drawing/2014/main" id="{5619E21E-296E-422A-980E-3B0E68926A28}"/>
+              </a:ext>
+            </a:extLst>
+          </p:cNvPr>
+          <p:cNvPicPr>
+            <a:picLocks noChangeAspect="1" noChangeArrowheads="1"/>
+          </p:cNvPicPr>
+          <p:nvPr/>
+        </p:nvPicPr>
+        <p:blipFill>
+          <a:blip r:embed="rId2">
+            <a:extLst>
+              <a:ext uri="{28A0092B-C50C-407E-A947-70E740481C1C}">
+                <a14:useLocalDpi xmlns:a14="http://schemas.microsoft.com/office/drawing/2010/main" val="0"/>
+              </a:ext>
+            </a:extLst>
+          </a:blip>
+          <a:stretch>
+            <a:fillRect/>
+          </a:stretch>
+        </p:blipFill>
+        <p:spPr bwMode="auto">
+          <a:xfrm>
+            <a:off x="1585014" y="643466"/>
+            <a:ext cx="9021972" cy="5571067"/>
+          </a:xfrm>
+          <a:prstGeom prst="rect">
+            <a:avLst/>
+          </a:prstGeom>
+          <a:noFill/>
+          <a:extLst>
+            <a:ext uri="{909E8E84-426E-40DD-AFC4-6F175D3DCCD1}">
+              <a14:hiddenFill xmlns:a14="http://schemas.microsoft.com/office/drawing/2010/main">
+                <a:solidFill>
+                  <a:srgbClr val="FFFFFF"/>
+                </a:solidFill>
+              </a14:hiddenFill>
+            </a:ext>
+          </a:extLst>
+        </p:spPr>
+      </p:pic>
+    </p:spTree>
+    <p:extLst>
+      <p:ext uri="{BB962C8B-B14F-4D97-AF65-F5344CB8AC3E}">
+        <p14:creationId xmlns:p14="http://schemas.microsoft.com/office/powerpoint/2010/main" val="2591163836"/>
+      </p:ext>
+    </p:extLst>
+  </p:cSld>
+  <p:clrMapOvr>
+    <a:masterClrMapping/>
+  </p:clrMapOvr>
+</p:sld>
+</file>
+
+<file path=ppt/slides/slide18.xml><?xml version="1.0" encoding="utf-8"?>
+<p:sld xmlns:a="http://schemas.openxmlformats.org/drawingml/2006/main" xmlns:r="http://schemas.openxmlformats.org/officeDocument/2006/relationships" xmlns:p="http://schemas.openxmlformats.org/presentationml/2006/main">
+  <p:cSld>
+    <p:bg>
+      <p:bgPr>
+        <a:solidFill>
+          <a:schemeClr val="bg1"/>
+        </a:solidFill>
+        <a:effectLst/>
+      </p:bgPr>
+    </p:bg>
+    <p:spTree>
+      <p:nvGrpSpPr>
+        <p:cNvPr id="1" name=""/>
+        <p:cNvGrpSpPr/>
+        <p:nvPr/>
+      </p:nvGrpSpPr>
+      <p:grpSpPr>
+        <a:xfrm>
+          <a:off x="0" y="0"/>
+          <a:ext cx="0" cy="0"/>
+          <a:chOff x="0" y="0"/>
+          <a:chExt cx="0" cy="0"/>
+        </a:xfrm>
+      </p:grpSpPr>
+      <p:pic>
+        <p:nvPicPr>
+          <p:cNvPr id="2" name="Picture 22" descr="Image result for kubernetes logo png">
+            <a:extLst>
+              <a:ext uri="{FF2B5EF4-FFF2-40B4-BE49-F238E27FC236}">
+                <a16:creationId xmlns:a16="http://schemas.microsoft.com/office/drawing/2014/main" id="{A386B761-BBB6-430D-AB29-A1E8CB1B40B5}"/>
+              </a:ext>
+            </a:extLst>
+          </p:cNvPr>
+          <p:cNvPicPr>
+            <a:picLocks noChangeAspect="1" noChangeArrowheads="1"/>
+          </p:cNvPicPr>
+          <p:nvPr/>
+        </p:nvPicPr>
+        <p:blipFill>
+          <a:blip r:embed="rId2">
+            <a:extLst>
+              <a:ext uri="{28A0092B-C50C-407E-A947-70E740481C1C}">
+                <a14:useLocalDpi xmlns:a14="http://schemas.microsoft.com/office/drawing/2010/main" val="0"/>
+              </a:ext>
+            </a:extLst>
+          </a:blip>
+          <a:stretch>
+            <a:fillRect/>
+          </a:stretch>
+        </p:blipFill>
+        <p:spPr bwMode="auto">
+          <a:xfrm>
+            <a:off x="484632" y="625419"/>
+            <a:ext cx="6716272" cy="5607162"/>
+          </a:xfrm>
+          <a:prstGeom prst="rect">
+            <a:avLst/>
+          </a:prstGeom>
+          <a:noFill/>
+          <a:extLst>
+            <a:ext uri="{909E8E84-426E-40DD-AFC4-6F175D3DCCD1}">
+              <a14:hiddenFill xmlns:a14="http://schemas.microsoft.com/office/drawing/2010/main">
+                <a:solidFill>
+                  <a:srgbClr val="FFFFFF"/>
+                </a:solidFill>
+              </a14:hiddenFill>
+            </a:ext>
+          </a:extLst>
+        </p:spPr>
+      </p:pic>
+      <p:pic>
+        <p:nvPicPr>
+          <p:cNvPr id="4" name="Picture 24" descr="Image result for helm kubernetes">
+            <a:extLst>
+              <a:ext uri="{FF2B5EF4-FFF2-40B4-BE49-F238E27FC236}">
+                <a16:creationId xmlns:a16="http://schemas.microsoft.com/office/drawing/2014/main" id="{A5E7F1B4-9B0C-4E2B-9906-37E7F78C1F08}"/>
+              </a:ext>
+            </a:extLst>
+          </p:cNvPr>
+          <p:cNvPicPr>
+            <a:picLocks noChangeAspect="1" noChangeArrowheads="1"/>
+          </p:cNvPicPr>
+          <p:nvPr/>
+        </p:nvPicPr>
+        <p:blipFill>
+          <a:blip r:embed="rId3">
+            <a:extLst>
+              <a:ext uri="{28A0092B-C50C-407E-A947-70E740481C1C}">
+                <a14:useLocalDpi xmlns:a14="http://schemas.microsoft.com/office/drawing/2010/main" val="0"/>
+              </a:ext>
+            </a:extLst>
+          </a:blip>
+          <a:stretch>
+            <a:fillRect/>
+          </a:stretch>
+        </p:blipFill>
+        <p:spPr bwMode="auto">
+          <a:xfrm>
+            <a:off x="7534655" y="1342644"/>
+            <a:ext cx="4172712" cy="4172712"/>
+          </a:xfrm>
+          <a:prstGeom prst="rect">
+            <a:avLst/>
+          </a:prstGeom>
+          <a:noFill/>
+          <a:extLst>
+            <a:ext uri="{909E8E84-426E-40DD-AFC4-6F175D3DCCD1}">
+              <a14:hiddenFill xmlns:a14="http://schemas.microsoft.com/office/drawing/2010/main">
+                <a:solidFill>
+                  <a:srgbClr val="FFFFFF"/>
+                </a:solidFill>
+              </a14:hiddenFill>
+            </a:ext>
+          </a:extLst>
+        </p:spPr>
+      </p:pic>
+    </p:spTree>
+    <p:extLst>
+      <p:ext uri="{BB962C8B-B14F-4D97-AF65-F5344CB8AC3E}">
+        <p14:creationId xmlns:p14="http://schemas.microsoft.com/office/powerpoint/2010/main" val="571223688"/>
+      </p:ext>
+    </p:extLst>
+  </p:cSld>
+  <p:clrMapOvr>
+    <a:masterClrMapping/>
+  </p:clrMapOvr>
+</p:sld>
+</file>
+
+<file path=ppt/slides/slide19.xml><?xml version="1.0" encoding="utf-8"?>
+<p:sld xmlns:a="http://schemas.openxmlformats.org/drawingml/2006/main" xmlns:r="http://schemas.openxmlformats.org/officeDocument/2006/relationships" xmlns:p="http://schemas.openxmlformats.org/presentationml/2006/main">
+  <p:cSld>
+    <p:bg>
+      <p:bgPr>
+        <a:solidFill>
+          <a:schemeClr val="bg1"/>
+        </a:solidFill>
+        <a:effectLst/>
+      </p:bgPr>
+    </p:bg>
+    <p:spTree>
+      <p:nvGrpSpPr>
+        <p:cNvPr id="1" name=""/>
+        <p:cNvGrpSpPr/>
+        <p:nvPr/>
+      </p:nvGrpSpPr>
+      <p:grpSpPr>
+        <a:xfrm>
+          <a:off x="0" y="0"/>
+          <a:ext cx="0" cy="0"/>
+          <a:chOff x="0" y="0"/>
+          <a:chExt cx="0" cy="0"/>
+        </a:xfrm>
+      </p:grpSpPr>
+      <p:pic>
+        <p:nvPicPr>
+          <p:cNvPr id="2" name="Picture 26" descr="Image result for istio logo png">
+            <a:extLst>
+              <a:ext uri="{FF2B5EF4-FFF2-40B4-BE49-F238E27FC236}">
+                <a16:creationId xmlns:a16="http://schemas.microsoft.com/office/drawing/2014/main" id="{5312BFD3-9FE9-47D7-B849-167B59402629}"/>
+              </a:ext>
+            </a:extLst>
+          </p:cNvPr>
+          <p:cNvPicPr>
+            <a:picLocks noChangeAspect="1" noChangeArrowheads="1"/>
+          </p:cNvPicPr>
+          <p:nvPr/>
+        </p:nvPicPr>
+        <p:blipFill>
+          <a:blip r:embed="rId2">
+            <a:extLst>
+              <a:ext uri="{28A0092B-C50C-407E-A947-70E740481C1C}">
+                <a14:useLocalDpi xmlns:a14="http://schemas.microsoft.com/office/drawing/2010/main" val="0"/>
+              </a:ext>
+            </a:extLst>
+          </a:blip>
+          <a:stretch>
+            <a:fillRect/>
+          </a:stretch>
+        </p:blipFill>
+        <p:spPr bwMode="auto">
+          <a:xfrm>
+            <a:off x="1253807" y="1123527"/>
+            <a:ext cx="4604800" cy="4604800"/>
+          </a:xfrm>
+          <a:prstGeom prst="rect">
+            <a:avLst/>
+          </a:prstGeom>
+          <a:noFill/>
+          <a:extLst>
+            <a:ext uri="{909E8E84-426E-40DD-AFC4-6F175D3DCCD1}">
+              <a14:hiddenFill xmlns:a14="http://schemas.microsoft.com/office/drawing/2010/main">
+                <a:solidFill>
+                  <a:srgbClr val="FFFFFF"/>
+                </a:solidFill>
+              </a14:hiddenFill>
+            </a:ext>
+          </a:extLst>
+        </p:spPr>
+      </p:pic>
+      <p:cxnSp>
+        <p:nvCxnSpPr>
+          <p:cNvPr id="14" name="Straight Connector 7">
+            <a:extLst>
+              <a:ext uri="{FF2B5EF4-FFF2-40B4-BE49-F238E27FC236}">
+                <a16:creationId xmlns:a16="http://schemas.microsoft.com/office/drawing/2014/main" id="{4D56677B-C0B7-4DAC-ACAD-8054FF1B599A}"/>
+              </a:ext>
+              <a:ext uri="{C183D7F6-B498-43B3-948B-1728B52AA6E4}">
+                <adec:decorative xmlns:adec="http://schemas.microsoft.com/office/drawing/2017/decorative" val="1"/>
+              </a:ext>
+            </a:extLst>
+          </p:cNvPr>
+          <p:cNvCxnSpPr>
+            <a:cxnSpLocks noGrp="1" noRot="1" noChangeAspect="1" noMove="1" noResize="1" noEditPoints="1" noAdjustHandles="1" noChangeArrowheads="1" noChangeShapeType="1"/>
+          </p:cNvCxnSpPr>
+          <p:nvPr>
+            <p:extLst>
+              <p:ext uri="{386F3935-93C4-4BCD-93E2-E3B085C9AB24}">
+                <p16:designElem xmlns:p16="http://schemas.microsoft.com/office/powerpoint/2015/main" val="1"/>
+              </p:ext>
+            </p:extLst>
+          </p:nvPr>
+        </p:nvCxnSpPr>
+        <p:spPr>
+          <a:xfrm>
+            <a:off x="6096000" y="1573887"/>
+            <a:ext cx="0" cy="3710227"/>
+          </a:xfrm>
+          <a:prstGeom prst="line">
+            <a:avLst/>
+          </a:prstGeom>
+          <a:ln w="19050">
+            <a:solidFill>
+              <a:srgbClr val="2963CB"/>
+            </a:solidFill>
+          </a:ln>
+        </p:spPr>
+        <p:style>
+          <a:lnRef idx="1">
+            <a:schemeClr val="accent1"/>
+          </a:lnRef>
+          <a:fillRef idx="0">
+            <a:schemeClr val="accent1"/>
+          </a:fillRef>
+          <a:effectRef idx="0">
+            <a:schemeClr val="accent1"/>
+          </a:effectRef>
+          <a:fontRef idx="minor">
+            <a:schemeClr val="tx1"/>
+          </a:fontRef>
+        </p:style>
+      </p:cxnSp>
+      <p:pic>
+        <p:nvPicPr>
+          <p:cNvPr id="3" name="Picture 2" descr="Image result for flagger istio logo">
+            <a:extLst>
+              <a:ext uri="{FF2B5EF4-FFF2-40B4-BE49-F238E27FC236}">
+                <a16:creationId xmlns:a16="http://schemas.microsoft.com/office/drawing/2014/main" id="{8EF8AD32-090E-43D0-805C-D2B98DB954A7}"/>
+              </a:ext>
+            </a:extLst>
+          </p:cNvPr>
+          <p:cNvPicPr>
+            <a:picLocks noChangeAspect="1" noChangeArrowheads="1"/>
+          </p:cNvPicPr>
+          <p:nvPr/>
+        </p:nvPicPr>
+        <p:blipFill>
+          <a:blip r:embed="rId3">
+            <a:extLst>
+              <a:ext uri="{28A0092B-C50C-407E-A947-70E740481C1C}">
+                <a14:useLocalDpi xmlns:a14="http://schemas.microsoft.com/office/drawing/2010/main" val="0"/>
+              </a:ext>
+            </a:extLst>
+          </a:blip>
+          <a:stretch>
+            <a:fillRect/>
+          </a:stretch>
+        </p:blipFill>
+        <p:spPr bwMode="auto">
+          <a:xfrm>
+            <a:off x="6343240" y="1123527"/>
+            <a:ext cx="4604800" cy="4604800"/>
+          </a:xfrm>
+          <a:prstGeom prst="rect">
+            <a:avLst/>
+          </a:prstGeom>
+          <a:noFill/>
+          <a:extLst>
+            <a:ext uri="{909E8E84-426E-40DD-AFC4-6F175D3DCCD1}">
+              <a14:hiddenFill xmlns:a14="http://schemas.microsoft.com/office/drawing/2010/main">
+                <a:solidFill>
+                  <a:srgbClr val="FFFFFF"/>
+                </a:solidFill>
+              </a14:hiddenFill>
+            </a:ext>
+          </a:extLst>
+        </p:spPr>
+      </p:pic>
+    </p:spTree>
+    <p:extLst>
+      <p:ext uri="{BB962C8B-B14F-4D97-AF65-F5344CB8AC3E}">
+        <p14:creationId xmlns:p14="http://schemas.microsoft.com/office/powerpoint/2010/main" val="3441340057"/>
+      </p:ext>
+    </p:extLst>
+  </p:cSld>
+  <p:clrMapOvr>
+    <a:masterClrMapping/>
+  </p:clrMapOvr>
+</p:sld>
+</file>
+
+<file path=ppt/slides/slide2.xml><?xml version="1.0" encoding="utf-8"?>
+<p:sld xmlns:a="http://schemas.openxmlformats.org/drawingml/2006/main" xmlns:r="http://schemas.openxmlformats.org/officeDocument/2006/relationships" xmlns:p="http://schemas.openxmlformats.org/presentationml/2006/main">
+  <p:cSld>
+    <p:spTree>
+      <p:nvGrpSpPr>
+        <p:cNvPr id="1" name=""/>
+        <p:cNvGrpSpPr/>
+        <p:nvPr/>
+      </p:nvGrpSpPr>
+      <p:grpSpPr>
+        <a:xfrm>
+          <a:off x="0" y="0"/>
+          <a:ext cx="0" cy="0"/>
+          <a:chOff x="0" y="0"/>
+          <a:chExt cx="0" cy="0"/>
+        </a:xfrm>
+      </p:grpSpPr>
+      <p:sp>
+        <p:nvSpPr>
+          <p:cNvPr id="2" name="กล่องข้อความ 1">
+            <a:extLst>
+              <a:ext uri="{FF2B5EF4-FFF2-40B4-BE49-F238E27FC236}">
+                <a16:creationId xmlns:a16="http://schemas.microsoft.com/office/drawing/2014/main" id="{77DC1400-49EC-4395-AF9B-4F49D8F8BC97}"/>
+              </a:ext>
+            </a:extLst>
+          </p:cNvPr>
+          <p:cNvSpPr txBox="1"/>
+          <p:nvPr/>
+        </p:nvSpPr>
+        <p:spPr>
+          <a:xfrm>
+            <a:off x="2021274" y="5276850"/>
+            <a:ext cx="3005951" cy="1107996"/>
+          </a:xfrm>
+          <a:prstGeom prst="rect">
+            <a:avLst/>
+          </a:prstGeom>
+          <a:noFill/>
+        </p:spPr>
+        <p:txBody>
+          <a:bodyPr wrap="none" rtlCol="0">
+            <a:spAutoFit/>
+          </a:bodyPr>
+          <a:lstStyle/>
+          <a:p>
+            <a:r>
+              <a:rPr lang="th-TH" sz="6600" dirty="0">
+                <a:latin typeface="Browallia New" panose="020B0604020202020204" pitchFamily="34" charset="-34"/>
+                <a:cs typeface="Browallia New" panose="020B0604020202020204" pitchFamily="34" charset="-34"/>
+              </a:rPr>
+              <a:t>แหล่งอ้างอิง</a:t>
+            </a:r>
+            <a:endParaRPr lang="en-US" sz="6600" dirty="0">
+              <a:latin typeface="Browallia New" panose="020B0604020202020204" pitchFamily="34" charset="-34"/>
+              <a:cs typeface="Browallia New" panose="020B0604020202020204" pitchFamily="34" charset="-34"/>
+            </a:endParaRPr>
+          </a:p>
+        </p:txBody>
+      </p:sp>
+      <p:pic>
+        <p:nvPicPr>
+          <p:cNvPr id="2050" name="Picture 2" descr="Image result for à¸­à¹à¸²à¸à¸­à¸´à¸ icon">
+            <a:extLst>
+              <a:ext uri="{FF2B5EF4-FFF2-40B4-BE49-F238E27FC236}">
+                <a16:creationId xmlns:a16="http://schemas.microsoft.com/office/drawing/2014/main" id="{3A3F421A-E3E0-453E-83B4-CBB1011E8879}"/>
+              </a:ext>
+            </a:extLst>
+          </p:cNvPr>
+          <p:cNvPicPr>
+            <a:picLocks noChangeAspect="1" noChangeArrowheads="1"/>
+          </p:cNvPicPr>
+          <p:nvPr/>
+        </p:nvPicPr>
+        <p:blipFill>
+          <a:blip r:embed="rId2">
+            <a:extLst>
+              <a:ext uri="{28A0092B-C50C-407E-A947-70E740481C1C}">
+                <a14:useLocalDpi xmlns:a14="http://schemas.microsoft.com/office/drawing/2010/main" val="0"/>
+              </a:ext>
+            </a:extLst>
+          </a:blip>
+          <a:srcRect/>
+          <a:stretch>
+            <a:fillRect/>
+          </a:stretch>
+        </p:blipFill>
+        <p:spPr bwMode="auto">
+          <a:xfrm>
+            <a:off x="5027225" y="666750"/>
+            <a:ext cx="4876800" cy="4876800"/>
+          </a:xfrm>
+          <a:prstGeom prst="rect">
+            <a:avLst/>
+          </a:prstGeom>
+          <a:noFill/>
+          <a:extLst>
+            <a:ext uri="{909E8E84-426E-40DD-AFC4-6F175D3DCCD1}">
+              <a14:hiddenFill xmlns:a14="http://schemas.microsoft.com/office/drawing/2010/main">
+                <a:solidFill>
+                  <a:srgbClr val="FFFFFF"/>
+                </a:solidFill>
+              </a14:hiddenFill>
+            </a:ext>
+          </a:extLst>
+        </p:spPr>
+      </p:pic>
+    </p:spTree>
+    <p:extLst>
+      <p:ext uri="{BB962C8B-B14F-4D97-AF65-F5344CB8AC3E}">
+        <p14:creationId xmlns:p14="http://schemas.microsoft.com/office/powerpoint/2010/main" val="2845043168"/>
+      </p:ext>
+    </p:extLst>
+  </p:cSld>
+  <p:clrMapOvr>
+    <a:masterClrMapping/>
+  </p:clrMapOvr>
+</p:sld>
+</file>
+
+<file path=ppt/slides/slide20.xml><?xml version="1.0" encoding="utf-8"?>
+<p:sld xmlns:a="http://schemas.openxmlformats.org/drawingml/2006/main" xmlns:r="http://schemas.openxmlformats.org/officeDocument/2006/relationships" xmlns:p="http://schemas.openxmlformats.org/presentationml/2006/main">
+  <p:cSld>
+    <p:bg>
+      <p:bgPr>
+        <a:solidFill>
+          <a:schemeClr val="bg1"/>
+        </a:solidFill>
+        <a:effectLst/>
+      </p:bgPr>
+    </p:bg>
+    <p:spTree>
+      <p:nvGrpSpPr>
+        <p:cNvPr id="1" name=""/>
+        <p:cNvGrpSpPr/>
+        <p:nvPr/>
+      </p:nvGrpSpPr>
+      <p:grpSpPr>
+        <a:xfrm>
+          <a:off x="0" y="0"/>
+          <a:ext cx="0" cy="0"/>
+          <a:chOff x="0" y="0"/>
+          <a:chExt cx="0" cy="0"/>
+        </a:xfrm>
+      </p:grpSpPr>
+      <p:cxnSp>
+        <p:nvCxnSpPr>
+          <p:cNvPr id="73" name="Straight Connector 72">
+            <a:extLst>
+              <a:ext uri="{FF2B5EF4-FFF2-40B4-BE49-F238E27FC236}">
+                <a16:creationId xmlns:a16="http://schemas.microsoft.com/office/drawing/2014/main" id="{22F6364A-B358-4BEE-B158-0734D2C938D4}"/>
+              </a:ext>
+              <a:ext uri="{C183D7F6-B498-43B3-948B-1728B52AA6E4}">
+                <adec:decorative xmlns:adec="http://schemas.microsoft.com/office/drawing/2017/decorative" val="1"/>
+              </a:ext>
+            </a:extLst>
+          </p:cNvPr>
+          <p:cNvCxnSpPr>
+            <a:cxnSpLocks noGrp="1" noRot="1" noChangeAspect="1" noMove="1" noResize="1" noEditPoints="1" noAdjustHandles="1" noChangeArrowheads="1" noChangeShapeType="1"/>
+          </p:cNvCxnSpPr>
+          <p:nvPr>
+            <p:extLst>
+              <p:ext uri="{386F3935-93C4-4BCD-93E2-E3B085C9AB24}">
+                <p16:designElem xmlns:p16="http://schemas.microsoft.com/office/powerpoint/2015/main" val="1"/>
+              </p:ext>
+            </p:extLst>
+          </p:nvPr>
+        </p:nvCxnSpPr>
+        <p:spPr>
+          <a:xfrm>
+            <a:off x="3738202" y="1570814"/>
+            <a:ext cx="0" cy="3710227"/>
+          </a:xfrm>
+          <a:prstGeom prst="line">
+            <a:avLst/>
+          </a:prstGeom>
+          <a:ln w="19050">
+            <a:solidFill>
+              <a:srgbClr val="FF9200"/>
+            </a:solidFill>
+          </a:ln>
+        </p:spPr>
+        <p:style>
+          <a:lnRef idx="1">
+            <a:schemeClr val="accent1"/>
+          </a:lnRef>
+          <a:fillRef idx="0">
+            <a:schemeClr val="accent1"/>
+          </a:fillRef>
+          <a:effectRef idx="0">
+            <a:schemeClr val="accent1"/>
+          </a:effectRef>
+          <a:fontRef idx="minor">
+            <a:schemeClr val="tx1"/>
+          </a:fontRef>
+        </p:style>
+      </p:cxnSp>
+      <p:pic>
+        <p:nvPicPr>
+          <p:cNvPr id="1028" name="Picture 4" descr="Image result for scb png">
+            <a:extLst>
+              <a:ext uri="{FF2B5EF4-FFF2-40B4-BE49-F238E27FC236}">
+                <a16:creationId xmlns:a16="http://schemas.microsoft.com/office/drawing/2014/main" id="{D2EB6812-D721-4AE4-80F2-DE9487442B4A}"/>
+              </a:ext>
+            </a:extLst>
+          </p:cNvPr>
+          <p:cNvPicPr>
+            <a:picLocks noChangeAspect="1" noChangeArrowheads="1"/>
+          </p:cNvPicPr>
+          <p:nvPr/>
+        </p:nvPicPr>
+        <p:blipFill>
+          <a:blip r:embed="rId2">
+            <a:extLst>
+              <a:ext uri="{28A0092B-C50C-407E-A947-70E740481C1C}">
+                <a14:useLocalDpi xmlns:a14="http://schemas.microsoft.com/office/drawing/2010/main" val="0"/>
+              </a:ext>
+            </a:extLst>
+          </a:blip>
+          <a:stretch>
+            <a:fillRect/>
+          </a:stretch>
+        </p:blipFill>
+        <p:spPr bwMode="auto">
+          <a:xfrm>
+            <a:off x="4061860" y="1123527"/>
+            <a:ext cx="4604800" cy="4604800"/>
+          </a:xfrm>
+          <a:prstGeom prst="rect">
+            <a:avLst/>
+          </a:prstGeom>
+          <a:noFill/>
+          <a:extLst>
+            <a:ext uri="{909E8E84-426E-40DD-AFC4-6F175D3DCCD1}">
+              <a14:hiddenFill xmlns:a14="http://schemas.microsoft.com/office/drawing/2010/main">
+                <a:solidFill>
+                  <a:srgbClr val="FFFFFF"/>
+                </a:solidFill>
+              </a14:hiddenFill>
+            </a:ext>
+          </a:extLst>
+        </p:spPr>
+      </p:pic>
+      <p:sp>
+        <p:nvSpPr>
+          <p:cNvPr id="2" name="AutoShape 2" descr="Image result for scb">
+            <a:extLst>
+              <a:ext uri="{FF2B5EF4-FFF2-40B4-BE49-F238E27FC236}">
+                <a16:creationId xmlns:a16="http://schemas.microsoft.com/office/drawing/2014/main" id="{D59309A4-07CF-4089-B657-00B172D982E1}"/>
+              </a:ext>
+            </a:extLst>
+          </p:cNvPr>
+          <p:cNvSpPr>
+            <a:spLocks noChangeAspect="1" noChangeArrowheads="1"/>
+          </p:cNvSpPr>
+          <p:nvPr/>
+        </p:nvSpPr>
+        <p:spPr bwMode="auto">
+          <a:xfrm>
+            <a:off x="5943600" y="3276600"/>
+            <a:ext cx="304800" cy="304800"/>
+          </a:xfrm>
+          <a:prstGeom prst="rect">
+            <a:avLst/>
+          </a:prstGeom>
+          <a:noFill/>
+          <a:extLst>
+            <a:ext uri="{909E8E84-426E-40DD-AFC4-6F175D3DCCD1}">
+              <a14:hiddenFill xmlns:a14="http://schemas.microsoft.com/office/drawing/2010/main">
+                <a:solidFill>
+                  <a:srgbClr val="FFFFFF"/>
+                </a:solidFill>
+              </a14:hiddenFill>
+            </a:ext>
+          </a:extLst>
+        </p:spPr>
+        <p:txBody>
+          <a:bodyPr vert="horz" wrap="square" lIns="91440" tIns="45720" rIns="91440" bIns="45720" numCol="1" anchor="t" anchorCtr="0" compatLnSpc="1">
+            <a:prstTxWarp prst="textNoShape">
+              <a:avLst/>
+            </a:prstTxWarp>
+          </a:bodyPr>
+          <a:lstStyle/>
+          <a:p>
+            <a:endParaRPr lang="en-US"/>
+          </a:p>
+        </p:txBody>
+      </p:sp>
+    </p:spTree>
+    <p:extLst>
+      <p:ext uri="{BB962C8B-B14F-4D97-AF65-F5344CB8AC3E}">
+        <p14:creationId xmlns:p14="http://schemas.microsoft.com/office/powerpoint/2010/main" val="4271736517"/>
+      </p:ext>
+    </p:extLst>
+  </p:cSld>
+  <p:clrMapOvr>
+    <a:masterClrMapping/>
+  </p:clrMapOvr>
+</p:sld>
+</file>
+
+<file path=ppt/slides/slide21.xml><?xml version="1.0" encoding="utf-8"?>
+<p:sld xmlns:a="http://schemas.openxmlformats.org/drawingml/2006/main" xmlns:r="http://schemas.openxmlformats.org/officeDocument/2006/relationships" xmlns:p="http://schemas.openxmlformats.org/presentationml/2006/main">
+  <p:cSld>
+    <p:spTree>
+      <p:nvGrpSpPr>
+        <p:cNvPr id="1" name=""/>
+        <p:cNvGrpSpPr/>
+        <p:nvPr/>
+      </p:nvGrpSpPr>
+      <p:grpSpPr>
+        <a:xfrm>
+          <a:off x="0" y="0"/>
+          <a:ext cx="0" cy="0"/>
+          <a:chOff x="0" y="0"/>
+          <a:chExt cx="0" cy="0"/>
+        </a:xfrm>
+      </p:grpSpPr>
+      <p:pic>
+        <p:nvPicPr>
+          <p:cNvPr id="2" name="รูปภาพ 1">
+            <a:extLst>
+              <a:ext uri="{FF2B5EF4-FFF2-40B4-BE49-F238E27FC236}">
+                <a16:creationId xmlns:a16="http://schemas.microsoft.com/office/drawing/2014/main" id="{8787AB6B-53C0-4412-A477-828CC87DA389}"/>
+              </a:ext>
+            </a:extLst>
+          </p:cNvPr>
+          <p:cNvPicPr>
+            <a:picLocks noChangeAspect="1"/>
+          </p:cNvPicPr>
+          <p:nvPr/>
+        </p:nvPicPr>
+        <p:blipFill>
+          <a:blip r:embed="rId2"/>
+          <a:stretch>
+            <a:fillRect/>
+          </a:stretch>
+        </p:blipFill>
+        <p:spPr>
+          <a:xfrm>
+            <a:off x="0" y="295486"/>
+            <a:ext cx="12192000" cy="5581227"/>
+          </a:xfrm>
+          <a:prstGeom prst="rect">
+            <a:avLst/>
+          </a:prstGeom>
+        </p:spPr>
+      </p:pic>
+      <p:sp>
+        <p:nvSpPr>
+          <p:cNvPr id="3" name="สี่เหลี่ยมผืนผ้า 2">
+            <a:extLst>
+              <a:ext uri="{FF2B5EF4-FFF2-40B4-BE49-F238E27FC236}">
+                <a16:creationId xmlns:a16="http://schemas.microsoft.com/office/drawing/2014/main" id="{A674F9B1-35C1-4B8D-913E-EEC2CE227369}"/>
+              </a:ext>
+            </a:extLst>
+          </p:cNvPr>
+          <p:cNvSpPr/>
+          <p:nvPr/>
+        </p:nvSpPr>
+        <p:spPr>
+          <a:xfrm>
+            <a:off x="0" y="6193182"/>
+            <a:ext cx="3035318" cy="369332"/>
+          </a:xfrm>
+          <a:prstGeom prst="rect">
+            <a:avLst/>
+          </a:prstGeom>
+        </p:spPr>
+        <p:txBody>
+          <a:bodyPr wrap="none">
+            <a:spAutoFit/>
+          </a:bodyPr>
+          <a:lstStyle/>
+          <a:p>
+            <a:r>
+              <a:rPr lang="en-US" dirty="0">
+                <a:hlinkClick r:id="rId3"/>
+              </a:rPr>
+              <a:t>https://developer.scb/#/home</a:t>
+            </a:r>
+            <a:endParaRPr lang="en-US" dirty="0"/>
+          </a:p>
+        </p:txBody>
+      </p:sp>
+    </p:spTree>
+    <p:extLst>
+      <p:ext uri="{BB962C8B-B14F-4D97-AF65-F5344CB8AC3E}">
+        <p14:creationId xmlns:p14="http://schemas.microsoft.com/office/powerpoint/2010/main" val="4267427933"/>
+      </p:ext>
+    </p:extLst>
+  </p:cSld>
+  <p:clrMapOvr>
+    <a:masterClrMapping/>
+  </p:clrMapOvr>
+</p:sld>
+</file>
+
+<file path=ppt/slides/slide22.xml><?xml version="1.0" encoding="utf-8"?>
+<p:sld xmlns:a="http://schemas.openxmlformats.org/drawingml/2006/main" xmlns:r="http://schemas.openxmlformats.org/officeDocument/2006/relationships" xmlns:p="http://schemas.openxmlformats.org/presentationml/2006/main">
+  <p:cSld>
+    <p:spTree>
+      <p:nvGrpSpPr>
+        <p:cNvPr id="1" name=""/>
+        <p:cNvGrpSpPr/>
+        <p:nvPr/>
+      </p:nvGrpSpPr>
+      <p:grpSpPr>
+        <a:xfrm>
+          <a:off x="0" y="0"/>
+          <a:ext cx="0" cy="0"/>
+          <a:chOff x="0" y="0"/>
+          <a:chExt cx="0" cy="0"/>
+        </a:xfrm>
+      </p:grpSpPr>
+    </p:spTree>
+    <p:extLst>
+      <p:ext uri="{BB962C8B-B14F-4D97-AF65-F5344CB8AC3E}">
+        <p14:creationId xmlns:p14="http://schemas.microsoft.com/office/powerpoint/2010/main" val="2530096510"/>
+      </p:ext>
+    </p:extLst>
+  </p:cSld>
+  <p:clrMapOvr>
+    <a:masterClrMapping/>
+  </p:clrMapOvr>
+</p:sld>
+</file>
+
+<file path=ppt/slides/slide3.xml><?xml version="1.0" encoding="utf-8"?>
+<p:sld xmlns:a="http://schemas.openxmlformats.org/drawingml/2006/main" xmlns:r="http://schemas.openxmlformats.org/officeDocument/2006/relationships" xmlns:p="http://schemas.openxmlformats.org/presentationml/2006/main">
+  <p:cSld>
+    <p:bg>
+      <p:bgPr>
+        <a:solidFill>
+          <a:schemeClr val="bg1"/>
+        </a:solidFill>
+        <a:effectLst/>
+      </p:bgPr>
+    </p:bg>
+    <p:spTree>
+      <p:nvGrpSpPr>
+        <p:cNvPr id="1" name=""/>
+        <p:cNvGrpSpPr/>
+        <p:nvPr/>
+      </p:nvGrpSpPr>
+      <p:grpSpPr>
+        <a:xfrm>
+          <a:off x="0" y="0"/>
+          <a:ext cx="0" cy="0"/>
+          <a:chOff x="0" y="0"/>
+          <a:chExt cx="0" cy="0"/>
+        </a:xfrm>
+      </p:grpSpPr>
+      <p:sp>
+        <p:nvSpPr>
+          <p:cNvPr id="15" name="Rectangle 14">
+            <a:extLst>
+              <a:ext uri="{FF2B5EF4-FFF2-40B4-BE49-F238E27FC236}">
+                <a16:creationId xmlns:a16="http://schemas.microsoft.com/office/drawing/2014/main" id="{3F24A09B-713F-43FC-AB6E-B88083968522}"/>
+              </a:ext>
+              <a:ext uri="{C183D7F6-B498-43B3-948B-1728B52AA6E4}">
+                <adec:decorative xmlns:adec="http://schemas.microsoft.com/office/drawing/2017/decorative" val="1"/>
+              </a:ext>
+            </a:extLst>
+          </p:cNvPr>
+          <p:cNvSpPr>
+            <a:spLocks noGrp="1" noRot="1" noChangeAspect="1" noMove="1" noResize="1" noEditPoints="1" noAdjustHandles="1" noChangeArrowheads="1" noChangeShapeType="1" noTextEdit="1"/>
+          </p:cNvSpPr>
+          <p:nvPr>
+            <p:extLst>
+              <p:ext uri="{386F3935-93C4-4BCD-93E2-E3B085C9AB24}">
+                <p16:designElem xmlns:p16="http://schemas.microsoft.com/office/powerpoint/2015/main" val="1"/>
+              </p:ext>
+            </p:extLst>
+          </p:nvPr>
+        </p:nvSpPr>
+        <p:spPr>
+          <a:xfrm>
+            <a:off x="0" y="0"/>
+            <a:ext cx="5468548" cy="6858000"/>
+          </a:xfrm>
+          <a:prstGeom prst="rect">
+            <a:avLst/>
+          </a:prstGeom>
+          <a:solidFill>
+            <a:schemeClr val="accent1"/>
+          </a:solidFill>
+          <a:ln>
+            <a:noFill/>
+          </a:ln>
+        </p:spPr>
+        <p:style>
+          <a:lnRef idx="2">
+            <a:schemeClr val="accent1">
+              <a:shade val="50000"/>
+            </a:schemeClr>
+          </a:lnRef>
+          <a:fillRef idx="1">
+            <a:schemeClr val="accent1"/>
+          </a:fillRef>
+          <a:effectRef idx="0">
+            <a:schemeClr val="accent1"/>
+          </a:effectRef>
+          <a:fontRef idx="minor">
+            <a:schemeClr val="lt1"/>
+          </a:fontRef>
+        </p:style>
+        <p:txBody>
+          <a:bodyPr rtlCol="0" anchor="ctr"/>
+          <a:lstStyle/>
+          <a:p>
+            <a:pPr algn="ctr"/>
+            <a:endParaRPr lang="en-US"/>
+          </a:p>
+        </p:txBody>
+      </p:sp>
+      <p:sp>
+        <p:nvSpPr>
+          <p:cNvPr id="3" name="กล่องข้อความ 2">
+            <a:extLst>
+              <a:ext uri="{FF2B5EF4-FFF2-40B4-BE49-F238E27FC236}">
+                <a16:creationId xmlns:a16="http://schemas.microsoft.com/office/drawing/2014/main" id="{C5FCDA56-FC86-4B3D-98D6-15C02A8F6445}"/>
+              </a:ext>
+            </a:extLst>
+          </p:cNvPr>
+          <p:cNvSpPr txBox="1"/>
+          <p:nvPr/>
+        </p:nvSpPr>
+        <p:spPr>
+          <a:xfrm>
+            <a:off x="646744" y="640080"/>
+            <a:ext cx="4173905" cy="5577818"/>
+          </a:xfrm>
+          <a:prstGeom prst="rect">
+            <a:avLst/>
+          </a:prstGeom>
+        </p:spPr>
+        <p:txBody>
+          <a:bodyPr vert="horz" lIns="91440" tIns="45720" rIns="91440" bIns="45720" rtlCol="0" anchor="ctr">
+            <a:normAutofit/>
+          </a:bodyPr>
+          <a:lstStyle/>
+          <a:p>
+            <a:pPr algn="r">
+              <a:lnSpc>
+                <a:spcPct val="90000"/>
+              </a:lnSpc>
+              <a:spcBef>
+                <a:spcPct val="0"/>
+              </a:spcBef>
+              <a:spcAft>
+                <a:spcPts val="600"/>
+              </a:spcAft>
+            </a:pPr>
+            <a:r>
+              <a:rPr lang="en-US" sz="5400" kern="1200" dirty="0">
+                <a:solidFill>
+                  <a:srgbClr val="FFFFFF"/>
+                </a:solidFill>
+                <a:latin typeface="+mj-lt"/>
+                <a:ea typeface="+mj-ea"/>
+                <a:cs typeface="+mj-cs"/>
+              </a:rPr>
+              <a:t>Angular</a:t>
+            </a:r>
+            <a:endParaRPr lang="en-US" sz="5400" kern="1200">
+              <a:solidFill>
+                <a:srgbClr val="FFFFFF"/>
+              </a:solidFill>
+              <a:latin typeface="+mj-lt"/>
+              <a:ea typeface="+mj-ea"/>
+              <a:cs typeface="+mj-cs"/>
+            </a:endParaRPr>
+          </a:p>
+        </p:txBody>
+      </p:sp>
+      <p:cxnSp>
+        <p:nvCxnSpPr>
+          <p:cNvPr id="17" name="Straight Connector 16">
+            <a:extLst>
+              <a:ext uri="{FF2B5EF4-FFF2-40B4-BE49-F238E27FC236}">
+                <a16:creationId xmlns:a16="http://schemas.microsoft.com/office/drawing/2014/main" id="{0B91AB35-C3B4-4B70-B3DD-13D63B7DA23D}"/>
+              </a:ext>
+              <a:ext uri="{C183D7F6-B498-43B3-948B-1728B52AA6E4}">
+                <adec:decorative xmlns:adec="http://schemas.microsoft.com/office/drawing/2017/decorative" val="1"/>
+              </a:ext>
+            </a:extLst>
+          </p:cNvPr>
+          <p:cNvCxnSpPr>
+            <a:cxnSpLocks noGrp="1" noRot="1" noChangeAspect="1" noMove="1" noResize="1" noEditPoints="1" noAdjustHandles="1" noChangeArrowheads="1" noChangeShapeType="1"/>
+          </p:cNvCxnSpPr>
+          <p:nvPr>
+            <p:extLst>
+              <p:ext uri="{386F3935-93C4-4BCD-93E2-E3B085C9AB24}">
+                <p16:designElem xmlns:p16="http://schemas.microsoft.com/office/powerpoint/2015/main" val="1"/>
+              </p:ext>
+            </p:extLst>
+          </p:nvPr>
+        </p:nvCxnSpPr>
+        <p:spPr>
+          <a:xfrm>
+            <a:off x="5133975" y="2423149"/>
+            <a:ext cx="0" cy="2011680"/>
+          </a:xfrm>
+          <a:prstGeom prst="line">
+            <a:avLst/>
+          </a:prstGeom>
+          <a:ln w="19050">
+            <a:solidFill>
+              <a:srgbClr val="FFFFFF">
+                <a:alpha val="80000"/>
+              </a:srgbClr>
+            </a:solidFill>
+          </a:ln>
+        </p:spPr>
+        <p:style>
+          <a:lnRef idx="1">
+            <a:schemeClr val="accent1"/>
+          </a:lnRef>
+          <a:fillRef idx="0">
+            <a:schemeClr val="accent1"/>
+          </a:fillRef>
+          <a:effectRef idx="0">
+            <a:schemeClr val="accent1"/>
+          </a:effectRef>
+          <a:fontRef idx="minor">
+            <a:schemeClr val="tx1"/>
+          </a:fontRef>
+        </p:style>
+      </p:cxnSp>
+      <p:pic>
+        <p:nvPicPr>
+          <p:cNvPr id="2" name="Picture 4" descr="Image result for angular logo">
+            <a:extLst>
+              <a:ext uri="{FF2B5EF4-FFF2-40B4-BE49-F238E27FC236}">
+                <a16:creationId xmlns:a16="http://schemas.microsoft.com/office/drawing/2014/main" id="{D09C7572-08CE-473C-8E95-60A5A67A823D}"/>
+              </a:ext>
+            </a:extLst>
+          </p:cNvPr>
+          <p:cNvPicPr>
+            <a:picLocks noChangeAspect="1" noChangeArrowheads="1"/>
+          </p:cNvPicPr>
+          <p:nvPr/>
+        </p:nvPicPr>
+        <p:blipFill>
+          <a:blip r:embed="rId2">
+            <a:extLst>
+              <a:ext uri="{28A0092B-C50C-407E-A947-70E740481C1C}">
+                <a14:useLocalDpi xmlns:a14="http://schemas.microsoft.com/office/drawing/2010/main" val="0"/>
+              </a:ext>
+            </a:extLst>
+          </a:blip>
+          <a:stretch>
+            <a:fillRect/>
+          </a:stretch>
+        </p:blipFill>
+        <p:spPr bwMode="auto">
+          <a:xfrm>
+            <a:off x="6199769" y="640080"/>
+            <a:ext cx="5251932" cy="5578816"/>
+          </a:xfrm>
+          <a:prstGeom prst="rect">
+            <a:avLst/>
+          </a:prstGeom>
+          <a:noFill/>
+          <a:extLst>
+            <a:ext uri="{909E8E84-426E-40DD-AFC4-6F175D3DCCD1}">
+              <a14:hiddenFill xmlns:a14="http://schemas.microsoft.com/office/drawing/2010/main">
+                <a:solidFill>
+                  <a:srgbClr val="FFFFFF"/>
+                </a:solidFill>
+              </a14:hiddenFill>
+            </a:ext>
+          </a:extLst>
+        </p:spPr>
+      </p:pic>
+    </p:spTree>
+    <p:extLst>
+      <p:ext uri="{BB962C8B-B14F-4D97-AF65-F5344CB8AC3E}">
+        <p14:creationId xmlns:p14="http://schemas.microsoft.com/office/powerpoint/2010/main" val="2958211340"/>
+      </p:ext>
+    </p:extLst>
+  </p:cSld>
+  <p:clrMapOvr>
+    <a:masterClrMapping/>
+  </p:clrMapOvr>
+</p:sld>
+</file>
+
+<file path=ppt/slides/slide4.xml><?xml version="1.0" encoding="utf-8"?>
+<p:sld xmlns:a="http://schemas.openxmlformats.org/drawingml/2006/main" xmlns:r="http://schemas.openxmlformats.org/officeDocument/2006/relationships" xmlns:p="http://schemas.openxmlformats.org/presentationml/2006/main">
+  <p:cSld>
+    <p:bg>
+      <p:bgPr>
+        <a:solidFill>
+          <a:schemeClr val="bg1"/>
+        </a:solidFill>
+        <a:effectLst/>
+      </p:bgPr>
+    </p:bg>
+    <p:spTree>
+      <p:nvGrpSpPr>
+        <p:cNvPr id="1" name=""/>
+        <p:cNvGrpSpPr/>
+        <p:nvPr/>
+      </p:nvGrpSpPr>
+      <p:grpSpPr>
+        <a:xfrm>
+          <a:off x="0" y="0"/>
+          <a:ext cx="0" cy="0"/>
+          <a:chOff x="0" y="0"/>
+          <a:chExt cx="0" cy="0"/>
+        </a:xfrm>
+      </p:grpSpPr>
+      <p:pic>
+        <p:nvPicPr>
+          <p:cNvPr id="3" name="รูปภาพ 2">
+            <a:extLst>
+              <a:ext uri="{FF2B5EF4-FFF2-40B4-BE49-F238E27FC236}">
+                <a16:creationId xmlns:a16="http://schemas.microsoft.com/office/drawing/2014/main" id="{ACCC27A9-D464-4102-AF0A-7736FB32A92B}"/>
+              </a:ext>
+            </a:extLst>
+          </p:cNvPr>
+          <p:cNvPicPr>
+            <a:picLocks noChangeAspect="1"/>
+          </p:cNvPicPr>
+          <p:nvPr/>
+        </p:nvPicPr>
+        <p:blipFill>
+          <a:blip r:embed="rId2"/>
+          <a:stretch>
+            <a:fillRect/>
+          </a:stretch>
+        </p:blipFill>
+        <p:spPr>
+          <a:xfrm>
+            <a:off x="643467" y="1643295"/>
+            <a:ext cx="10905066" cy="3571408"/>
+          </a:xfrm>
+          <a:prstGeom prst="rect">
+            <a:avLst/>
+          </a:prstGeom>
+        </p:spPr>
+      </p:pic>
+      <p:sp>
+        <p:nvSpPr>
+          <p:cNvPr id="4" name="สี่เหลี่ยมผืนผ้า 3">
+            <a:extLst>
+              <a:ext uri="{FF2B5EF4-FFF2-40B4-BE49-F238E27FC236}">
+                <a16:creationId xmlns:a16="http://schemas.microsoft.com/office/drawing/2014/main" id="{FFC3492D-1216-467F-ADA9-5BD3E5447A36}"/>
+              </a:ext>
+            </a:extLst>
+          </p:cNvPr>
+          <p:cNvSpPr/>
+          <p:nvPr/>
+        </p:nvSpPr>
+        <p:spPr>
+          <a:xfrm>
+            <a:off x="130630" y="5405735"/>
+            <a:ext cx="11843656" cy="646331"/>
+          </a:xfrm>
+          <a:prstGeom prst="rect">
+            <a:avLst/>
+          </a:prstGeom>
+        </p:spPr>
+        <p:txBody>
+          <a:bodyPr wrap="square">
+            <a:spAutoFit/>
+          </a:bodyPr>
+          <a:lstStyle/>
+          <a:p>
+            <a:r>
+              <a:rPr lang="en-US" dirty="0">
+                <a:hlinkClick r:id="rId3"/>
+              </a:rPr>
+              <a:t>https://malcoded.com/posts/angular-docker/?fbclid=IwAR3BRsLK3Msxn6XuKo-hHWoTW-76mnnNuAdOuf0QpJ6siZKxKOgN9w0ifMQ</a:t>
+            </a:r>
+            <a:endParaRPr lang="en-US" dirty="0"/>
+          </a:p>
+        </p:txBody>
+      </p:sp>
+    </p:spTree>
+    <p:extLst>
+      <p:ext uri="{BB962C8B-B14F-4D97-AF65-F5344CB8AC3E}">
+        <p14:creationId xmlns:p14="http://schemas.microsoft.com/office/powerpoint/2010/main" val="3555976672"/>
+      </p:ext>
+    </p:extLst>
+  </p:cSld>
+  <p:clrMapOvr>
+    <a:masterClrMapping/>
+  </p:clrMapOvr>
+</p:sld>
+</file>
+
+<file path=ppt/slides/slide5.xml><?xml version="1.0" encoding="utf-8"?>
+<p:sld xmlns:a="http://schemas.openxmlformats.org/drawingml/2006/main" xmlns:r="http://schemas.openxmlformats.org/officeDocument/2006/relationships" xmlns:p="http://schemas.openxmlformats.org/presentationml/2006/main">
+  <p:cSld>
+    <p:bg>
+      <p:bgPr>
+        <a:solidFill>
+          <a:schemeClr val="bg1"/>
+        </a:solidFill>
+        <a:effectLst/>
+      </p:bgPr>
+    </p:bg>
+    <p:spTree>
+      <p:nvGrpSpPr>
+        <p:cNvPr id="1" name=""/>
+        <p:cNvGrpSpPr/>
+        <p:nvPr/>
+      </p:nvGrpSpPr>
+      <p:grpSpPr>
+        <a:xfrm>
+          <a:off x="0" y="0"/>
+          <a:ext cx="0" cy="0"/>
+          <a:chOff x="0" y="0"/>
+          <a:chExt cx="0" cy="0"/>
+        </a:xfrm>
+      </p:grpSpPr>
+      <p:pic>
+        <p:nvPicPr>
+          <p:cNvPr id="2" name="รูปภาพ 1">
+            <a:extLst>
+              <a:ext uri="{FF2B5EF4-FFF2-40B4-BE49-F238E27FC236}">
+                <a16:creationId xmlns:a16="http://schemas.microsoft.com/office/drawing/2014/main" id="{F4D80D0E-4A19-480B-9571-E7284A061A4E}"/>
+              </a:ext>
+            </a:extLst>
+          </p:cNvPr>
+          <p:cNvPicPr>
+            <a:picLocks noChangeAspect="1"/>
+          </p:cNvPicPr>
+          <p:nvPr/>
+        </p:nvPicPr>
+        <p:blipFill>
+          <a:blip r:embed="rId2"/>
+          <a:stretch>
+            <a:fillRect/>
+          </a:stretch>
+        </p:blipFill>
+        <p:spPr>
+          <a:xfrm>
+            <a:off x="643467" y="907203"/>
+            <a:ext cx="10905066" cy="5043592"/>
+          </a:xfrm>
+          <a:prstGeom prst="rect">
+            <a:avLst/>
+          </a:prstGeom>
+        </p:spPr>
+      </p:pic>
+      <p:sp>
+        <p:nvSpPr>
+          <p:cNvPr id="3" name="กล่องข้อความ 2">
+            <a:extLst>
+              <a:ext uri="{FF2B5EF4-FFF2-40B4-BE49-F238E27FC236}">
+                <a16:creationId xmlns:a16="http://schemas.microsoft.com/office/drawing/2014/main" id="{6328FF0C-BB15-46D2-B9D7-90EA5AF0DC95}"/>
+              </a:ext>
+            </a:extLst>
+          </p:cNvPr>
+          <p:cNvSpPr txBox="1"/>
+          <p:nvPr/>
+        </p:nvSpPr>
+        <p:spPr>
+          <a:xfrm>
+            <a:off x="643467" y="6286500"/>
+            <a:ext cx="2998257" cy="369332"/>
+          </a:xfrm>
+          <a:prstGeom prst="rect">
+            <a:avLst/>
+          </a:prstGeom>
+          <a:noFill/>
+        </p:spPr>
+        <p:txBody>
+          <a:bodyPr wrap="none" rtlCol="0">
+            <a:spAutoFit/>
+          </a:bodyPr>
+          <a:lstStyle/>
+          <a:p>
+            <a:r>
+              <a:rPr lang="en-US" dirty="0">
+                <a:hlinkClick r:id="rId3"/>
+              </a:rPr>
+              <a:t>https://sweetalert2.github.io/</a:t>
+            </a:r>
+            <a:endParaRPr lang="en-US" dirty="0"/>
+          </a:p>
+        </p:txBody>
+      </p:sp>
+    </p:spTree>
+    <p:extLst>
+      <p:ext uri="{BB962C8B-B14F-4D97-AF65-F5344CB8AC3E}">
+        <p14:creationId xmlns:p14="http://schemas.microsoft.com/office/powerpoint/2010/main" val="1945058023"/>
+      </p:ext>
+    </p:extLst>
+  </p:cSld>
+  <p:clrMapOvr>
+    <a:masterClrMapping/>
+  </p:clrMapOvr>
+</p:sld>
+</file>
+
+<file path=ppt/slides/slide6.xml><?xml version="1.0" encoding="utf-8"?>
+<p:sld xmlns:a="http://schemas.openxmlformats.org/drawingml/2006/main" xmlns:r="http://schemas.openxmlformats.org/officeDocument/2006/relationships" xmlns:p="http://schemas.openxmlformats.org/presentationml/2006/main">
+  <p:cSld>
+    <p:spTree>
+      <p:nvGrpSpPr>
+        <p:cNvPr id="1" name=""/>
+        <p:cNvGrpSpPr/>
+        <p:nvPr/>
+      </p:nvGrpSpPr>
+      <p:grpSpPr>
+        <a:xfrm>
+          <a:off x="0" y="0"/>
+          <a:ext cx="0" cy="0"/>
+          <a:chOff x="0" y="0"/>
+          <a:chExt cx="0" cy="0"/>
+        </a:xfrm>
+      </p:grpSpPr>
+      <p:pic>
+        <p:nvPicPr>
+          <p:cNvPr id="2" name="รูปภาพ 1">
+            <a:extLst>
+              <a:ext uri="{FF2B5EF4-FFF2-40B4-BE49-F238E27FC236}">
+                <a16:creationId xmlns:a16="http://schemas.microsoft.com/office/drawing/2014/main" id="{A4954271-87CA-4C88-80FD-71C1B0607211}"/>
+              </a:ext>
+            </a:extLst>
+          </p:cNvPr>
+          <p:cNvPicPr>
+            <a:picLocks noChangeAspect="1"/>
+          </p:cNvPicPr>
+          <p:nvPr/>
+        </p:nvPicPr>
+        <p:blipFill>
+          <a:blip r:embed="rId2"/>
+          <a:stretch>
+            <a:fillRect/>
+          </a:stretch>
+        </p:blipFill>
+        <p:spPr>
+          <a:xfrm>
+            <a:off x="1666875" y="1157287"/>
+            <a:ext cx="10306050" cy="4543425"/>
+          </a:xfrm>
+          <a:prstGeom prst="rect">
+            <a:avLst/>
+          </a:prstGeom>
+        </p:spPr>
+      </p:pic>
+      <p:sp>
+        <p:nvSpPr>
+          <p:cNvPr id="3" name="สี่เหลี่ยมผืนผ้า 2">
+            <a:extLst>
+              <a:ext uri="{FF2B5EF4-FFF2-40B4-BE49-F238E27FC236}">
+                <a16:creationId xmlns:a16="http://schemas.microsoft.com/office/drawing/2014/main" id="{0B30F913-5E51-416D-82D0-55640485FB55}"/>
+              </a:ext>
+            </a:extLst>
+          </p:cNvPr>
+          <p:cNvSpPr/>
+          <p:nvPr/>
+        </p:nvSpPr>
+        <p:spPr>
+          <a:xfrm>
+            <a:off x="266700" y="6249085"/>
+            <a:ext cx="10306050" cy="369332"/>
+          </a:xfrm>
+          <a:prstGeom prst="rect">
+            <a:avLst/>
+          </a:prstGeom>
+        </p:spPr>
+        <p:txBody>
+          <a:bodyPr wrap="square">
+            <a:spAutoFit/>
+          </a:bodyPr>
+          <a:lstStyle/>
+          <a:p>
+            <a:r>
+              <a:rPr lang="en-US" dirty="0"/>
+              <a:t>https://appdividend.com/2019/06/04/angular-8-tutorial-with-example-learn-angular-8-crud-from-scratch/</a:t>
+            </a:r>
+          </a:p>
+        </p:txBody>
+      </p:sp>
+    </p:spTree>
+    <p:extLst>
+      <p:ext uri="{BB962C8B-B14F-4D97-AF65-F5344CB8AC3E}">
+        <p14:creationId xmlns:p14="http://schemas.microsoft.com/office/powerpoint/2010/main" val="2545056902"/>
+      </p:ext>
+    </p:extLst>
+  </p:cSld>
+  <p:clrMapOvr>
+    <a:masterClrMapping/>
+  </p:clrMapOvr>
+</p:sld>
+</file>
+
+<file path=ppt/slides/slide7.xml><?xml version="1.0" encoding="utf-8"?>
+<p:sld xmlns:a="http://schemas.openxmlformats.org/drawingml/2006/main" xmlns:r="http://schemas.openxmlformats.org/officeDocument/2006/relationships" xmlns:p="http://schemas.openxmlformats.org/presentationml/2006/main">
+  <p:cSld>
+    <p:bg>
+      <p:bgPr>
+        <a:solidFill>
+          <a:schemeClr val="bg1"/>
+        </a:solidFill>
+        <a:effectLst/>
+      </p:bgPr>
+    </p:bg>
+    <p:spTree>
+      <p:nvGrpSpPr>
+        <p:cNvPr id="1" name=""/>
+        <p:cNvGrpSpPr/>
+        <p:nvPr/>
+      </p:nvGrpSpPr>
+      <p:grpSpPr>
+        <a:xfrm>
+          <a:off x="0" y="0"/>
+          <a:ext cx="0" cy="0"/>
+          <a:chOff x="0" y="0"/>
+          <a:chExt cx="0" cy="0"/>
+        </a:xfrm>
+      </p:grpSpPr>
+      <p:sp>
+        <p:nvSpPr>
+          <p:cNvPr id="19" name="Rectangle 18">
+            <a:extLst>
+              <a:ext uri="{FF2B5EF4-FFF2-40B4-BE49-F238E27FC236}">
+                <a16:creationId xmlns:a16="http://schemas.microsoft.com/office/drawing/2014/main" id="{3F24A09B-713F-43FC-AB6E-B88083968522}"/>
+              </a:ext>
+              <a:ext uri="{C183D7F6-B498-43B3-948B-1728B52AA6E4}">
+                <adec:decorative xmlns:adec="http://schemas.microsoft.com/office/drawing/2017/decorative" val="1"/>
+              </a:ext>
+            </a:extLst>
+          </p:cNvPr>
+          <p:cNvSpPr>
+            <a:spLocks noGrp="1" noRot="1" noChangeAspect="1" noMove="1" noResize="1" noEditPoints="1" noAdjustHandles="1" noChangeArrowheads="1" noChangeShapeType="1" noTextEdit="1"/>
+          </p:cNvSpPr>
+          <p:nvPr>
+            <p:extLst>
+              <p:ext uri="{386F3935-93C4-4BCD-93E2-E3B085C9AB24}">
+                <p16:designElem xmlns:p16="http://schemas.microsoft.com/office/powerpoint/2015/main" val="1"/>
+              </p:ext>
+            </p:extLst>
+          </p:nvPr>
+        </p:nvSpPr>
+        <p:spPr>
+          <a:xfrm>
+            <a:off x="0" y="0"/>
+            <a:ext cx="5468548" cy="6858000"/>
+          </a:xfrm>
+          <a:prstGeom prst="rect">
+            <a:avLst/>
+          </a:prstGeom>
+          <a:solidFill>
+            <a:srgbClr val="5A8B51"/>
+          </a:solidFill>
+          <a:ln>
+            <a:noFill/>
+          </a:ln>
+        </p:spPr>
+        <p:style>
+          <a:lnRef idx="2">
+            <a:schemeClr val="accent1">
+              <a:shade val="50000"/>
+            </a:schemeClr>
+          </a:lnRef>
+          <a:fillRef idx="1">
+            <a:schemeClr val="accent1"/>
+          </a:fillRef>
+          <a:effectRef idx="0">
+            <a:schemeClr val="accent1"/>
+          </a:effectRef>
+          <a:fontRef idx="minor">
+            <a:schemeClr val="lt1"/>
+          </a:fontRef>
+        </p:style>
+        <p:txBody>
+          <a:bodyPr rtlCol="0" anchor="ctr"/>
+          <a:lstStyle/>
+          <a:p>
+            <a:pPr algn="ctr"/>
+            <a:endParaRPr lang="en-US"/>
+          </a:p>
+        </p:txBody>
+      </p:sp>
+      <p:sp>
+        <p:nvSpPr>
+          <p:cNvPr id="3" name="กล่องข้อความ 2">
+            <a:extLst>
+              <a:ext uri="{FF2B5EF4-FFF2-40B4-BE49-F238E27FC236}">
+                <a16:creationId xmlns:a16="http://schemas.microsoft.com/office/drawing/2014/main" id="{783C2FAA-679C-4C8F-97D4-56AF1A75C72C}"/>
+              </a:ext>
+            </a:extLst>
+          </p:cNvPr>
+          <p:cNvSpPr txBox="1"/>
+          <p:nvPr/>
+        </p:nvSpPr>
+        <p:spPr>
+          <a:xfrm>
+            <a:off x="646744" y="640080"/>
+            <a:ext cx="4173905" cy="5577818"/>
+          </a:xfrm>
+          <a:prstGeom prst="rect">
+            <a:avLst/>
+          </a:prstGeom>
+        </p:spPr>
+        <p:txBody>
+          <a:bodyPr vert="horz" lIns="91440" tIns="45720" rIns="91440" bIns="45720" rtlCol="0" anchor="ctr">
+            <a:normAutofit/>
+          </a:bodyPr>
+          <a:lstStyle/>
+          <a:p>
+            <a:pPr algn="r">
+              <a:lnSpc>
+                <a:spcPct val="90000"/>
+              </a:lnSpc>
+              <a:spcBef>
+                <a:spcPct val="0"/>
+              </a:spcBef>
+              <a:spcAft>
+                <a:spcPts val="600"/>
+              </a:spcAft>
+            </a:pPr>
+            <a:r>
+              <a:rPr lang="en-US" sz="5400" kern="1200">
+                <a:solidFill>
+                  <a:srgbClr val="FFFFFF"/>
+                </a:solidFill>
+                <a:latin typeface="+mj-lt"/>
+                <a:ea typeface="+mj-ea"/>
+                <a:cs typeface="+mj-cs"/>
+              </a:rPr>
+              <a:t>Node js</a:t>
+            </a:r>
+          </a:p>
+        </p:txBody>
+      </p:sp>
+      <p:cxnSp>
+        <p:nvCxnSpPr>
+          <p:cNvPr id="21" name="Straight Connector 20">
+            <a:extLst>
+              <a:ext uri="{FF2B5EF4-FFF2-40B4-BE49-F238E27FC236}">
+                <a16:creationId xmlns:a16="http://schemas.microsoft.com/office/drawing/2014/main" id="{0B91AB35-C3B4-4B70-B3DD-13D63B7DA23D}"/>
+              </a:ext>
+              <a:ext uri="{C183D7F6-B498-43B3-948B-1728B52AA6E4}">
+                <adec:decorative xmlns:adec="http://schemas.microsoft.com/office/drawing/2017/decorative" val="1"/>
+              </a:ext>
+            </a:extLst>
+          </p:cNvPr>
+          <p:cNvCxnSpPr>
+            <a:cxnSpLocks noGrp="1" noRot="1" noChangeAspect="1" noMove="1" noResize="1" noEditPoints="1" noAdjustHandles="1" noChangeArrowheads="1" noChangeShapeType="1"/>
+          </p:cNvCxnSpPr>
+          <p:nvPr>
+            <p:extLst>
+              <p:ext uri="{386F3935-93C4-4BCD-93E2-E3B085C9AB24}">
+                <p16:designElem xmlns:p16="http://schemas.microsoft.com/office/powerpoint/2015/main" val="1"/>
+              </p:ext>
+            </p:extLst>
+          </p:nvPr>
+        </p:nvCxnSpPr>
+        <p:spPr>
+          <a:xfrm>
+            <a:off x="5133975" y="2423149"/>
+            <a:ext cx="0" cy="2011680"/>
+          </a:xfrm>
+          <a:prstGeom prst="line">
+            <a:avLst/>
+          </a:prstGeom>
+          <a:ln w="19050">
+            <a:solidFill>
+              <a:srgbClr val="FFFFFF">
+                <a:alpha val="80000"/>
+              </a:srgbClr>
+            </a:solidFill>
+          </a:ln>
+        </p:spPr>
+        <p:style>
+          <a:lnRef idx="1">
+            <a:schemeClr val="accent1"/>
+          </a:lnRef>
+          <a:fillRef idx="0">
+            <a:schemeClr val="accent1"/>
+          </a:fillRef>
+          <a:effectRef idx="0">
+            <a:schemeClr val="accent1"/>
+          </a:effectRef>
+          <a:fontRef idx="minor">
+            <a:schemeClr val="tx1"/>
+          </a:fontRef>
+        </p:style>
+      </p:cxnSp>
+      <p:pic>
+        <p:nvPicPr>
+          <p:cNvPr id="2" name="รูปภาพ 1">
+            <a:extLst>
+              <a:ext uri="{FF2B5EF4-FFF2-40B4-BE49-F238E27FC236}">
+                <a16:creationId xmlns:a16="http://schemas.microsoft.com/office/drawing/2014/main" id="{956AC4AA-A674-4570-B291-536A3CBC66EA}"/>
+              </a:ext>
+            </a:extLst>
+          </p:cNvPr>
+          <p:cNvPicPr>
+            <a:picLocks noChangeAspect="1"/>
+          </p:cNvPicPr>
+          <p:nvPr/>
+        </p:nvPicPr>
+        <p:blipFill>
+          <a:blip r:embed="rId2"/>
+          <a:stretch>
+            <a:fillRect/>
+          </a:stretch>
+        </p:blipFill>
+        <p:spPr>
+          <a:xfrm>
+            <a:off x="6096000" y="1757526"/>
+            <a:ext cx="5459470" cy="3343924"/>
+          </a:xfrm>
+          <a:prstGeom prst="rect">
+            <a:avLst/>
+          </a:prstGeom>
+        </p:spPr>
+      </p:pic>
+    </p:spTree>
+    <p:extLst>
+      <p:ext uri="{BB962C8B-B14F-4D97-AF65-F5344CB8AC3E}">
+        <p14:creationId xmlns:p14="http://schemas.microsoft.com/office/powerpoint/2010/main" val="766003813"/>
+      </p:ext>
+    </p:extLst>
+  </p:cSld>
+  <p:clrMapOvr>
+    <a:masterClrMapping/>
+  </p:clrMapOvr>
+</p:sld>
+</file>
+
+<file path=ppt/slides/slide8.xml><?xml version="1.0" encoding="utf-8"?>
+<p:sld xmlns:a="http://schemas.openxmlformats.org/drawingml/2006/main" xmlns:r="http://schemas.openxmlformats.org/officeDocument/2006/relationships" xmlns:p="http://schemas.openxmlformats.org/presentationml/2006/main">
+  <p:cSld>
+    <p:spTree>
+      <p:nvGrpSpPr>
+        <p:cNvPr id="1" name=""/>
+        <p:cNvGrpSpPr/>
+        <p:nvPr/>
+      </p:nvGrpSpPr>
+      <p:grpSpPr>
+        <a:xfrm>
+          <a:off x="0" y="0"/>
+          <a:ext cx="0" cy="0"/>
+          <a:chOff x="0" y="0"/>
+          <a:chExt cx="0" cy="0"/>
+        </a:xfrm>
+      </p:grpSpPr>
+      <p:pic>
+        <p:nvPicPr>
+          <p:cNvPr id="2" name="รูปภาพ 1">
+            <a:extLst>
+              <a:ext uri="{FF2B5EF4-FFF2-40B4-BE49-F238E27FC236}">
+                <a16:creationId xmlns:a16="http://schemas.microsoft.com/office/drawing/2014/main" id="{1FABC4AA-D305-4859-A97D-50BEE0E90289}"/>
+              </a:ext>
+            </a:extLst>
+          </p:cNvPr>
+          <p:cNvPicPr>
+            <a:picLocks noChangeAspect="1"/>
+          </p:cNvPicPr>
+          <p:nvPr/>
+        </p:nvPicPr>
+        <p:blipFill>
+          <a:blip r:embed="rId2"/>
+          <a:stretch>
+            <a:fillRect/>
+          </a:stretch>
+        </p:blipFill>
+        <p:spPr>
+          <a:xfrm>
+            <a:off x="2085975" y="738187"/>
+            <a:ext cx="8020050" cy="5381625"/>
+          </a:xfrm>
+          <a:prstGeom prst="rect">
+            <a:avLst/>
+          </a:prstGeom>
+        </p:spPr>
+      </p:pic>
+      <p:sp>
+        <p:nvSpPr>
+          <p:cNvPr id="3" name="สี่เหลี่ยมผืนผ้า 2">
+            <a:extLst>
+              <a:ext uri="{FF2B5EF4-FFF2-40B4-BE49-F238E27FC236}">
+                <a16:creationId xmlns:a16="http://schemas.microsoft.com/office/drawing/2014/main" id="{458D2C1B-C269-4F79-8516-4CD2E3AB7700}"/>
+              </a:ext>
+            </a:extLst>
+          </p:cNvPr>
+          <p:cNvSpPr/>
+          <p:nvPr/>
+        </p:nvSpPr>
+        <p:spPr>
+          <a:xfrm>
+            <a:off x="58057" y="6488668"/>
+            <a:ext cx="12075886" cy="369332"/>
+          </a:xfrm>
+          <a:prstGeom prst="rect">
+            <a:avLst/>
+          </a:prstGeom>
+        </p:spPr>
+        <p:txBody>
+          <a:bodyPr wrap="square">
+            <a:spAutoFit/>
+          </a:bodyPr>
+          <a:lstStyle/>
+          <a:p>
+            <a:r>
+              <a:rPr lang="en-US" dirty="0">
+                <a:hlinkClick r:id="rId3"/>
+              </a:rPr>
+              <a:t>https://medium.com/@dinyangetoh/how-to-build-simple-restful-api-with-nodejs-expressjs-and-mongodb-99348012925d</a:t>
+            </a:r>
+            <a:endParaRPr lang="en-US" dirty="0"/>
+          </a:p>
+        </p:txBody>
+      </p:sp>
+    </p:spTree>
+    <p:extLst>
+      <p:ext uri="{BB962C8B-B14F-4D97-AF65-F5344CB8AC3E}">
+        <p14:creationId xmlns:p14="http://schemas.microsoft.com/office/powerpoint/2010/main" val="2662934919"/>
+      </p:ext>
+    </p:extLst>
+  </p:cSld>
+  <p:clrMapOvr>
+    <a:masterClrMapping/>
+  </p:clrMapOvr>
+</p:sld>
+</file>
+
+<file path=ppt/slides/slide9.xml><?xml version="1.0" encoding="utf-8"?>
+<p:sld xmlns:a="http://schemas.openxmlformats.org/drawingml/2006/main" xmlns:r="http://schemas.openxmlformats.org/officeDocument/2006/relationships" xmlns:p="http://schemas.openxmlformats.org/presentationml/2006/main">
+  <p:cSld>
+    <p:bg>
+      <p:bgPr>
+        <a:solidFill>
+          <a:schemeClr val="bg1"/>
+        </a:solidFill>
+        <a:effectLst/>
+      </p:bgPr>
+    </p:bg>
+    <p:spTree>
+      <p:nvGrpSpPr>
+        <p:cNvPr id="1" name=""/>
+        <p:cNvGrpSpPr/>
+        <p:nvPr/>
+      </p:nvGrpSpPr>
+      <p:grpSpPr>
+        <a:xfrm>
+          <a:off x="0" y="0"/>
+          <a:ext cx="0" cy="0"/>
+          <a:chOff x="0" y="0"/>
+          <a:chExt cx="0" cy="0"/>
+        </a:xfrm>
+      </p:grpSpPr>
+      <p:sp>
+        <p:nvSpPr>
+          <p:cNvPr id="8" name="Rectangle 7">
+            <a:extLst>
+              <a:ext uri="{FF2B5EF4-FFF2-40B4-BE49-F238E27FC236}">
+                <a16:creationId xmlns:a16="http://schemas.microsoft.com/office/drawing/2014/main" id="{3F24A09B-713F-43FC-AB6E-B88083968522}"/>
+              </a:ext>
+              <a:ext uri="{C183D7F6-B498-43B3-948B-1728B52AA6E4}">
+                <adec:decorative xmlns:adec="http://schemas.microsoft.com/office/drawing/2017/decorative" val="1"/>
+              </a:ext>
+            </a:extLst>
+          </p:cNvPr>
+          <p:cNvSpPr>
+            <a:spLocks noGrp="1" noRot="1" noChangeAspect="1" noMove="1" noResize="1" noEditPoints="1" noAdjustHandles="1" noChangeArrowheads="1" noChangeShapeType="1" noTextEdit="1"/>
+          </p:cNvSpPr>
+          <p:nvPr>
+            <p:extLst>
+              <p:ext uri="{386F3935-93C4-4BCD-93E2-E3B085C9AB24}">
+                <p16:designElem xmlns:p16="http://schemas.microsoft.com/office/powerpoint/2015/main" val="1"/>
+              </p:ext>
+            </p:extLst>
+          </p:nvPr>
+        </p:nvSpPr>
+        <p:spPr>
+          <a:xfrm>
+            <a:off x="0" y="0"/>
+            <a:ext cx="5468548" cy="6858000"/>
+          </a:xfrm>
+          <a:prstGeom prst="rect">
+            <a:avLst/>
+          </a:prstGeom>
+          <a:solidFill>
+            <a:schemeClr val="accent1"/>
+          </a:solidFill>
+          <a:ln>
+            <a:noFill/>
+          </a:ln>
+        </p:spPr>
+        <p:style>
+          <a:lnRef idx="2">
+            <a:schemeClr val="accent1">
+              <a:shade val="50000"/>
+            </a:schemeClr>
+          </a:lnRef>
+          <a:fillRef idx="1">
+            <a:schemeClr val="accent1"/>
+          </a:fillRef>
+          <a:effectRef idx="0">
+            <a:schemeClr val="accent1"/>
+          </a:effectRef>
+          <a:fontRef idx="minor">
+            <a:schemeClr val="lt1"/>
+          </a:fontRef>
+        </p:style>
+        <p:txBody>
+          <a:bodyPr rtlCol="0" anchor="ctr"/>
+          <a:lstStyle/>
+          <a:p>
+            <a:pPr algn="ctr"/>
+            <a:endParaRPr lang="en-US"/>
+          </a:p>
+        </p:txBody>
+      </p:sp>
+      <p:sp>
+        <p:nvSpPr>
+          <p:cNvPr id="3" name="กล่องข้อความ 2">
+            <a:extLst>
+              <a:ext uri="{FF2B5EF4-FFF2-40B4-BE49-F238E27FC236}">
+                <a16:creationId xmlns:a16="http://schemas.microsoft.com/office/drawing/2014/main" id="{ECF88304-5CA2-40DA-9DBF-B7D4457AB79F}"/>
+              </a:ext>
+            </a:extLst>
+          </p:cNvPr>
+          <p:cNvSpPr txBox="1"/>
+          <p:nvPr/>
+        </p:nvSpPr>
+        <p:spPr>
+          <a:xfrm>
+            <a:off x="646744" y="640080"/>
+            <a:ext cx="4173905" cy="5577818"/>
+          </a:xfrm>
+          <a:prstGeom prst="rect">
+            <a:avLst/>
+          </a:prstGeom>
+        </p:spPr>
+        <p:txBody>
+          <a:bodyPr vert="horz" lIns="91440" tIns="45720" rIns="91440" bIns="45720" rtlCol="0" anchor="ctr">
+            <a:normAutofit/>
+          </a:bodyPr>
+          <a:lstStyle/>
+          <a:p>
+            <a:pPr algn="r">
+              <a:lnSpc>
+                <a:spcPct val="90000"/>
+              </a:lnSpc>
+              <a:spcBef>
+                <a:spcPct val="0"/>
+              </a:spcBef>
+              <a:spcAft>
+                <a:spcPts val="600"/>
+              </a:spcAft>
+            </a:pPr>
+            <a:r>
+              <a:rPr lang="en-US" sz="5400" kern="1200">
+                <a:solidFill>
+                  <a:srgbClr val="FFFFFF"/>
+                </a:solidFill>
+                <a:latin typeface="+mj-lt"/>
+                <a:ea typeface="+mj-ea"/>
+                <a:cs typeface="+mj-cs"/>
+              </a:rPr>
+              <a:t>Docker </a:t>
+            </a:r>
+          </a:p>
+        </p:txBody>
+      </p:sp>
+      <p:cxnSp>
+        <p:nvCxnSpPr>
+          <p:cNvPr id="10" name="Straight Connector 9">
+            <a:extLst>
+              <a:ext uri="{FF2B5EF4-FFF2-40B4-BE49-F238E27FC236}">
+                <a16:creationId xmlns:a16="http://schemas.microsoft.com/office/drawing/2014/main" id="{0B91AB35-C3B4-4B70-B3DD-13D63B7DA23D}"/>
+              </a:ext>
+              <a:ext uri="{C183D7F6-B498-43B3-948B-1728B52AA6E4}">
+                <adec:decorative xmlns:adec="http://schemas.microsoft.com/office/drawing/2017/decorative" val="1"/>
+              </a:ext>
+            </a:extLst>
+          </p:cNvPr>
+          <p:cNvCxnSpPr>
+            <a:cxnSpLocks noGrp="1" noRot="1" noChangeAspect="1" noMove="1" noResize="1" noEditPoints="1" noAdjustHandles="1" noChangeArrowheads="1" noChangeShapeType="1"/>
+          </p:cNvCxnSpPr>
+          <p:nvPr>
+            <p:extLst>
+              <p:ext uri="{386F3935-93C4-4BCD-93E2-E3B085C9AB24}">
+                <p16:designElem xmlns:p16="http://schemas.microsoft.com/office/powerpoint/2015/main" val="1"/>
+              </p:ext>
+            </p:extLst>
+          </p:nvPr>
+        </p:nvCxnSpPr>
+        <p:spPr>
+          <a:xfrm>
+            <a:off x="5133975" y="2423149"/>
+            <a:ext cx="0" cy="2011680"/>
+          </a:xfrm>
+          <a:prstGeom prst="line">
+            <a:avLst/>
+          </a:prstGeom>
+          <a:ln w="19050">
+            <a:solidFill>
+              <a:srgbClr val="FFFFFF">
+                <a:alpha val="80000"/>
+              </a:srgbClr>
+            </a:solidFill>
+          </a:ln>
+        </p:spPr>
+        <p:style>
+          <a:lnRef idx="1">
+            <a:schemeClr val="accent1"/>
+          </a:lnRef>
+          <a:fillRef idx="0">
+            <a:schemeClr val="accent1"/>
+          </a:fillRef>
+          <a:effectRef idx="0">
+            <a:schemeClr val="accent1"/>
+          </a:effectRef>
+          <a:fontRef idx="minor">
+            <a:schemeClr val="tx1"/>
+          </a:fontRef>
+        </p:style>
+      </p:cxnSp>
+      <p:pic>
+        <p:nvPicPr>
+          <p:cNvPr id="2" name="Picture 20" descr="Image result for docker png">
+            <a:extLst>
+              <a:ext uri="{FF2B5EF4-FFF2-40B4-BE49-F238E27FC236}">
+                <a16:creationId xmlns:a16="http://schemas.microsoft.com/office/drawing/2014/main" id="{DE676065-2CC6-40F7-8BE2-2888826BA123}"/>
+              </a:ext>
+            </a:extLst>
+          </p:cNvPr>
+          <p:cNvPicPr>
+            <a:picLocks noChangeAspect="1" noChangeArrowheads="1"/>
+          </p:cNvPicPr>
+          <p:nvPr/>
+        </p:nvPicPr>
+        <p:blipFill>
+          <a:blip r:embed="rId2">
+            <a:extLst>
+              <a:ext uri="{28A0092B-C50C-407E-A947-70E740481C1C}">
+                <a14:useLocalDpi xmlns:a14="http://schemas.microsoft.com/office/drawing/2010/main" val="0"/>
+              </a:ext>
+            </a:extLst>
+          </a:blip>
+          <a:stretch>
+            <a:fillRect/>
+          </a:stretch>
+        </p:blipFill>
+        <p:spPr bwMode="auto">
+          <a:xfrm>
+            <a:off x="6096000" y="699753"/>
+            <a:ext cx="5459470" cy="5459470"/>
+          </a:xfrm>
+          <a:prstGeom prst="rect">
+            <a:avLst/>
+          </a:prstGeom>
+          <a:noFill/>
+          <a:extLst>
+            <a:ext uri="{909E8E84-426E-40DD-AFC4-6F175D3DCCD1}">
+              <a14:hiddenFill xmlns:a14="http://schemas.microsoft.com/office/drawing/2010/main">
+                <a:solidFill>
+                  <a:srgbClr val="FFFFFF"/>
+                </a:solidFill>
+              </a14:hiddenFill>
+            </a:ext>
+          </a:extLst>
+        </p:spPr>
+      </p:pic>
+    </p:spTree>
+    <p:extLst>
+      <p:ext uri="{BB962C8B-B14F-4D97-AF65-F5344CB8AC3E}">
+        <p14:creationId xmlns:p14="http://schemas.microsoft.com/office/powerpoint/2010/main" val="3072216317"/>
+      </p:ext>
+    </p:extLst>
+  </p:cSld>
+  <p:clrMapOvr>
+    <a:masterClrMapping/>
+  </p:clrMapOvr>
+</p:sld>
+</file>
+
 <file path=ppt/theme/theme1.xml><?xml version="1.0" encoding="utf-8"?>
 <a:theme xmlns:a="http://schemas.openxmlformats.org/drawingml/2006/main" name="ธีมของ Office">
   <a:themeElements>

--- a/รายงาน/Project Aj chanwit.pptx
+++ b/รายงาน/Project Aj chanwit.pptx
@@ -12,21 +12,23 @@
     <p:sldId id="264" r:id="rId6"/>
     <p:sldId id="272" r:id="rId7"/>
     <p:sldId id="261" r:id="rId8"/>
-    <p:sldId id="258" r:id="rId9"/>
-    <p:sldId id="262" r:id="rId10"/>
-    <p:sldId id="267" r:id="rId11"/>
-    <p:sldId id="263" r:id="rId12"/>
-    <p:sldId id="274" r:id="rId13"/>
-    <p:sldId id="275" r:id="rId14"/>
-    <p:sldId id="268" r:id="rId15"/>
-    <p:sldId id="269" r:id="rId16"/>
-    <p:sldId id="273" r:id="rId17"/>
-    <p:sldId id="276" r:id="rId18"/>
-    <p:sldId id="277" r:id="rId19"/>
-    <p:sldId id="270" r:id="rId20"/>
-    <p:sldId id="266" r:id="rId21"/>
-    <p:sldId id="265" r:id="rId22"/>
-    <p:sldId id="271" r:id="rId23"/>
+    <p:sldId id="278" r:id="rId9"/>
+    <p:sldId id="258" r:id="rId10"/>
+    <p:sldId id="279" r:id="rId11"/>
+    <p:sldId id="262" r:id="rId12"/>
+    <p:sldId id="267" r:id="rId13"/>
+    <p:sldId id="263" r:id="rId14"/>
+    <p:sldId id="274" r:id="rId15"/>
+    <p:sldId id="275" r:id="rId16"/>
+    <p:sldId id="268" r:id="rId17"/>
+    <p:sldId id="269" r:id="rId18"/>
+    <p:sldId id="273" r:id="rId19"/>
+    <p:sldId id="276" r:id="rId20"/>
+    <p:sldId id="277" r:id="rId21"/>
+    <p:sldId id="270" r:id="rId22"/>
+    <p:sldId id="266" r:id="rId23"/>
+    <p:sldId id="265" r:id="rId24"/>
+    <p:sldId id="271" r:id="rId25"/>
   </p:sldIdLst>
   <p:sldSz cx="12192000" cy="6858000"/>
   <p:notesSz cx="6858000" cy="9144000"/>
@@ -282,7 +284,7 @@
           <a:p>
             <a:fld id="{92FFE534-1A97-4E5E-BB3E-CC8D3547B872}" type="datetimeFigureOut">
               <a:rPr lang="en-US" smtClean="0"/>
-              <a:t>8/7/2019</a:t>
+              <a:t>08-Aug-19</a:t>
             </a:fld>
             <a:endParaRPr lang="en-US"/>
           </a:p>
@@ -482,7 +484,7 @@
           <a:p>
             <a:fld id="{92FFE534-1A97-4E5E-BB3E-CC8D3547B872}" type="datetimeFigureOut">
               <a:rPr lang="en-US" smtClean="0"/>
-              <a:t>8/7/2019</a:t>
+              <a:t>08-Aug-19</a:t>
             </a:fld>
             <a:endParaRPr lang="en-US"/>
           </a:p>
@@ -692,7 +694,7 @@
           <a:p>
             <a:fld id="{92FFE534-1A97-4E5E-BB3E-CC8D3547B872}" type="datetimeFigureOut">
               <a:rPr lang="en-US" smtClean="0"/>
-              <a:t>8/7/2019</a:t>
+              <a:t>08-Aug-19</a:t>
             </a:fld>
             <a:endParaRPr lang="en-US"/>
           </a:p>
@@ -892,7 +894,7 @@
           <a:p>
             <a:fld id="{92FFE534-1A97-4E5E-BB3E-CC8D3547B872}" type="datetimeFigureOut">
               <a:rPr lang="en-US" smtClean="0"/>
-              <a:t>8/7/2019</a:t>
+              <a:t>08-Aug-19</a:t>
             </a:fld>
             <a:endParaRPr lang="en-US"/>
           </a:p>
@@ -1168,7 +1170,7 @@
           <a:p>
             <a:fld id="{92FFE534-1A97-4E5E-BB3E-CC8D3547B872}" type="datetimeFigureOut">
               <a:rPr lang="en-US" smtClean="0"/>
-              <a:t>8/7/2019</a:t>
+              <a:t>08-Aug-19</a:t>
             </a:fld>
             <a:endParaRPr lang="en-US"/>
           </a:p>
@@ -1436,7 +1438,7 @@
           <a:p>
             <a:fld id="{92FFE534-1A97-4E5E-BB3E-CC8D3547B872}" type="datetimeFigureOut">
               <a:rPr lang="en-US" smtClean="0"/>
-              <a:t>8/7/2019</a:t>
+              <a:t>08-Aug-19</a:t>
             </a:fld>
             <a:endParaRPr lang="en-US"/>
           </a:p>
@@ -1851,7 +1853,7 @@
           <a:p>
             <a:fld id="{92FFE534-1A97-4E5E-BB3E-CC8D3547B872}" type="datetimeFigureOut">
               <a:rPr lang="en-US" smtClean="0"/>
-              <a:t>8/7/2019</a:t>
+              <a:t>08-Aug-19</a:t>
             </a:fld>
             <a:endParaRPr lang="en-US"/>
           </a:p>
@@ -1993,7 +1995,7 @@
           <a:p>
             <a:fld id="{92FFE534-1A97-4E5E-BB3E-CC8D3547B872}" type="datetimeFigureOut">
               <a:rPr lang="en-US" smtClean="0"/>
-              <a:t>8/7/2019</a:t>
+              <a:t>08-Aug-19</a:t>
             </a:fld>
             <a:endParaRPr lang="en-US"/>
           </a:p>
@@ -2106,7 +2108,7 @@
           <a:p>
             <a:fld id="{92FFE534-1A97-4E5E-BB3E-CC8D3547B872}" type="datetimeFigureOut">
               <a:rPr lang="en-US" smtClean="0"/>
-              <a:t>8/7/2019</a:t>
+              <a:t>08-Aug-19</a:t>
             </a:fld>
             <a:endParaRPr lang="en-US"/>
           </a:p>
@@ -2419,7 +2421,7 @@
           <a:p>
             <a:fld id="{92FFE534-1A97-4E5E-BB3E-CC8D3547B872}" type="datetimeFigureOut">
               <a:rPr lang="en-US" smtClean="0"/>
-              <a:t>8/7/2019</a:t>
+              <a:t>08-Aug-19</a:t>
             </a:fld>
             <a:endParaRPr lang="en-US"/>
           </a:p>
@@ -2708,7 +2710,7 @@
           <a:p>
             <a:fld id="{92FFE534-1A97-4E5E-BB3E-CC8D3547B872}" type="datetimeFigureOut">
               <a:rPr lang="en-US" smtClean="0"/>
-              <a:t>8/7/2019</a:t>
+              <a:t>08-Aug-19</a:t>
             </a:fld>
             <a:endParaRPr lang="en-US"/>
           </a:p>
@@ -2951,7 +2953,7 @@
           <a:p>
             <a:fld id="{92FFE534-1A97-4E5E-BB3E-CC8D3547B872}" type="datetimeFigureOut">
               <a:rPr lang="en-US" smtClean="0"/>
-              <a:t>8/7/2019</a:t>
+              <a:t>08-Aug-19</a:t>
             </a:fld>
             <a:endParaRPr lang="en-US"/>
           </a:p>
@@ -4086,10 +4088,74 @@
           <a:chExt cx="0" cy="0"/>
         </a:xfrm>
       </p:grpSpPr>
+      <p:pic>
+        <p:nvPicPr>
+          <p:cNvPr id="2" name="Picture 1">
+            <a:extLst>
+              <a:ext uri="{FF2B5EF4-FFF2-40B4-BE49-F238E27FC236}">
+                <a16:creationId xmlns:a16="http://schemas.microsoft.com/office/drawing/2014/main" id="{3076978B-20AE-4146-9647-FD0CFF17A00B}"/>
+              </a:ext>
+            </a:extLst>
+          </p:cNvPr>
+          <p:cNvPicPr>
+            <a:picLocks noChangeAspect="1"/>
+          </p:cNvPicPr>
+          <p:nvPr/>
+        </p:nvPicPr>
+        <p:blipFill>
+          <a:blip r:embed="rId2"/>
+          <a:stretch>
+            <a:fillRect/>
+          </a:stretch>
+        </p:blipFill>
+        <p:spPr>
+          <a:xfrm>
+            <a:off x="0" y="0"/>
+            <a:ext cx="8658225" cy="6677025"/>
+          </a:xfrm>
+          <a:prstGeom prst="rect">
+            <a:avLst/>
+          </a:prstGeom>
+        </p:spPr>
+      </p:pic>
+      <p:sp>
+        <p:nvSpPr>
+          <p:cNvPr id="3" name="Rectangle 2">
+            <a:extLst>
+              <a:ext uri="{FF2B5EF4-FFF2-40B4-BE49-F238E27FC236}">
+                <a16:creationId xmlns:a16="http://schemas.microsoft.com/office/drawing/2014/main" id="{31850397-E52C-4470-ABCA-AFA8ACF88894}"/>
+              </a:ext>
+            </a:extLst>
+          </p:cNvPr>
+          <p:cNvSpPr/>
+          <p:nvPr/>
+        </p:nvSpPr>
+        <p:spPr>
+          <a:xfrm>
+            <a:off x="3943351" y="4029668"/>
+            <a:ext cx="4155622" cy="369332"/>
+          </a:xfrm>
+          <a:prstGeom prst="rect">
+            <a:avLst/>
+          </a:prstGeom>
+        </p:spPr>
+        <p:txBody>
+          <a:bodyPr wrap="square">
+            <a:spAutoFit/>
+          </a:bodyPr>
+          <a:lstStyle/>
+          <a:p>
+            <a:r>
+              <a:rPr lang="en-US" dirty="0"/>
+              <a:t>https://mongoosejs.com/docs/guide.html</a:t>
+            </a:r>
+          </a:p>
+        </p:txBody>
+      </p:sp>
     </p:spTree>
     <p:extLst>
       <p:ext uri="{BB962C8B-B14F-4D97-AF65-F5344CB8AC3E}">
-        <p14:creationId xmlns:p14="http://schemas.microsoft.com/office/powerpoint/2010/main" val="2422906255"/>
+        <p14:creationId xmlns:p14="http://schemas.microsoft.com/office/powerpoint/2010/main" val="3426852271"/>
       </p:ext>
     </p:extLst>
   </p:cSld>
@@ -4192,6 +4258,289 @@
           <p:cNvPr id="3" name="กล่องข้อความ 2">
             <a:extLst>
               <a:ext uri="{FF2B5EF4-FFF2-40B4-BE49-F238E27FC236}">
+                <a16:creationId xmlns:a16="http://schemas.microsoft.com/office/drawing/2014/main" id="{ECF88304-5CA2-40DA-9DBF-B7D4457AB79F}"/>
+              </a:ext>
+            </a:extLst>
+          </p:cNvPr>
+          <p:cNvSpPr txBox="1"/>
+          <p:nvPr/>
+        </p:nvSpPr>
+        <p:spPr>
+          <a:xfrm>
+            <a:off x="646744" y="640080"/>
+            <a:ext cx="4173905" cy="5577818"/>
+          </a:xfrm>
+          <a:prstGeom prst="rect">
+            <a:avLst/>
+          </a:prstGeom>
+        </p:spPr>
+        <p:txBody>
+          <a:bodyPr vert="horz" lIns="91440" tIns="45720" rIns="91440" bIns="45720" rtlCol="0" anchor="ctr">
+            <a:normAutofit/>
+          </a:bodyPr>
+          <a:lstStyle/>
+          <a:p>
+            <a:pPr algn="r">
+              <a:lnSpc>
+                <a:spcPct val="90000"/>
+              </a:lnSpc>
+              <a:spcBef>
+                <a:spcPct val="0"/>
+              </a:spcBef>
+              <a:spcAft>
+                <a:spcPts val="600"/>
+              </a:spcAft>
+            </a:pPr>
+            <a:r>
+              <a:rPr lang="en-US" sz="5400" kern="1200">
+                <a:solidFill>
+                  <a:srgbClr val="FFFFFF"/>
+                </a:solidFill>
+                <a:latin typeface="+mj-lt"/>
+                <a:ea typeface="+mj-ea"/>
+                <a:cs typeface="+mj-cs"/>
+              </a:rPr>
+              <a:t>Docker </a:t>
+            </a:r>
+          </a:p>
+        </p:txBody>
+      </p:sp>
+      <p:cxnSp>
+        <p:nvCxnSpPr>
+          <p:cNvPr id="10" name="Straight Connector 9">
+            <a:extLst>
+              <a:ext uri="{FF2B5EF4-FFF2-40B4-BE49-F238E27FC236}">
+                <a16:creationId xmlns:a16="http://schemas.microsoft.com/office/drawing/2014/main" id="{0B91AB35-C3B4-4B70-B3DD-13D63B7DA23D}"/>
+              </a:ext>
+              <a:ext uri="{C183D7F6-B498-43B3-948B-1728B52AA6E4}">
+                <adec:decorative xmlns:adec="http://schemas.microsoft.com/office/drawing/2017/decorative" val="1"/>
+              </a:ext>
+            </a:extLst>
+          </p:cNvPr>
+          <p:cNvCxnSpPr>
+            <a:cxnSpLocks noGrp="1" noRot="1" noChangeAspect="1" noMove="1" noResize="1" noEditPoints="1" noAdjustHandles="1" noChangeArrowheads="1" noChangeShapeType="1"/>
+          </p:cNvCxnSpPr>
+          <p:nvPr>
+            <p:extLst>
+              <p:ext uri="{386F3935-93C4-4BCD-93E2-E3B085C9AB24}">
+                <p16:designElem xmlns:p16="http://schemas.microsoft.com/office/powerpoint/2015/main" val="1"/>
+              </p:ext>
+            </p:extLst>
+          </p:nvPr>
+        </p:nvCxnSpPr>
+        <p:spPr>
+          <a:xfrm>
+            <a:off x="5133975" y="2423149"/>
+            <a:ext cx="0" cy="2011680"/>
+          </a:xfrm>
+          <a:prstGeom prst="line">
+            <a:avLst/>
+          </a:prstGeom>
+          <a:ln w="19050">
+            <a:solidFill>
+              <a:srgbClr val="FFFFFF">
+                <a:alpha val="80000"/>
+              </a:srgbClr>
+            </a:solidFill>
+          </a:ln>
+        </p:spPr>
+        <p:style>
+          <a:lnRef idx="1">
+            <a:schemeClr val="accent1"/>
+          </a:lnRef>
+          <a:fillRef idx="0">
+            <a:schemeClr val="accent1"/>
+          </a:fillRef>
+          <a:effectRef idx="0">
+            <a:schemeClr val="accent1"/>
+          </a:effectRef>
+          <a:fontRef idx="minor">
+            <a:schemeClr val="tx1"/>
+          </a:fontRef>
+        </p:style>
+      </p:cxnSp>
+      <p:pic>
+        <p:nvPicPr>
+          <p:cNvPr id="2" name="Picture 20" descr="Image result for docker png">
+            <a:extLst>
+              <a:ext uri="{FF2B5EF4-FFF2-40B4-BE49-F238E27FC236}">
+                <a16:creationId xmlns:a16="http://schemas.microsoft.com/office/drawing/2014/main" id="{DE676065-2CC6-40F7-8BE2-2888826BA123}"/>
+              </a:ext>
+            </a:extLst>
+          </p:cNvPr>
+          <p:cNvPicPr>
+            <a:picLocks noChangeAspect="1" noChangeArrowheads="1"/>
+          </p:cNvPicPr>
+          <p:nvPr/>
+        </p:nvPicPr>
+        <p:blipFill>
+          <a:blip r:embed="rId2">
+            <a:extLst>
+              <a:ext uri="{28A0092B-C50C-407E-A947-70E740481C1C}">
+                <a14:useLocalDpi xmlns:a14="http://schemas.microsoft.com/office/drawing/2010/main" val="0"/>
+              </a:ext>
+            </a:extLst>
+          </a:blip>
+          <a:stretch>
+            <a:fillRect/>
+          </a:stretch>
+        </p:blipFill>
+        <p:spPr bwMode="auto">
+          <a:xfrm>
+            <a:off x="6096000" y="699753"/>
+            <a:ext cx="5459470" cy="5459470"/>
+          </a:xfrm>
+          <a:prstGeom prst="rect">
+            <a:avLst/>
+          </a:prstGeom>
+          <a:noFill/>
+          <a:extLst>
+            <a:ext uri="{909E8E84-426E-40DD-AFC4-6F175D3DCCD1}">
+              <a14:hiddenFill xmlns:a14="http://schemas.microsoft.com/office/drawing/2010/main">
+                <a:solidFill>
+                  <a:srgbClr val="FFFFFF"/>
+                </a:solidFill>
+              </a14:hiddenFill>
+            </a:ext>
+          </a:extLst>
+        </p:spPr>
+      </p:pic>
+    </p:spTree>
+    <p:extLst>
+      <p:ext uri="{BB962C8B-B14F-4D97-AF65-F5344CB8AC3E}">
+        <p14:creationId xmlns:p14="http://schemas.microsoft.com/office/powerpoint/2010/main" val="3072216317"/>
+      </p:ext>
+    </p:extLst>
+  </p:cSld>
+  <p:clrMapOvr>
+    <a:masterClrMapping/>
+  </p:clrMapOvr>
+</p:sld>
+</file>
+
+<file path=ppt/slides/slide12.xml><?xml version="1.0" encoding="utf-8"?>
+<p:sld xmlns:a="http://schemas.openxmlformats.org/drawingml/2006/main" xmlns:r="http://schemas.openxmlformats.org/officeDocument/2006/relationships" xmlns:p="http://schemas.openxmlformats.org/presentationml/2006/main">
+  <p:cSld>
+    <p:spTree>
+      <p:nvGrpSpPr>
+        <p:cNvPr id="1" name=""/>
+        <p:cNvGrpSpPr/>
+        <p:nvPr/>
+      </p:nvGrpSpPr>
+      <p:grpSpPr>
+        <a:xfrm>
+          <a:off x="0" y="0"/>
+          <a:ext cx="0" cy="0"/>
+          <a:chOff x="0" y="0"/>
+          <a:chExt cx="0" cy="0"/>
+        </a:xfrm>
+      </p:grpSpPr>
+    </p:spTree>
+    <p:extLst>
+      <p:ext uri="{BB962C8B-B14F-4D97-AF65-F5344CB8AC3E}">
+        <p14:creationId xmlns:p14="http://schemas.microsoft.com/office/powerpoint/2010/main" val="2422906255"/>
+      </p:ext>
+    </p:extLst>
+  </p:cSld>
+  <p:clrMapOvr>
+    <a:masterClrMapping/>
+  </p:clrMapOvr>
+</p:sld>
+</file>
+
+<file path=ppt/slides/slide13.xml><?xml version="1.0" encoding="utf-8"?>
+<p:sld xmlns:a="http://schemas.openxmlformats.org/drawingml/2006/main" xmlns:r="http://schemas.openxmlformats.org/officeDocument/2006/relationships" xmlns:p="http://schemas.openxmlformats.org/presentationml/2006/main">
+  <p:cSld>
+    <p:bg>
+      <p:bgPr>
+        <a:solidFill>
+          <a:schemeClr val="bg1"/>
+        </a:solidFill>
+        <a:effectLst/>
+      </p:bgPr>
+    </p:bg>
+    <p:spTree>
+      <p:nvGrpSpPr>
+        <p:cNvPr id="1" name=""/>
+        <p:cNvGrpSpPr/>
+        <p:nvPr/>
+      </p:nvGrpSpPr>
+      <p:grpSpPr>
+        <a:xfrm>
+          <a:off x="0" y="0"/>
+          <a:ext cx="0" cy="0"/>
+          <a:chOff x="0" y="0"/>
+          <a:chExt cx="0" cy="0"/>
+        </a:xfrm>
+      </p:grpSpPr>
+      <p:sp>
+        <p:nvSpPr>
+          <p:cNvPr id="8" name="Rectangle 7">
+            <a:extLst>
+              <a:ext uri="{FF2B5EF4-FFF2-40B4-BE49-F238E27FC236}">
+                <a16:creationId xmlns:a16="http://schemas.microsoft.com/office/drawing/2014/main" id="{3F24A09B-713F-43FC-AB6E-B88083968522}"/>
+              </a:ext>
+              <a:ext uri="{C183D7F6-B498-43B3-948B-1728B52AA6E4}">
+                <adec:decorative xmlns:adec="http://schemas.microsoft.com/office/drawing/2017/decorative" val="1"/>
+              </a:ext>
+            </a:extLst>
+          </p:cNvPr>
+          <p:cNvSpPr>
+            <a:spLocks noGrp="1" noRot="1" noChangeAspect="1" noMove="1" noResize="1" noEditPoints="1" noAdjustHandles="1" noChangeArrowheads="1" noChangeShapeType="1" noTextEdit="1"/>
+          </p:cNvSpPr>
+          <p:nvPr>
+            <p:extLst>
+              <p:ext uri="{386F3935-93C4-4BCD-93E2-E3B085C9AB24}">
+                <p16:designElem xmlns:p16="http://schemas.microsoft.com/office/powerpoint/2015/main" val="1"/>
+              </p:ext>
+            </p:extLst>
+          </p:nvPr>
+        </p:nvSpPr>
+        <p:spPr>
+          <a:xfrm>
+            <a:off x="0" y="0"/>
+            <a:ext cx="5468548" cy="6858000"/>
+          </a:xfrm>
+          <a:prstGeom prst="rect">
+            <a:avLst/>
+          </a:prstGeom>
+          <a:solidFill>
+            <a:schemeClr val="accent1"/>
+          </a:solidFill>
+          <a:ln>
+            <a:noFill/>
+          </a:ln>
+        </p:spPr>
+        <p:style>
+          <a:lnRef idx="2">
+            <a:schemeClr val="accent1">
+              <a:shade val="50000"/>
+            </a:schemeClr>
+          </a:lnRef>
+          <a:fillRef idx="1">
+            <a:schemeClr val="accent1"/>
+          </a:fillRef>
+          <a:effectRef idx="0">
+            <a:schemeClr val="accent1"/>
+          </a:effectRef>
+          <a:fontRef idx="minor">
+            <a:schemeClr val="lt1"/>
+          </a:fontRef>
+        </p:style>
+        <p:txBody>
+          <a:bodyPr rtlCol="0" anchor="ctr"/>
+          <a:lstStyle/>
+          <a:p>
+            <a:pPr algn="ctr"/>
+            <a:endParaRPr lang="en-US"/>
+          </a:p>
+        </p:txBody>
+      </p:sp>
+      <p:sp>
+        <p:nvSpPr>
+          <p:cNvPr id="3" name="กล่องข้อความ 2">
+            <a:extLst>
+              <a:ext uri="{FF2B5EF4-FFF2-40B4-BE49-F238E27FC236}">
                 <a16:creationId xmlns:a16="http://schemas.microsoft.com/office/drawing/2014/main" id="{FFB52979-AAC4-4AC7-A597-51CAC95CF1ED}"/>
               </a:ext>
             </a:extLst>
@@ -4352,7 +4701,7 @@
 </p:sld>
 </file>
 
-<file path=ppt/slides/slide12.xml><?xml version="1.0" encoding="utf-8"?>
+<file path=ppt/slides/slide14.xml><?xml version="1.0" encoding="utf-8"?>
 <p:sld xmlns:a="http://schemas.openxmlformats.org/drawingml/2006/main" xmlns:r="http://schemas.openxmlformats.org/officeDocument/2006/relationships" xmlns:p="http://schemas.openxmlformats.org/presentationml/2006/main">
   <p:cSld>
     <p:bg>
@@ -4436,7 +4785,7 @@
 </p:sld>
 </file>
 
-<file path=ppt/slides/slide13.xml><?xml version="1.0" encoding="utf-8"?>
+<file path=ppt/slides/slide15.xml><?xml version="1.0" encoding="utf-8"?>
 <p:sld xmlns:a="http://schemas.openxmlformats.org/drawingml/2006/main" xmlns:r="http://schemas.openxmlformats.org/officeDocument/2006/relationships" xmlns:p="http://schemas.openxmlformats.org/presentationml/2006/main">
   <p:cSld>
     <p:spTree>
@@ -4466,7 +4815,7 @@
 </p:sld>
 </file>
 
-<file path=ppt/slides/slide14.xml><?xml version="1.0" encoding="utf-8"?>
+<file path=ppt/slides/slide16.xml><?xml version="1.0" encoding="utf-8"?>
 <p:sld xmlns:a="http://schemas.openxmlformats.org/drawingml/2006/main" xmlns:r="http://schemas.openxmlformats.org/officeDocument/2006/relationships" xmlns:p="http://schemas.openxmlformats.org/presentationml/2006/main">
   <p:cSld>
     <p:bg>
@@ -4937,7 +5286,7 @@
 </p:sld>
 </file>
 
-<file path=ppt/slides/slide15.xml><?xml version="1.0" encoding="utf-8"?>
+<file path=ppt/slides/slide17.xml><?xml version="1.0" encoding="utf-8"?>
 <p:sld xmlns:a="http://schemas.openxmlformats.org/drawingml/2006/main" xmlns:r="http://schemas.openxmlformats.org/officeDocument/2006/relationships" xmlns:p="http://schemas.openxmlformats.org/presentationml/2006/main">
   <p:cSld>
     <p:bg>
@@ -5039,7 +5388,7 @@
 </p:sld>
 </file>
 
-<file path=ppt/slides/slide16.xml><?xml version="1.0" encoding="utf-8"?>
+<file path=ppt/slides/slide18.xml><?xml version="1.0" encoding="utf-8"?>
 <p:sld xmlns:a="http://schemas.openxmlformats.org/drawingml/2006/main" xmlns:r="http://schemas.openxmlformats.org/officeDocument/2006/relationships" xmlns:p="http://schemas.openxmlformats.org/presentationml/2006/main">
   <p:cSld>
     <p:spTree>
@@ -5107,220 +5456,6 @@
     <p:extLst>
       <p:ext uri="{BB962C8B-B14F-4D97-AF65-F5344CB8AC3E}">
         <p14:creationId xmlns:p14="http://schemas.microsoft.com/office/powerpoint/2010/main" val="733716257"/>
-      </p:ext>
-    </p:extLst>
-  </p:cSld>
-  <p:clrMapOvr>
-    <a:masterClrMapping/>
-  </p:clrMapOvr>
-</p:sld>
-</file>
-
-<file path=ppt/slides/slide17.xml><?xml version="1.0" encoding="utf-8"?>
-<p:sld xmlns:a="http://schemas.openxmlformats.org/drawingml/2006/main" xmlns:r="http://schemas.openxmlformats.org/officeDocument/2006/relationships" xmlns:p="http://schemas.openxmlformats.org/presentationml/2006/main">
-  <p:cSld>
-    <p:bg>
-      <p:bgPr>
-        <a:solidFill>
-          <a:schemeClr val="bg1"/>
-        </a:solidFill>
-        <a:effectLst/>
-      </p:bgPr>
-    </p:bg>
-    <p:spTree>
-      <p:nvGrpSpPr>
-        <p:cNvPr id="1" name=""/>
-        <p:cNvGrpSpPr/>
-        <p:nvPr/>
-      </p:nvGrpSpPr>
-      <p:grpSpPr>
-        <a:xfrm>
-          <a:off x="0" y="0"/>
-          <a:ext cx="0" cy="0"/>
-          <a:chOff x="0" y="0"/>
-          <a:chExt cx="0" cy="0"/>
-        </a:xfrm>
-      </p:grpSpPr>
-      <p:pic>
-        <p:nvPicPr>
-          <p:cNvPr id="2" name="Picture 8" descr="Image result for google cloud">
-            <a:extLst>
-              <a:ext uri="{FF2B5EF4-FFF2-40B4-BE49-F238E27FC236}">
-                <a16:creationId xmlns:a16="http://schemas.microsoft.com/office/drawing/2014/main" id="{5619E21E-296E-422A-980E-3B0E68926A28}"/>
-              </a:ext>
-            </a:extLst>
-          </p:cNvPr>
-          <p:cNvPicPr>
-            <a:picLocks noChangeAspect="1" noChangeArrowheads="1"/>
-          </p:cNvPicPr>
-          <p:nvPr/>
-        </p:nvPicPr>
-        <p:blipFill>
-          <a:blip r:embed="rId2">
-            <a:extLst>
-              <a:ext uri="{28A0092B-C50C-407E-A947-70E740481C1C}">
-                <a14:useLocalDpi xmlns:a14="http://schemas.microsoft.com/office/drawing/2010/main" val="0"/>
-              </a:ext>
-            </a:extLst>
-          </a:blip>
-          <a:stretch>
-            <a:fillRect/>
-          </a:stretch>
-        </p:blipFill>
-        <p:spPr bwMode="auto">
-          <a:xfrm>
-            <a:off x="1585014" y="643466"/>
-            <a:ext cx="9021972" cy="5571067"/>
-          </a:xfrm>
-          <a:prstGeom prst="rect">
-            <a:avLst/>
-          </a:prstGeom>
-          <a:noFill/>
-          <a:extLst>
-            <a:ext uri="{909E8E84-426E-40DD-AFC4-6F175D3DCCD1}">
-              <a14:hiddenFill xmlns:a14="http://schemas.microsoft.com/office/drawing/2010/main">
-                <a:solidFill>
-                  <a:srgbClr val="FFFFFF"/>
-                </a:solidFill>
-              </a14:hiddenFill>
-            </a:ext>
-          </a:extLst>
-        </p:spPr>
-      </p:pic>
-    </p:spTree>
-    <p:extLst>
-      <p:ext uri="{BB962C8B-B14F-4D97-AF65-F5344CB8AC3E}">
-        <p14:creationId xmlns:p14="http://schemas.microsoft.com/office/powerpoint/2010/main" val="2591163836"/>
-      </p:ext>
-    </p:extLst>
-  </p:cSld>
-  <p:clrMapOvr>
-    <a:masterClrMapping/>
-  </p:clrMapOvr>
-</p:sld>
-</file>
-
-<file path=ppt/slides/slide18.xml><?xml version="1.0" encoding="utf-8"?>
-<p:sld xmlns:a="http://schemas.openxmlformats.org/drawingml/2006/main" xmlns:r="http://schemas.openxmlformats.org/officeDocument/2006/relationships" xmlns:p="http://schemas.openxmlformats.org/presentationml/2006/main">
-  <p:cSld>
-    <p:bg>
-      <p:bgPr>
-        <a:solidFill>
-          <a:schemeClr val="bg1"/>
-        </a:solidFill>
-        <a:effectLst/>
-      </p:bgPr>
-    </p:bg>
-    <p:spTree>
-      <p:nvGrpSpPr>
-        <p:cNvPr id="1" name=""/>
-        <p:cNvGrpSpPr/>
-        <p:nvPr/>
-      </p:nvGrpSpPr>
-      <p:grpSpPr>
-        <a:xfrm>
-          <a:off x="0" y="0"/>
-          <a:ext cx="0" cy="0"/>
-          <a:chOff x="0" y="0"/>
-          <a:chExt cx="0" cy="0"/>
-        </a:xfrm>
-      </p:grpSpPr>
-      <p:pic>
-        <p:nvPicPr>
-          <p:cNvPr id="2" name="Picture 22" descr="Image result for kubernetes logo png">
-            <a:extLst>
-              <a:ext uri="{FF2B5EF4-FFF2-40B4-BE49-F238E27FC236}">
-                <a16:creationId xmlns:a16="http://schemas.microsoft.com/office/drawing/2014/main" id="{A386B761-BBB6-430D-AB29-A1E8CB1B40B5}"/>
-              </a:ext>
-            </a:extLst>
-          </p:cNvPr>
-          <p:cNvPicPr>
-            <a:picLocks noChangeAspect="1" noChangeArrowheads="1"/>
-          </p:cNvPicPr>
-          <p:nvPr/>
-        </p:nvPicPr>
-        <p:blipFill>
-          <a:blip r:embed="rId2">
-            <a:extLst>
-              <a:ext uri="{28A0092B-C50C-407E-A947-70E740481C1C}">
-                <a14:useLocalDpi xmlns:a14="http://schemas.microsoft.com/office/drawing/2010/main" val="0"/>
-              </a:ext>
-            </a:extLst>
-          </a:blip>
-          <a:stretch>
-            <a:fillRect/>
-          </a:stretch>
-        </p:blipFill>
-        <p:spPr bwMode="auto">
-          <a:xfrm>
-            <a:off x="484632" y="625419"/>
-            <a:ext cx="6716272" cy="5607162"/>
-          </a:xfrm>
-          <a:prstGeom prst="rect">
-            <a:avLst/>
-          </a:prstGeom>
-          <a:noFill/>
-          <a:extLst>
-            <a:ext uri="{909E8E84-426E-40DD-AFC4-6F175D3DCCD1}">
-              <a14:hiddenFill xmlns:a14="http://schemas.microsoft.com/office/drawing/2010/main">
-                <a:solidFill>
-                  <a:srgbClr val="FFFFFF"/>
-                </a:solidFill>
-              </a14:hiddenFill>
-            </a:ext>
-          </a:extLst>
-        </p:spPr>
-      </p:pic>
-      <p:pic>
-        <p:nvPicPr>
-          <p:cNvPr id="4" name="Picture 24" descr="Image result for helm kubernetes">
-            <a:extLst>
-              <a:ext uri="{FF2B5EF4-FFF2-40B4-BE49-F238E27FC236}">
-                <a16:creationId xmlns:a16="http://schemas.microsoft.com/office/drawing/2014/main" id="{A5E7F1B4-9B0C-4E2B-9906-37E7F78C1F08}"/>
-              </a:ext>
-            </a:extLst>
-          </p:cNvPr>
-          <p:cNvPicPr>
-            <a:picLocks noChangeAspect="1" noChangeArrowheads="1"/>
-          </p:cNvPicPr>
-          <p:nvPr/>
-        </p:nvPicPr>
-        <p:blipFill>
-          <a:blip r:embed="rId3">
-            <a:extLst>
-              <a:ext uri="{28A0092B-C50C-407E-A947-70E740481C1C}">
-                <a14:useLocalDpi xmlns:a14="http://schemas.microsoft.com/office/drawing/2010/main" val="0"/>
-              </a:ext>
-            </a:extLst>
-          </a:blip>
-          <a:stretch>
-            <a:fillRect/>
-          </a:stretch>
-        </p:blipFill>
-        <p:spPr bwMode="auto">
-          <a:xfrm>
-            <a:off x="7534655" y="1342644"/>
-            <a:ext cx="4172712" cy="4172712"/>
-          </a:xfrm>
-          <a:prstGeom prst="rect">
-            <a:avLst/>
-          </a:prstGeom>
-          <a:noFill/>
-          <a:extLst>
-            <a:ext uri="{909E8E84-426E-40DD-AFC4-6F175D3DCCD1}">
-              <a14:hiddenFill xmlns:a14="http://schemas.microsoft.com/office/drawing/2010/main">
-                <a:solidFill>
-                  <a:srgbClr val="FFFFFF"/>
-                </a:solidFill>
-              </a14:hiddenFill>
-            </a:ext>
-          </a:extLst>
-        </p:spPr>
-      </p:pic>
-    </p:spTree>
-    <p:extLst>
-      <p:ext uri="{BB962C8B-B14F-4D97-AF65-F5344CB8AC3E}">
-        <p14:creationId xmlns:p14="http://schemas.microsoft.com/office/powerpoint/2010/main" val="571223688"/>
       </p:ext>
     </p:extLst>
   </p:cSld>
@@ -5357,10 +5492,10 @@
       </p:grpSpPr>
       <p:pic>
         <p:nvPicPr>
-          <p:cNvPr id="2" name="Picture 26" descr="Image result for istio logo png">
-            <a:extLst>
-              <a:ext uri="{FF2B5EF4-FFF2-40B4-BE49-F238E27FC236}">
-                <a16:creationId xmlns:a16="http://schemas.microsoft.com/office/drawing/2014/main" id="{5312BFD3-9FE9-47D7-B849-167B59402629}"/>
+          <p:cNvPr id="2" name="Picture 8" descr="Image result for google cloud">
+            <a:extLst>
+              <a:ext uri="{FF2B5EF4-FFF2-40B4-BE49-F238E27FC236}">
+                <a16:creationId xmlns:a16="http://schemas.microsoft.com/office/drawing/2014/main" id="{5619E21E-296E-422A-980E-3B0E68926A28}"/>
               </a:ext>
             </a:extLst>
           </p:cNvPr>
@@ -5383,8 +5518,8 @@
         </p:blipFill>
         <p:spPr bwMode="auto">
           <a:xfrm>
-            <a:off x="1253807" y="1123527"/>
-            <a:ext cx="4604800" cy="4604800"/>
+            <a:off x="1585014" y="643466"/>
+            <a:ext cx="9021972" cy="5571067"/>
           </a:xfrm>
           <a:prstGeom prst="rect">
             <a:avLst/>
@@ -5401,108 +5536,10 @@
           </a:extLst>
         </p:spPr>
       </p:pic>
-      <p:cxnSp>
-        <p:nvCxnSpPr>
-          <p:cNvPr id="14" name="Straight Connector 7">
-            <a:extLst>
-              <a:ext uri="{FF2B5EF4-FFF2-40B4-BE49-F238E27FC236}">
-                <a16:creationId xmlns:a16="http://schemas.microsoft.com/office/drawing/2014/main" id="{4D56677B-C0B7-4DAC-ACAD-8054FF1B599A}"/>
-              </a:ext>
-              <a:ext uri="{C183D7F6-B498-43B3-948B-1728B52AA6E4}">
-                <adec:decorative xmlns:adec="http://schemas.microsoft.com/office/drawing/2017/decorative" val="1"/>
-              </a:ext>
-            </a:extLst>
-          </p:cNvPr>
-          <p:cNvCxnSpPr>
-            <a:cxnSpLocks noGrp="1" noRot="1" noChangeAspect="1" noMove="1" noResize="1" noEditPoints="1" noAdjustHandles="1" noChangeArrowheads="1" noChangeShapeType="1"/>
-          </p:cNvCxnSpPr>
-          <p:nvPr>
-            <p:extLst>
-              <p:ext uri="{386F3935-93C4-4BCD-93E2-E3B085C9AB24}">
-                <p16:designElem xmlns:p16="http://schemas.microsoft.com/office/powerpoint/2015/main" val="1"/>
-              </p:ext>
-            </p:extLst>
-          </p:nvPr>
-        </p:nvCxnSpPr>
-        <p:spPr>
-          <a:xfrm>
-            <a:off x="6096000" y="1573887"/>
-            <a:ext cx="0" cy="3710227"/>
-          </a:xfrm>
-          <a:prstGeom prst="line">
-            <a:avLst/>
-          </a:prstGeom>
-          <a:ln w="19050">
-            <a:solidFill>
-              <a:srgbClr val="2963CB"/>
-            </a:solidFill>
-          </a:ln>
-        </p:spPr>
-        <p:style>
-          <a:lnRef idx="1">
-            <a:schemeClr val="accent1"/>
-          </a:lnRef>
-          <a:fillRef idx="0">
-            <a:schemeClr val="accent1"/>
-          </a:fillRef>
-          <a:effectRef idx="0">
-            <a:schemeClr val="accent1"/>
-          </a:effectRef>
-          <a:fontRef idx="minor">
-            <a:schemeClr val="tx1"/>
-          </a:fontRef>
-        </p:style>
-      </p:cxnSp>
-      <p:pic>
-        <p:nvPicPr>
-          <p:cNvPr id="3" name="Picture 2" descr="Image result for flagger istio logo">
-            <a:extLst>
-              <a:ext uri="{FF2B5EF4-FFF2-40B4-BE49-F238E27FC236}">
-                <a16:creationId xmlns:a16="http://schemas.microsoft.com/office/drawing/2014/main" id="{8EF8AD32-090E-43D0-805C-D2B98DB954A7}"/>
-              </a:ext>
-            </a:extLst>
-          </p:cNvPr>
-          <p:cNvPicPr>
-            <a:picLocks noChangeAspect="1" noChangeArrowheads="1"/>
-          </p:cNvPicPr>
-          <p:nvPr/>
-        </p:nvPicPr>
-        <p:blipFill>
-          <a:blip r:embed="rId3">
-            <a:extLst>
-              <a:ext uri="{28A0092B-C50C-407E-A947-70E740481C1C}">
-                <a14:useLocalDpi xmlns:a14="http://schemas.microsoft.com/office/drawing/2010/main" val="0"/>
-              </a:ext>
-            </a:extLst>
-          </a:blip>
-          <a:stretch>
-            <a:fillRect/>
-          </a:stretch>
-        </p:blipFill>
-        <p:spPr bwMode="auto">
-          <a:xfrm>
-            <a:off x="6343240" y="1123527"/>
-            <a:ext cx="4604800" cy="4604800"/>
-          </a:xfrm>
-          <a:prstGeom prst="rect">
-            <a:avLst/>
-          </a:prstGeom>
-          <a:noFill/>
-          <a:extLst>
-            <a:ext uri="{909E8E84-426E-40DD-AFC4-6F175D3DCCD1}">
-              <a14:hiddenFill xmlns:a14="http://schemas.microsoft.com/office/drawing/2010/main">
-                <a:solidFill>
-                  <a:srgbClr val="FFFFFF"/>
-                </a:solidFill>
-              </a14:hiddenFill>
-            </a:ext>
-          </a:extLst>
-        </p:spPr>
-      </p:pic>
     </p:spTree>
     <p:extLst>
       <p:ext uri="{BB962C8B-B14F-4D97-AF65-F5344CB8AC3E}">
-        <p14:creationId xmlns:p14="http://schemas.microsoft.com/office/powerpoint/2010/main" val="3441340057"/>
+        <p14:creationId xmlns:p14="http://schemas.microsoft.com/office/powerpoint/2010/main" val="2591163836"/>
       </p:ext>
     </p:extLst>
   </p:cSld>
@@ -5656,6 +5693,318 @@
           <a:chExt cx="0" cy="0"/>
         </a:xfrm>
       </p:grpSpPr>
+      <p:pic>
+        <p:nvPicPr>
+          <p:cNvPr id="2" name="Picture 22" descr="Image result for kubernetes logo png">
+            <a:extLst>
+              <a:ext uri="{FF2B5EF4-FFF2-40B4-BE49-F238E27FC236}">
+                <a16:creationId xmlns:a16="http://schemas.microsoft.com/office/drawing/2014/main" id="{A386B761-BBB6-430D-AB29-A1E8CB1B40B5}"/>
+              </a:ext>
+            </a:extLst>
+          </p:cNvPr>
+          <p:cNvPicPr>
+            <a:picLocks noChangeAspect="1" noChangeArrowheads="1"/>
+          </p:cNvPicPr>
+          <p:nvPr/>
+        </p:nvPicPr>
+        <p:blipFill>
+          <a:blip r:embed="rId2">
+            <a:extLst>
+              <a:ext uri="{28A0092B-C50C-407E-A947-70E740481C1C}">
+                <a14:useLocalDpi xmlns:a14="http://schemas.microsoft.com/office/drawing/2010/main" val="0"/>
+              </a:ext>
+            </a:extLst>
+          </a:blip>
+          <a:stretch>
+            <a:fillRect/>
+          </a:stretch>
+        </p:blipFill>
+        <p:spPr bwMode="auto">
+          <a:xfrm>
+            <a:off x="484632" y="625419"/>
+            <a:ext cx="6716272" cy="5607162"/>
+          </a:xfrm>
+          <a:prstGeom prst="rect">
+            <a:avLst/>
+          </a:prstGeom>
+          <a:noFill/>
+          <a:extLst>
+            <a:ext uri="{909E8E84-426E-40DD-AFC4-6F175D3DCCD1}">
+              <a14:hiddenFill xmlns:a14="http://schemas.microsoft.com/office/drawing/2010/main">
+                <a:solidFill>
+                  <a:srgbClr val="FFFFFF"/>
+                </a:solidFill>
+              </a14:hiddenFill>
+            </a:ext>
+          </a:extLst>
+        </p:spPr>
+      </p:pic>
+      <p:pic>
+        <p:nvPicPr>
+          <p:cNvPr id="4" name="Picture 24" descr="Image result for helm kubernetes">
+            <a:extLst>
+              <a:ext uri="{FF2B5EF4-FFF2-40B4-BE49-F238E27FC236}">
+                <a16:creationId xmlns:a16="http://schemas.microsoft.com/office/drawing/2014/main" id="{A5E7F1B4-9B0C-4E2B-9906-37E7F78C1F08}"/>
+              </a:ext>
+            </a:extLst>
+          </p:cNvPr>
+          <p:cNvPicPr>
+            <a:picLocks noChangeAspect="1" noChangeArrowheads="1"/>
+          </p:cNvPicPr>
+          <p:nvPr/>
+        </p:nvPicPr>
+        <p:blipFill>
+          <a:blip r:embed="rId3">
+            <a:extLst>
+              <a:ext uri="{28A0092B-C50C-407E-A947-70E740481C1C}">
+                <a14:useLocalDpi xmlns:a14="http://schemas.microsoft.com/office/drawing/2010/main" val="0"/>
+              </a:ext>
+            </a:extLst>
+          </a:blip>
+          <a:stretch>
+            <a:fillRect/>
+          </a:stretch>
+        </p:blipFill>
+        <p:spPr bwMode="auto">
+          <a:xfrm>
+            <a:off x="7534655" y="1342644"/>
+            <a:ext cx="4172712" cy="4172712"/>
+          </a:xfrm>
+          <a:prstGeom prst="rect">
+            <a:avLst/>
+          </a:prstGeom>
+          <a:noFill/>
+          <a:extLst>
+            <a:ext uri="{909E8E84-426E-40DD-AFC4-6F175D3DCCD1}">
+              <a14:hiddenFill xmlns:a14="http://schemas.microsoft.com/office/drawing/2010/main">
+                <a:solidFill>
+                  <a:srgbClr val="FFFFFF"/>
+                </a:solidFill>
+              </a14:hiddenFill>
+            </a:ext>
+          </a:extLst>
+        </p:spPr>
+      </p:pic>
+    </p:spTree>
+    <p:extLst>
+      <p:ext uri="{BB962C8B-B14F-4D97-AF65-F5344CB8AC3E}">
+        <p14:creationId xmlns:p14="http://schemas.microsoft.com/office/powerpoint/2010/main" val="571223688"/>
+      </p:ext>
+    </p:extLst>
+  </p:cSld>
+  <p:clrMapOvr>
+    <a:masterClrMapping/>
+  </p:clrMapOvr>
+</p:sld>
+</file>
+
+<file path=ppt/slides/slide21.xml><?xml version="1.0" encoding="utf-8"?>
+<p:sld xmlns:a="http://schemas.openxmlformats.org/drawingml/2006/main" xmlns:r="http://schemas.openxmlformats.org/officeDocument/2006/relationships" xmlns:p="http://schemas.openxmlformats.org/presentationml/2006/main">
+  <p:cSld>
+    <p:bg>
+      <p:bgPr>
+        <a:solidFill>
+          <a:schemeClr val="bg1"/>
+        </a:solidFill>
+        <a:effectLst/>
+      </p:bgPr>
+    </p:bg>
+    <p:spTree>
+      <p:nvGrpSpPr>
+        <p:cNvPr id="1" name=""/>
+        <p:cNvGrpSpPr/>
+        <p:nvPr/>
+      </p:nvGrpSpPr>
+      <p:grpSpPr>
+        <a:xfrm>
+          <a:off x="0" y="0"/>
+          <a:ext cx="0" cy="0"/>
+          <a:chOff x="0" y="0"/>
+          <a:chExt cx="0" cy="0"/>
+        </a:xfrm>
+      </p:grpSpPr>
+      <p:pic>
+        <p:nvPicPr>
+          <p:cNvPr id="2" name="Picture 26" descr="Image result for istio logo png">
+            <a:extLst>
+              <a:ext uri="{FF2B5EF4-FFF2-40B4-BE49-F238E27FC236}">
+                <a16:creationId xmlns:a16="http://schemas.microsoft.com/office/drawing/2014/main" id="{5312BFD3-9FE9-47D7-B849-167B59402629}"/>
+              </a:ext>
+            </a:extLst>
+          </p:cNvPr>
+          <p:cNvPicPr>
+            <a:picLocks noChangeAspect="1" noChangeArrowheads="1"/>
+          </p:cNvPicPr>
+          <p:nvPr/>
+        </p:nvPicPr>
+        <p:blipFill>
+          <a:blip r:embed="rId2">
+            <a:extLst>
+              <a:ext uri="{28A0092B-C50C-407E-A947-70E740481C1C}">
+                <a14:useLocalDpi xmlns:a14="http://schemas.microsoft.com/office/drawing/2010/main" val="0"/>
+              </a:ext>
+            </a:extLst>
+          </a:blip>
+          <a:stretch>
+            <a:fillRect/>
+          </a:stretch>
+        </p:blipFill>
+        <p:spPr bwMode="auto">
+          <a:xfrm>
+            <a:off x="1253807" y="1123527"/>
+            <a:ext cx="4604800" cy="4604800"/>
+          </a:xfrm>
+          <a:prstGeom prst="rect">
+            <a:avLst/>
+          </a:prstGeom>
+          <a:noFill/>
+          <a:extLst>
+            <a:ext uri="{909E8E84-426E-40DD-AFC4-6F175D3DCCD1}">
+              <a14:hiddenFill xmlns:a14="http://schemas.microsoft.com/office/drawing/2010/main">
+                <a:solidFill>
+                  <a:srgbClr val="FFFFFF"/>
+                </a:solidFill>
+              </a14:hiddenFill>
+            </a:ext>
+          </a:extLst>
+        </p:spPr>
+      </p:pic>
+      <p:cxnSp>
+        <p:nvCxnSpPr>
+          <p:cNvPr id="14" name="Straight Connector 7">
+            <a:extLst>
+              <a:ext uri="{FF2B5EF4-FFF2-40B4-BE49-F238E27FC236}">
+                <a16:creationId xmlns:a16="http://schemas.microsoft.com/office/drawing/2014/main" id="{4D56677B-C0B7-4DAC-ACAD-8054FF1B599A}"/>
+              </a:ext>
+              <a:ext uri="{C183D7F6-B498-43B3-948B-1728B52AA6E4}">
+                <adec:decorative xmlns:adec="http://schemas.microsoft.com/office/drawing/2017/decorative" val="1"/>
+              </a:ext>
+            </a:extLst>
+          </p:cNvPr>
+          <p:cNvCxnSpPr>
+            <a:cxnSpLocks noGrp="1" noRot="1" noChangeAspect="1" noMove="1" noResize="1" noEditPoints="1" noAdjustHandles="1" noChangeArrowheads="1" noChangeShapeType="1"/>
+          </p:cNvCxnSpPr>
+          <p:nvPr>
+            <p:extLst>
+              <p:ext uri="{386F3935-93C4-4BCD-93E2-E3B085C9AB24}">
+                <p16:designElem xmlns:p16="http://schemas.microsoft.com/office/powerpoint/2015/main" val="1"/>
+              </p:ext>
+            </p:extLst>
+          </p:nvPr>
+        </p:nvCxnSpPr>
+        <p:spPr>
+          <a:xfrm>
+            <a:off x="6096000" y="1573887"/>
+            <a:ext cx="0" cy="3710227"/>
+          </a:xfrm>
+          <a:prstGeom prst="line">
+            <a:avLst/>
+          </a:prstGeom>
+          <a:ln w="19050">
+            <a:solidFill>
+              <a:srgbClr val="2963CB"/>
+            </a:solidFill>
+          </a:ln>
+        </p:spPr>
+        <p:style>
+          <a:lnRef idx="1">
+            <a:schemeClr val="accent1"/>
+          </a:lnRef>
+          <a:fillRef idx="0">
+            <a:schemeClr val="accent1"/>
+          </a:fillRef>
+          <a:effectRef idx="0">
+            <a:schemeClr val="accent1"/>
+          </a:effectRef>
+          <a:fontRef idx="minor">
+            <a:schemeClr val="tx1"/>
+          </a:fontRef>
+        </p:style>
+      </p:cxnSp>
+      <p:pic>
+        <p:nvPicPr>
+          <p:cNvPr id="3" name="Picture 2" descr="Image result for flagger istio logo">
+            <a:extLst>
+              <a:ext uri="{FF2B5EF4-FFF2-40B4-BE49-F238E27FC236}">
+                <a16:creationId xmlns:a16="http://schemas.microsoft.com/office/drawing/2014/main" id="{8EF8AD32-090E-43D0-805C-D2B98DB954A7}"/>
+              </a:ext>
+            </a:extLst>
+          </p:cNvPr>
+          <p:cNvPicPr>
+            <a:picLocks noChangeAspect="1" noChangeArrowheads="1"/>
+          </p:cNvPicPr>
+          <p:nvPr/>
+        </p:nvPicPr>
+        <p:blipFill>
+          <a:blip r:embed="rId3">
+            <a:extLst>
+              <a:ext uri="{28A0092B-C50C-407E-A947-70E740481C1C}">
+                <a14:useLocalDpi xmlns:a14="http://schemas.microsoft.com/office/drawing/2010/main" val="0"/>
+              </a:ext>
+            </a:extLst>
+          </a:blip>
+          <a:stretch>
+            <a:fillRect/>
+          </a:stretch>
+        </p:blipFill>
+        <p:spPr bwMode="auto">
+          <a:xfrm>
+            <a:off x="6343240" y="1123527"/>
+            <a:ext cx="4604800" cy="4604800"/>
+          </a:xfrm>
+          <a:prstGeom prst="rect">
+            <a:avLst/>
+          </a:prstGeom>
+          <a:noFill/>
+          <a:extLst>
+            <a:ext uri="{909E8E84-426E-40DD-AFC4-6F175D3DCCD1}">
+              <a14:hiddenFill xmlns:a14="http://schemas.microsoft.com/office/drawing/2010/main">
+                <a:solidFill>
+                  <a:srgbClr val="FFFFFF"/>
+                </a:solidFill>
+              </a14:hiddenFill>
+            </a:ext>
+          </a:extLst>
+        </p:spPr>
+      </p:pic>
+    </p:spTree>
+    <p:extLst>
+      <p:ext uri="{BB962C8B-B14F-4D97-AF65-F5344CB8AC3E}">
+        <p14:creationId xmlns:p14="http://schemas.microsoft.com/office/powerpoint/2010/main" val="3441340057"/>
+      </p:ext>
+    </p:extLst>
+  </p:cSld>
+  <p:clrMapOvr>
+    <a:masterClrMapping/>
+  </p:clrMapOvr>
+</p:sld>
+</file>
+
+<file path=ppt/slides/slide22.xml><?xml version="1.0" encoding="utf-8"?>
+<p:sld xmlns:a="http://schemas.openxmlformats.org/drawingml/2006/main" xmlns:r="http://schemas.openxmlformats.org/officeDocument/2006/relationships" xmlns:p="http://schemas.openxmlformats.org/presentationml/2006/main">
+  <p:cSld>
+    <p:bg>
+      <p:bgPr>
+        <a:solidFill>
+          <a:schemeClr val="bg1"/>
+        </a:solidFill>
+        <a:effectLst/>
+      </p:bgPr>
+    </p:bg>
+    <p:spTree>
+      <p:nvGrpSpPr>
+        <p:cNvPr id="1" name=""/>
+        <p:cNvGrpSpPr/>
+        <p:nvPr/>
+      </p:nvGrpSpPr>
+      <p:grpSpPr>
+        <a:xfrm>
+          <a:off x="0" y="0"/>
+          <a:ext cx="0" cy="0"/>
+          <a:chOff x="0" y="0"/>
+          <a:chExt cx="0" cy="0"/>
+        </a:xfrm>
+      </p:grpSpPr>
       <p:cxnSp>
         <p:nvCxnSpPr>
           <p:cNvPr id="73" name="Straight Connector 72">
@@ -5812,7 +6161,7 @@
 </p:sld>
 </file>
 
-<file path=ppt/slides/slide21.xml><?xml version="1.0" encoding="utf-8"?>
+<file path=ppt/slides/slide23.xml><?xml version="1.0" encoding="utf-8"?>
 <p:sld xmlns:a="http://schemas.openxmlformats.org/drawingml/2006/main" xmlns:r="http://schemas.openxmlformats.org/officeDocument/2006/relationships" xmlns:p="http://schemas.openxmlformats.org/presentationml/2006/main">
   <p:cSld>
     <p:spTree>
@@ -5909,7 +6258,7 @@
 </p:sld>
 </file>
 
-<file path=ppt/slides/slide22.xml><?xml version="1.0" encoding="utf-8"?>
+<file path=ppt/slides/slide24.xml><?xml version="1.0" encoding="utf-8"?>
 <p:sld xmlns:a="http://schemas.openxmlformats.org/drawingml/2006/main" xmlns:r="http://schemas.openxmlformats.org/officeDocument/2006/relationships" xmlns:p="http://schemas.openxmlformats.org/presentationml/2006/main">
   <p:cSld>
     <p:spTree>
@@ -6761,10 +7110,10 @@
       </p:grpSpPr>
       <p:pic>
         <p:nvPicPr>
-          <p:cNvPr id="2" name="รูปภาพ 1">
-            <a:extLst>
-              <a:ext uri="{FF2B5EF4-FFF2-40B4-BE49-F238E27FC236}">
-                <a16:creationId xmlns:a16="http://schemas.microsoft.com/office/drawing/2014/main" id="{1FABC4AA-D305-4859-A97D-50BEE0E90289}"/>
+          <p:cNvPr id="2" name="Picture 1">
+            <a:extLst>
+              <a:ext uri="{FF2B5EF4-FFF2-40B4-BE49-F238E27FC236}">
+                <a16:creationId xmlns:a16="http://schemas.microsoft.com/office/drawing/2014/main" id="{B4055FF6-D968-474A-A299-BB85E1CF5008}"/>
               </a:ext>
             </a:extLst>
           </p:cNvPr>
@@ -6781,55 +7130,18 @@
         </p:blipFill>
         <p:spPr>
           <a:xfrm>
-            <a:off x="2085975" y="738187"/>
-            <a:ext cx="8020050" cy="5381625"/>
+            <a:off x="2509892" y="1940157"/>
+            <a:ext cx="7172215" cy="2977686"/>
           </a:xfrm>
           <a:prstGeom prst="rect">
             <a:avLst/>
           </a:prstGeom>
         </p:spPr>
       </p:pic>
-      <p:sp>
-        <p:nvSpPr>
-          <p:cNvPr id="3" name="สี่เหลี่ยมผืนผ้า 2">
-            <a:extLst>
-              <a:ext uri="{FF2B5EF4-FFF2-40B4-BE49-F238E27FC236}">
-                <a16:creationId xmlns:a16="http://schemas.microsoft.com/office/drawing/2014/main" id="{458D2C1B-C269-4F79-8516-4CD2E3AB7700}"/>
-              </a:ext>
-            </a:extLst>
-          </p:cNvPr>
-          <p:cNvSpPr/>
-          <p:nvPr/>
-        </p:nvSpPr>
-        <p:spPr>
-          <a:xfrm>
-            <a:off x="58057" y="6488668"/>
-            <a:ext cx="12075886" cy="369332"/>
-          </a:xfrm>
-          <a:prstGeom prst="rect">
-            <a:avLst/>
-          </a:prstGeom>
-        </p:spPr>
-        <p:txBody>
-          <a:bodyPr wrap="square">
-            <a:spAutoFit/>
-          </a:bodyPr>
-          <a:lstStyle/>
-          <a:p>
-            <a:r>
-              <a:rPr lang="en-US" dirty="0">
-                <a:hlinkClick r:id="rId3"/>
-              </a:rPr>
-              <a:t>https://medium.com/@dinyangetoh/how-to-build-simple-restful-api-with-nodejs-expressjs-and-mongodb-99348012925d</a:t>
-            </a:r>
-            <a:endParaRPr lang="en-US" dirty="0"/>
-          </a:p>
-        </p:txBody>
-      </p:sp>
     </p:spTree>
     <p:extLst>
       <p:ext uri="{BB962C8B-B14F-4D97-AF65-F5344CB8AC3E}">
-        <p14:creationId xmlns:p14="http://schemas.microsoft.com/office/powerpoint/2010/main" val="2662934919"/>
+        <p14:creationId xmlns:p14="http://schemas.microsoft.com/office/powerpoint/2010/main" val="4251888048"/>
       </p:ext>
     </p:extLst>
   </p:cSld>
@@ -6842,14 +7154,6 @@
 <file path=ppt/slides/slide9.xml><?xml version="1.0" encoding="utf-8"?>
 <p:sld xmlns:a="http://schemas.openxmlformats.org/drawingml/2006/main" xmlns:r="http://schemas.openxmlformats.org/officeDocument/2006/relationships" xmlns:p="http://schemas.openxmlformats.org/presentationml/2006/main">
   <p:cSld>
-    <p:bg>
-      <p:bgPr>
-        <a:solidFill>
-          <a:schemeClr val="bg1"/>
-        </a:solidFill>
-        <a:effectLst/>
-      </p:bgPr>
-    </p:bg>
     <p:spTree>
       <p:nvGrpSpPr>
         <p:cNvPr id="1" name=""/>
@@ -6864,225 +7168,77 @@
           <a:chExt cx="0" cy="0"/>
         </a:xfrm>
       </p:grpSpPr>
-      <p:sp>
-        <p:nvSpPr>
-          <p:cNvPr id="8" name="Rectangle 7">
-            <a:extLst>
-              <a:ext uri="{FF2B5EF4-FFF2-40B4-BE49-F238E27FC236}">
-                <a16:creationId xmlns:a16="http://schemas.microsoft.com/office/drawing/2014/main" id="{3F24A09B-713F-43FC-AB6E-B88083968522}"/>
-              </a:ext>
-              <a:ext uri="{C183D7F6-B498-43B3-948B-1728B52AA6E4}">
-                <adec:decorative xmlns:adec="http://schemas.microsoft.com/office/drawing/2017/decorative" val="1"/>
-              </a:ext>
-            </a:extLst>
-          </p:cNvPr>
-          <p:cNvSpPr>
-            <a:spLocks noGrp="1" noRot="1" noChangeAspect="1" noMove="1" noResize="1" noEditPoints="1" noAdjustHandles="1" noChangeArrowheads="1" noChangeShapeType="1" noTextEdit="1"/>
-          </p:cNvSpPr>
-          <p:nvPr>
-            <p:extLst>
-              <p:ext uri="{386F3935-93C4-4BCD-93E2-E3B085C9AB24}">
-                <p16:designElem xmlns:p16="http://schemas.microsoft.com/office/powerpoint/2015/main" val="1"/>
-              </p:ext>
-            </p:extLst>
-          </p:nvPr>
-        </p:nvSpPr>
-        <p:spPr>
-          <a:xfrm>
-            <a:off x="0" y="0"/>
-            <a:ext cx="5468548" cy="6858000"/>
-          </a:xfrm>
-          <a:prstGeom prst="rect">
-            <a:avLst/>
-          </a:prstGeom>
-          <a:solidFill>
-            <a:schemeClr val="accent1"/>
-          </a:solidFill>
-          <a:ln>
-            <a:noFill/>
-          </a:ln>
-        </p:spPr>
-        <p:style>
-          <a:lnRef idx="2">
-            <a:schemeClr val="accent1">
-              <a:shade val="50000"/>
-            </a:schemeClr>
-          </a:lnRef>
-          <a:fillRef idx="1">
-            <a:schemeClr val="accent1"/>
-          </a:fillRef>
-          <a:effectRef idx="0">
-            <a:schemeClr val="accent1"/>
-          </a:effectRef>
-          <a:fontRef idx="minor">
-            <a:schemeClr val="lt1"/>
-          </a:fontRef>
-        </p:style>
-        <p:txBody>
-          <a:bodyPr rtlCol="0" anchor="ctr"/>
-          <a:lstStyle/>
-          <a:p>
-            <a:pPr algn="ctr"/>
-            <a:endParaRPr lang="en-US"/>
-          </a:p>
-        </p:txBody>
-      </p:sp>
-      <p:sp>
-        <p:nvSpPr>
-          <p:cNvPr id="3" name="กล่องข้อความ 2">
-            <a:extLst>
-              <a:ext uri="{FF2B5EF4-FFF2-40B4-BE49-F238E27FC236}">
-                <a16:creationId xmlns:a16="http://schemas.microsoft.com/office/drawing/2014/main" id="{ECF88304-5CA2-40DA-9DBF-B7D4457AB79F}"/>
-              </a:ext>
-            </a:extLst>
-          </p:cNvPr>
-          <p:cNvSpPr txBox="1"/>
-          <p:nvPr/>
-        </p:nvSpPr>
-        <p:spPr>
-          <a:xfrm>
-            <a:off x="646744" y="640080"/>
-            <a:ext cx="4173905" cy="5577818"/>
-          </a:xfrm>
-          <a:prstGeom prst="rect">
-            <a:avLst/>
-          </a:prstGeom>
-        </p:spPr>
-        <p:txBody>
-          <a:bodyPr vert="horz" lIns="91440" tIns="45720" rIns="91440" bIns="45720" rtlCol="0" anchor="ctr">
-            <a:normAutofit/>
-          </a:bodyPr>
-          <a:lstStyle/>
-          <a:p>
-            <a:pPr algn="r">
-              <a:lnSpc>
-                <a:spcPct val="90000"/>
-              </a:lnSpc>
-              <a:spcBef>
-                <a:spcPct val="0"/>
-              </a:spcBef>
-              <a:spcAft>
-                <a:spcPts val="600"/>
-              </a:spcAft>
-            </a:pPr>
-            <a:r>
-              <a:rPr lang="en-US" sz="5400" kern="1200">
-                <a:solidFill>
-                  <a:srgbClr val="FFFFFF"/>
-                </a:solidFill>
-                <a:latin typeface="+mj-lt"/>
-                <a:ea typeface="+mj-ea"/>
-                <a:cs typeface="+mj-cs"/>
-              </a:rPr>
-              <a:t>Docker </a:t>
-            </a:r>
-          </a:p>
-        </p:txBody>
-      </p:sp>
-      <p:cxnSp>
-        <p:nvCxnSpPr>
-          <p:cNvPr id="10" name="Straight Connector 9">
-            <a:extLst>
-              <a:ext uri="{FF2B5EF4-FFF2-40B4-BE49-F238E27FC236}">
-                <a16:creationId xmlns:a16="http://schemas.microsoft.com/office/drawing/2014/main" id="{0B91AB35-C3B4-4B70-B3DD-13D63B7DA23D}"/>
-              </a:ext>
-              <a:ext uri="{C183D7F6-B498-43B3-948B-1728B52AA6E4}">
-                <adec:decorative xmlns:adec="http://schemas.microsoft.com/office/drawing/2017/decorative" val="1"/>
-              </a:ext>
-            </a:extLst>
-          </p:cNvPr>
-          <p:cNvCxnSpPr>
-            <a:cxnSpLocks noGrp="1" noRot="1" noChangeAspect="1" noMove="1" noResize="1" noEditPoints="1" noAdjustHandles="1" noChangeArrowheads="1" noChangeShapeType="1"/>
-          </p:cNvCxnSpPr>
-          <p:nvPr>
-            <p:extLst>
-              <p:ext uri="{386F3935-93C4-4BCD-93E2-E3B085C9AB24}">
-                <p16:designElem xmlns:p16="http://schemas.microsoft.com/office/powerpoint/2015/main" val="1"/>
-              </p:ext>
-            </p:extLst>
-          </p:nvPr>
-        </p:nvCxnSpPr>
-        <p:spPr>
-          <a:xfrm>
-            <a:off x="5133975" y="2423149"/>
-            <a:ext cx="0" cy="2011680"/>
-          </a:xfrm>
-          <a:prstGeom prst="line">
-            <a:avLst/>
-          </a:prstGeom>
-          <a:ln w="19050">
-            <a:solidFill>
-              <a:srgbClr val="FFFFFF">
-                <a:alpha val="80000"/>
-              </a:srgbClr>
-            </a:solidFill>
-          </a:ln>
-        </p:spPr>
-        <p:style>
-          <a:lnRef idx="1">
-            <a:schemeClr val="accent1"/>
-          </a:lnRef>
-          <a:fillRef idx="0">
-            <a:schemeClr val="accent1"/>
-          </a:fillRef>
-          <a:effectRef idx="0">
-            <a:schemeClr val="accent1"/>
-          </a:effectRef>
-          <a:fontRef idx="minor">
-            <a:schemeClr val="tx1"/>
-          </a:fontRef>
-        </p:style>
-      </p:cxnSp>
       <p:pic>
         <p:nvPicPr>
-          <p:cNvPr id="2" name="Picture 20" descr="Image result for docker png">
-            <a:extLst>
-              <a:ext uri="{FF2B5EF4-FFF2-40B4-BE49-F238E27FC236}">
-                <a16:creationId xmlns:a16="http://schemas.microsoft.com/office/drawing/2014/main" id="{DE676065-2CC6-40F7-8BE2-2888826BA123}"/>
+          <p:cNvPr id="2" name="รูปภาพ 1">
+            <a:extLst>
+              <a:ext uri="{FF2B5EF4-FFF2-40B4-BE49-F238E27FC236}">
+                <a16:creationId xmlns:a16="http://schemas.microsoft.com/office/drawing/2014/main" id="{1FABC4AA-D305-4859-A97D-50BEE0E90289}"/>
               </a:ext>
             </a:extLst>
           </p:cNvPr>
           <p:cNvPicPr>
-            <a:picLocks noChangeAspect="1" noChangeArrowheads="1"/>
+            <a:picLocks noChangeAspect="1"/>
           </p:cNvPicPr>
           <p:nvPr/>
         </p:nvPicPr>
         <p:blipFill>
-          <a:blip r:embed="rId2">
-            <a:extLst>
-              <a:ext uri="{28A0092B-C50C-407E-A947-70E740481C1C}">
-                <a14:useLocalDpi xmlns:a14="http://schemas.microsoft.com/office/drawing/2010/main" val="0"/>
-              </a:ext>
-            </a:extLst>
-          </a:blip>
+          <a:blip r:embed="rId2"/>
           <a:stretch>
             <a:fillRect/>
           </a:stretch>
         </p:blipFill>
-        <p:spPr bwMode="auto">
-          <a:xfrm>
-            <a:off x="6096000" y="699753"/>
-            <a:ext cx="5459470" cy="5459470"/>
+        <p:spPr>
+          <a:xfrm>
+            <a:off x="2085975" y="738187"/>
+            <a:ext cx="8020050" cy="5381625"/>
           </a:xfrm>
           <a:prstGeom prst="rect">
             <a:avLst/>
           </a:prstGeom>
-          <a:noFill/>
-          <a:extLst>
-            <a:ext uri="{909E8E84-426E-40DD-AFC4-6F175D3DCCD1}">
-              <a14:hiddenFill xmlns:a14="http://schemas.microsoft.com/office/drawing/2010/main">
-                <a:solidFill>
-                  <a:srgbClr val="FFFFFF"/>
-                </a:solidFill>
-              </a14:hiddenFill>
-            </a:ext>
-          </a:extLst>
         </p:spPr>
       </p:pic>
+      <p:sp>
+        <p:nvSpPr>
+          <p:cNvPr id="3" name="สี่เหลี่ยมผืนผ้า 2">
+            <a:extLst>
+              <a:ext uri="{FF2B5EF4-FFF2-40B4-BE49-F238E27FC236}">
+                <a16:creationId xmlns:a16="http://schemas.microsoft.com/office/drawing/2014/main" id="{458D2C1B-C269-4F79-8516-4CD2E3AB7700}"/>
+              </a:ext>
+            </a:extLst>
+          </p:cNvPr>
+          <p:cNvSpPr/>
+          <p:nvPr/>
+        </p:nvSpPr>
+        <p:spPr>
+          <a:xfrm>
+            <a:off x="58057" y="6488668"/>
+            <a:ext cx="12075886" cy="369332"/>
+          </a:xfrm>
+          <a:prstGeom prst="rect">
+            <a:avLst/>
+          </a:prstGeom>
+        </p:spPr>
+        <p:txBody>
+          <a:bodyPr wrap="square">
+            <a:spAutoFit/>
+          </a:bodyPr>
+          <a:lstStyle/>
+          <a:p>
+            <a:r>
+              <a:rPr lang="en-US" dirty="0">
+                <a:hlinkClick r:id="rId3"/>
+              </a:rPr>
+              <a:t>https://medium.com/@dinyangetoh/how-to-build-simple-restful-api-with-nodejs-expressjs-and-mongodb-99348012925d</a:t>
+            </a:r>
+            <a:endParaRPr lang="en-US" dirty="0"/>
+          </a:p>
+        </p:txBody>
+      </p:sp>
     </p:spTree>
     <p:extLst>
       <p:ext uri="{BB962C8B-B14F-4D97-AF65-F5344CB8AC3E}">
-        <p14:creationId xmlns:p14="http://schemas.microsoft.com/office/powerpoint/2010/main" val="3072216317"/>
+        <p14:creationId xmlns:p14="http://schemas.microsoft.com/office/powerpoint/2010/main" val="2662934919"/>
       </p:ext>
     </p:extLst>
   </p:cSld>

--- a/รายงาน/Project Aj chanwit.pptx
+++ b/รายงาน/Project Aj chanwit.pptx
@@ -16,17 +16,19 @@
     <p:sldId id="262" r:id="rId10"/>
     <p:sldId id="267" r:id="rId11"/>
     <p:sldId id="263" r:id="rId12"/>
-    <p:sldId id="274" r:id="rId13"/>
-    <p:sldId id="275" r:id="rId14"/>
-    <p:sldId id="268" r:id="rId15"/>
-    <p:sldId id="269" r:id="rId16"/>
-    <p:sldId id="273" r:id="rId17"/>
-    <p:sldId id="276" r:id="rId18"/>
-    <p:sldId id="277" r:id="rId19"/>
-    <p:sldId id="270" r:id="rId20"/>
-    <p:sldId id="266" r:id="rId21"/>
-    <p:sldId id="265" r:id="rId22"/>
-    <p:sldId id="271" r:id="rId23"/>
+    <p:sldId id="278" r:id="rId13"/>
+    <p:sldId id="279" r:id="rId14"/>
+    <p:sldId id="274" r:id="rId15"/>
+    <p:sldId id="275" r:id="rId16"/>
+    <p:sldId id="268" r:id="rId17"/>
+    <p:sldId id="269" r:id="rId18"/>
+    <p:sldId id="273" r:id="rId19"/>
+    <p:sldId id="276" r:id="rId20"/>
+    <p:sldId id="277" r:id="rId21"/>
+    <p:sldId id="270" r:id="rId22"/>
+    <p:sldId id="266" r:id="rId23"/>
+    <p:sldId id="265" r:id="rId24"/>
+    <p:sldId id="271" r:id="rId25"/>
   </p:sldIdLst>
   <p:sldSz cx="12192000" cy="6858000"/>
   <p:notesSz cx="6858000" cy="9144000"/>
@@ -282,7 +284,7 @@
           <a:p>
             <a:fld id="{92FFE534-1A97-4E5E-BB3E-CC8D3547B872}" type="datetimeFigureOut">
               <a:rPr lang="en-US" smtClean="0"/>
-              <a:t>8/7/2019</a:t>
+              <a:t>8/9/2019</a:t>
             </a:fld>
             <a:endParaRPr lang="en-US"/>
           </a:p>
@@ -482,7 +484,7 @@
           <a:p>
             <a:fld id="{92FFE534-1A97-4E5E-BB3E-CC8D3547B872}" type="datetimeFigureOut">
               <a:rPr lang="en-US" smtClean="0"/>
-              <a:t>8/7/2019</a:t>
+              <a:t>8/9/2019</a:t>
             </a:fld>
             <a:endParaRPr lang="en-US"/>
           </a:p>
@@ -692,7 +694,7 @@
           <a:p>
             <a:fld id="{92FFE534-1A97-4E5E-BB3E-CC8D3547B872}" type="datetimeFigureOut">
               <a:rPr lang="en-US" smtClean="0"/>
-              <a:t>8/7/2019</a:t>
+              <a:t>8/9/2019</a:t>
             </a:fld>
             <a:endParaRPr lang="en-US"/>
           </a:p>
@@ -892,7 +894,7 @@
           <a:p>
             <a:fld id="{92FFE534-1A97-4E5E-BB3E-CC8D3547B872}" type="datetimeFigureOut">
               <a:rPr lang="en-US" smtClean="0"/>
-              <a:t>8/7/2019</a:t>
+              <a:t>8/9/2019</a:t>
             </a:fld>
             <a:endParaRPr lang="en-US"/>
           </a:p>
@@ -1168,7 +1170,7 @@
           <a:p>
             <a:fld id="{92FFE534-1A97-4E5E-BB3E-CC8D3547B872}" type="datetimeFigureOut">
               <a:rPr lang="en-US" smtClean="0"/>
-              <a:t>8/7/2019</a:t>
+              <a:t>8/9/2019</a:t>
             </a:fld>
             <a:endParaRPr lang="en-US"/>
           </a:p>
@@ -1436,7 +1438,7 @@
           <a:p>
             <a:fld id="{92FFE534-1A97-4E5E-BB3E-CC8D3547B872}" type="datetimeFigureOut">
               <a:rPr lang="en-US" smtClean="0"/>
-              <a:t>8/7/2019</a:t>
+              <a:t>8/9/2019</a:t>
             </a:fld>
             <a:endParaRPr lang="en-US"/>
           </a:p>
@@ -1851,7 +1853,7 @@
           <a:p>
             <a:fld id="{92FFE534-1A97-4E5E-BB3E-CC8D3547B872}" type="datetimeFigureOut">
               <a:rPr lang="en-US" smtClean="0"/>
-              <a:t>8/7/2019</a:t>
+              <a:t>8/9/2019</a:t>
             </a:fld>
             <a:endParaRPr lang="en-US"/>
           </a:p>
@@ -1993,7 +1995,7 @@
           <a:p>
             <a:fld id="{92FFE534-1A97-4E5E-BB3E-CC8D3547B872}" type="datetimeFigureOut">
               <a:rPr lang="en-US" smtClean="0"/>
-              <a:t>8/7/2019</a:t>
+              <a:t>8/9/2019</a:t>
             </a:fld>
             <a:endParaRPr lang="en-US"/>
           </a:p>
@@ -2106,7 +2108,7 @@
           <a:p>
             <a:fld id="{92FFE534-1A97-4E5E-BB3E-CC8D3547B872}" type="datetimeFigureOut">
               <a:rPr lang="en-US" smtClean="0"/>
-              <a:t>8/7/2019</a:t>
+              <a:t>8/9/2019</a:t>
             </a:fld>
             <a:endParaRPr lang="en-US"/>
           </a:p>
@@ -2419,7 +2421,7 @@
           <a:p>
             <a:fld id="{92FFE534-1A97-4E5E-BB3E-CC8D3547B872}" type="datetimeFigureOut">
               <a:rPr lang="en-US" smtClean="0"/>
-              <a:t>8/7/2019</a:t>
+              <a:t>8/9/2019</a:t>
             </a:fld>
             <a:endParaRPr lang="en-US"/>
           </a:p>
@@ -2708,7 +2710,7 @@
           <a:p>
             <a:fld id="{92FFE534-1A97-4E5E-BB3E-CC8D3547B872}" type="datetimeFigureOut">
               <a:rPr lang="en-US" smtClean="0"/>
-              <a:t>8/7/2019</a:t>
+              <a:t>8/9/2019</a:t>
             </a:fld>
             <a:endParaRPr lang="en-US"/>
           </a:p>
@@ -2951,7 +2953,7 @@
           <a:p>
             <a:fld id="{92FFE534-1A97-4E5E-BB3E-CC8D3547B872}" type="datetimeFigureOut">
               <a:rPr lang="en-US" smtClean="0"/>
-              <a:t>8/7/2019</a:t>
+              <a:t>8/9/2019</a:t>
             </a:fld>
             <a:endParaRPr lang="en-US"/>
           </a:p>
@@ -4355,6 +4357,198 @@
 <file path=ppt/slides/slide12.xml><?xml version="1.0" encoding="utf-8"?>
 <p:sld xmlns:a="http://schemas.openxmlformats.org/drawingml/2006/main" xmlns:r="http://schemas.openxmlformats.org/officeDocument/2006/relationships" xmlns:p="http://schemas.openxmlformats.org/presentationml/2006/main">
   <p:cSld>
+    <p:spTree>
+      <p:nvGrpSpPr>
+        <p:cNvPr id="1" name=""/>
+        <p:cNvGrpSpPr/>
+        <p:nvPr/>
+      </p:nvGrpSpPr>
+      <p:grpSpPr>
+        <a:xfrm>
+          <a:off x="0" y="0"/>
+          <a:ext cx="0" cy="0"/>
+          <a:chOff x="0" y="0"/>
+          <a:chExt cx="0" cy="0"/>
+        </a:xfrm>
+      </p:grpSpPr>
+      <p:sp>
+        <p:nvSpPr>
+          <p:cNvPr id="2" name="กล่องข้อความ 1">
+            <a:extLst>
+              <a:ext uri="{FF2B5EF4-FFF2-40B4-BE49-F238E27FC236}">
+                <a16:creationId xmlns:a16="http://schemas.microsoft.com/office/drawing/2014/main" id="{5121DF46-0E65-4CD7-ABA2-CAE292DE9AC7}"/>
+              </a:ext>
+            </a:extLst>
+          </p:cNvPr>
+          <p:cNvSpPr txBox="1"/>
+          <p:nvPr/>
+        </p:nvSpPr>
+        <p:spPr>
+          <a:xfrm>
+            <a:off x="0" y="5934670"/>
+            <a:ext cx="10655299" cy="923330"/>
+          </a:xfrm>
+          <a:prstGeom prst="rect">
+            <a:avLst/>
+          </a:prstGeom>
+          <a:noFill/>
+        </p:spPr>
+        <p:txBody>
+          <a:bodyPr wrap="square" rtlCol="0">
+            <a:spAutoFit/>
+          </a:bodyPr>
+          <a:lstStyle/>
+          <a:p>
+            <a:r>
+              <a:rPr lang="en-US" dirty="0">
+                <a:hlinkClick r:id="rId2"/>
+              </a:rPr>
+              <a:t>https://medium.com/muze-innovation/%E0%B8%A1%E0%B8%B2%E0%B8%97%E0%B8%B3-unit-testing-%E0%B8%9A%E0%B8%99-javascript-%E0%B8%94%E0%B9%89%E0%B8%A7%E0%B8%A2-jest-%E0%B8%95%E0%B8%AD%E0%B8%99%E0%B8%97%E0%B8%B5%E0%B9%88-1-7676dfb585b0</a:t>
+            </a:r>
+            <a:endParaRPr lang="en-US" dirty="0"/>
+          </a:p>
+        </p:txBody>
+      </p:sp>
+      <p:pic>
+        <p:nvPicPr>
+          <p:cNvPr id="3" name="รูปภาพ 2">
+            <a:extLst>
+              <a:ext uri="{FF2B5EF4-FFF2-40B4-BE49-F238E27FC236}">
+                <a16:creationId xmlns:a16="http://schemas.microsoft.com/office/drawing/2014/main" id="{33A280D7-3503-4877-A999-BF4DE5979367}"/>
+              </a:ext>
+            </a:extLst>
+          </p:cNvPr>
+          <p:cNvPicPr>
+            <a:picLocks noChangeAspect="1"/>
+          </p:cNvPicPr>
+          <p:nvPr/>
+        </p:nvPicPr>
+        <p:blipFill>
+          <a:blip r:embed="rId3"/>
+          <a:stretch>
+            <a:fillRect/>
+          </a:stretch>
+        </p:blipFill>
+        <p:spPr>
+          <a:xfrm>
+            <a:off x="0" y="0"/>
+            <a:ext cx="12192000" cy="5978071"/>
+          </a:xfrm>
+          <a:prstGeom prst="rect">
+            <a:avLst/>
+          </a:prstGeom>
+        </p:spPr>
+      </p:pic>
+    </p:spTree>
+    <p:extLst>
+      <p:ext uri="{BB962C8B-B14F-4D97-AF65-F5344CB8AC3E}">
+        <p14:creationId xmlns:p14="http://schemas.microsoft.com/office/powerpoint/2010/main" val="3609927549"/>
+      </p:ext>
+    </p:extLst>
+  </p:cSld>
+  <p:clrMapOvr>
+    <a:masterClrMapping/>
+  </p:clrMapOvr>
+</p:sld>
+</file>
+
+<file path=ppt/slides/slide13.xml><?xml version="1.0" encoding="utf-8"?>
+<p:sld xmlns:a="http://schemas.openxmlformats.org/drawingml/2006/main" xmlns:r="http://schemas.openxmlformats.org/officeDocument/2006/relationships" xmlns:p="http://schemas.openxmlformats.org/presentationml/2006/main">
+  <p:cSld>
+    <p:spTree>
+      <p:nvGrpSpPr>
+        <p:cNvPr id="1" name=""/>
+        <p:cNvGrpSpPr/>
+        <p:nvPr/>
+      </p:nvGrpSpPr>
+      <p:grpSpPr>
+        <a:xfrm>
+          <a:off x="0" y="0"/>
+          <a:ext cx="0" cy="0"/>
+          <a:chOff x="0" y="0"/>
+          <a:chExt cx="0" cy="0"/>
+        </a:xfrm>
+      </p:grpSpPr>
+      <p:sp>
+        <p:nvSpPr>
+          <p:cNvPr id="2" name="สี่เหลี่ยมผืนผ้า 1">
+            <a:extLst>
+              <a:ext uri="{FF2B5EF4-FFF2-40B4-BE49-F238E27FC236}">
+                <a16:creationId xmlns:a16="http://schemas.microsoft.com/office/drawing/2014/main" id="{EE30927F-A7D6-4FCD-A97F-4735FC00020E}"/>
+              </a:ext>
+            </a:extLst>
+          </p:cNvPr>
+          <p:cNvSpPr/>
+          <p:nvPr/>
+        </p:nvSpPr>
+        <p:spPr>
+          <a:xfrm>
+            <a:off x="156344" y="6238055"/>
+            <a:ext cx="3937809" cy="369332"/>
+          </a:xfrm>
+          <a:prstGeom prst="rect">
+            <a:avLst/>
+          </a:prstGeom>
+        </p:spPr>
+        <p:txBody>
+          <a:bodyPr wrap="none">
+            <a:spAutoFit/>
+          </a:bodyPr>
+          <a:lstStyle/>
+          <a:p>
+            <a:r>
+              <a:rPr lang="en-US" dirty="0"/>
+              <a:t>https://jestjs.io/docs/en/getting-started</a:t>
+            </a:r>
+          </a:p>
+        </p:txBody>
+      </p:sp>
+      <p:pic>
+        <p:nvPicPr>
+          <p:cNvPr id="3" name="รูปภาพ 2">
+            <a:extLst>
+              <a:ext uri="{FF2B5EF4-FFF2-40B4-BE49-F238E27FC236}">
+                <a16:creationId xmlns:a16="http://schemas.microsoft.com/office/drawing/2014/main" id="{05080D36-19B3-4A39-A26F-C2A90FDCDF1B}"/>
+              </a:ext>
+            </a:extLst>
+          </p:cNvPr>
+          <p:cNvPicPr>
+            <a:picLocks noChangeAspect="1"/>
+          </p:cNvPicPr>
+          <p:nvPr/>
+        </p:nvPicPr>
+        <p:blipFill>
+          <a:blip r:embed="rId2"/>
+          <a:stretch>
+            <a:fillRect/>
+          </a:stretch>
+        </p:blipFill>
+        <p:spPr>
+          <a:xfrm>
+            <a:off x="0" y="0"/>
+            <a:ext cx="12192000" cy="5867856"/>
+          </a:xfrm>
+          <a:prstGeom prst="rect">
+            <a:avLst/>
+          </a:prstGeom>
+        </p:spPr>
+      </p:pic>
+    </p:spTree>
+    <p:extLst>
+      <p:ext uri="{BB962C8B-B14F-4D97-AF65-F5344CB8AC3E}">
+        <p14:creationId xmlns:p14="http://schemas.microsoft.com/office/powerpoint/2010/main" val="1684226766"/>
+      </p:ext>
+    </p:extLst>
+  </p:cSld>
+  <p:clrMapOvr>
+    <a:masterClrMapping/>
+  </p:clrMapOvr>
+</p:sld>
+</file>
+
+<file path=ppt/slides/slide14.xml><?xml version="1.0" encoding="utf-8"?>
+<p:sld xmlns:a="http://schemas.openxmlformats.org/drawingml/2006/main" xmlns:r="http://schemas.openxmlformats.org/officeDocument/2006/relationships" xmlns:p="http://schemas.openxmlformats.org/presentationml/2006/main">
+  <p:cSld>
     <p:bg>
       <p:bgPr>
         <a:solidFill>
@@ -4436,7 +4630,7 @@
 </p:sld>
 </file>
 
-<file path=ppt/slides/slide13.xml><?xml version="1.0" encoding="utf-8"?>
+<file path=ppt/slides/slide15.xml><?xml version="1.0" encoding="utf-8"?>
 <p:sld xmlns:a="http://schemas.openxmlformats.org/drawingml/2006/main" xmlns:r="http://schemas.openxmlformats.org/officeDocument/2006/relationships" xmlns:p="http://schemas.openxmlformats.org/presentationml/2006/main">
   <p:cSld>
     <p:spTree>
@@ -4466,7 +4660,7 @@
 </p:sld>
 </file>
 
-<file path=ppt/slides/slide14.xml><?xml version="1.0" encoding="utf-8"?>
+<file path=ppt/slides/slide16.xml><?xml version="1.0" encoding="utf-8"?>
 <p:sld xmlns:a="http://schemas.openxmlformats.org/drawingml/2006/main" xmlns:r="http://schemas.openxmlformats.org/officeDocument/2006/relationships" xmlns:p="http://schemas.openxmlformats.org/presentationml/2006/main">
   <p:cSld>
     <p:bg>
@@ -4937,7 +5131,7 @@
 </p:sld>
 </file>
 
-<file path=ppt/slides/slide15.xml><?xml version="1.0" encoding="utf-8"?>
+<file path=ppt/slides/slide17.xml><?xml version="1.0" encoding="utf-8"?>
 <p:sld xmlns:a="http://schemas.openxmlformats.org/drawingml/2006/main" xmlns:r="http://schemas.openxmlformats.org/officeDocument/2006/relationships" xmlns:p="http://schemas.openxmlformats.org/presentationml/2006/main">
   <p:cSld>
     <p:bg>
@@ -5039,7 +5233,7 @@
 </p:sld>
 </file>
 
-<file path=ppt/slides/slide16.xml><?xml version="1.0" encoding="utf-8"?>
+<file path=ppt/slides/slide18.xml><?xml version="1.0" encoding="utf-8"?>
 <p:sld xmlns:a="http://schemas.openxmlformats.org/drawingml/2006/main" xmlns:r="http://schemas.openxmlformats.org/officeDocument/2006/relationships" xmlns:p="http://schemas.openxmlformats.org/presentationml/2006/main">
   <p:cSld>
     <p:spTree>
@@ -5107,220 +5301,6 @@
     <p:extLst>
       <p:ext uri="{BB962C8B-B14F-4D97-AF65-F5344CB8AC3E}">
         <p14:creationId xmlns:p14="http://schemas.microsoft.com/office/powerpoint/2010/main" val="733716257"/>
-      </p:ext>
-    </p:extLst>
-  </p:cSld>
-  <p:clrMapOvr>
-    <a:masterClrMapping/>
-  </p:clrMapOvr>
-</p:sld>
-</file>
-
-<file path=ppt/slides/slide17.xml><?xml version="1.0" encoding="utf-8"?>
-<p:sld xmlns:a="http://schemas.openxmlformats.org/drawingml/2006/main" xmlns:r="http://schemas.openxmlformats.org/officeDocument/2006/relationships" xmlns:p="http://schemas.openxmlformats.org/presentationml/2006/main">
-  <p:cSld>
-    <p:bg>
-      <p:bgPr>
-        <a:solidFill>
-          <a:schemeClr val="bg1"/>
-        </a:solidFill>
-        <a:effectLst/>
-      </p:bgPr>
-    </p:bg>
-    <p:spTree>
-      <p:nvGrpSpPr>
-        <p:cNvPr id="1" name=""/>
-        <p:cNvGrpSpPr/>
-        <p:nvPr/>
-      </p:nvGrpSpPr>
-      <p:grpSpPr>
-        <a:xfrm>
-          <a:off x="0" y="0"/>
-          <a:ext cx="0" cy="0"/>
-          <a:chOff x="0" y="0"/>
-          <a:chExt cx="0" cy="0"/>
-        </a:xfrm>
-      </p:grpSpPr>
-      <p:pic>
-        <p:nvPicPr>
-          <p:cNvPr id="2" name="Picture 8" descr="Image result for google cloud">
-            <a:extLst>
-              <a:ext uri="{FF2B5EF4-FFF2-40B4-BE49-F238E27FC236}">
-                <a16:creationId xmlns:a16="http://schemas.microsoft.com/office/drawing/2014/main" id="{5619E21E-296E-422A-980E-3B0E68926A28}"/>
-              </a:ext>
-            </a:extLst>
-          </p:cNvPr>
-          <p:cNvPicPr>
-            <a:picLocks noChangeAspect="1" noChangeArrowheads="1"/>
-          </p:cNvPicPr>
-          <p:nvPr/>
-        </p:nvPicPr>
-        <p:blipFill>
-          <a:blip r:embed="rId2">
-            <a:extLst>
-              <a:ext uri="{28A0092B-C50C-407E-A947-70E740481C1C}">
-                <a14:useLocalDpi xmlns:a14="http://schemas.microsoft.com/office/drawing/2010/main" val="0"/>
-              </a:ext>
-            </a:extLst>
-          </a:blip>
-          <a:stretch>
-            <a:fillRect/>
-          </a:stretch>
-        </p:blipFill>
-        <p:spPr bwMode="auto">
-          <a:xfrm>
-            <a:off x="1585014" y="643466"/>
-            <a:ext cx="9021972" cy="5571067"/>
-          </a:xfrm>
-          <a:prstGeom prst="rect">
-            <a:avLst/>
-          </a:prstGeom>
-          <a:noFill/>
-          <a:extLst>
-            <a:ext uri="{909E8E84-426E-40DD-AFC4-6F175D3DCCD1}">
-              <a14:hiddenFill xmlns:a14="http://schemas.microsoft.com/office/drawing/2010/main">
-                <a:solidFill>
-                  <a:srgbClr val="FFFFFF"/>
-                </a:solidFill>
-              </a14:hiddenFill>
-            </a:ext>
-          </a:extLst>
-        </p:spPr>
-      </p:pic>
-    </p:spTree>
-    <p:extLst>
-      <p:ext uri="{BB962C8B-B14F-4D97-AF65-F5344CB8AC3E}">
-        <p14:creationId xmlns:p14="http://schemas.microsoft.com/office/powerpoint/2010/main" val="2591163836"/>
-      </p:ext>
-    </p:extLst>
-  </p:cSld>
-  <p:clrMapOvr>
-    <a:masterClrMapping/>
-  </p:clrMapOvr>
-</p:sld>
-</file>
-
-<file path=ppt/slides/slide18.xml><?xml version="1.0" encoding="utf-8"?>
-<p:sld xmlns:a="http://schemas.openxmlformats.org/drawingml/2006/main" xmlns:r="http://schemas.openxmlformats.org/officeDocument/2006/relationships" xmlns:p="http://schemas.openxmlformats.org/presentationml/2006/main">
-  <p:cSld>
-    <p:bg>
-      <p:bgPr>
-        <a:solidFill>
-          <a:schemeClr val="bg1"/>
-        </a:solidFill>
-        <a:effectLst/>
-      </p:bgPr>
-    </p:bg>
-    <p:spTree>
-      <p:nvGrpSpPr>
-        <p:cNvPr id="1" name=""/>
-        <p:cNvGrpSpPr/>
-        <p:nvPr/>
-      </p:nvGrpSpPr>
-      <p:grpSpPr>
-        <a:xfrm>
-          <a:off x="0" y="0"/>
-          <a:ext cx="0" cy="0"/>
-          <a:chOff x="0" y="0"/>
-          <a:chExt cx="0" cy="0"/>
-        </a:xfrm>
-      </p:grpSpPr>
-      <p:pic>
-        <p:nvPicPr>
-          <p:cNvPr id="2" name="Picture 22" descr="Image result for kubernetes logo png">
-            <a:extLst>
-              <a:ext uri="{FF2B5EF4-FFF2-40B4-BE49-F238E27FC236}">
-                <a16:creationId xmlns:a16="http://schemas.microsoft.com/office/drawing/2014/main" id="{A386B761-BBB6-430D-AB29-A1E8CB1B40B5}"/>
-              </a:ext>
-            </a:extLst>
-          </p:cNvPr>
-          <p:cNvPicPr>
-            <a:picLocks noChangeAspect="1" noChangeArrowheads="1"/>
-          </p:cNvPicPr>
-          <p:nvPr/>
-        </p:nvPicPr>
-        <p:blipFill>
-          <a:blip r:embed="rId2">
-            <a:extLst>
-              <a:ext uri="{28A0092B-C50C-407E-A947-70E740481C1C}">
-                <a14:useLocalDpi xmlns:a14="http://schemas.microsoft.com/office/drawing/2010/main" val="0"/>
-              </a:ext>
-            </a:extLst>
-          </a:blip>
-          <a:stretch>
-            <a:fillRect/>
-          </a:stretch>
-        </p:blipFill>
-        <p:spPr bwMode="auto">
-          <a:xfrm>
-            <a:off x="484632" y="625419"/>
-            <a:ext cx="6716272" cy="5607162"/>
-          </a:xfrm>
-          <a:prstGeom prst="rect">
-            <a:avLst/>
-          </a:prstGeom>
-          <a:noFill/>
-          <a:extLst>
-            <a:ext uri="{909E8E84-426E-40DD-AFC4-6F175D3DCCD1}">
-              <a14:hiddenFill xmlns:a14="http://schemas.microsoft.com/office/drawing/2010/main">
-                <a:solidFill>
-                  <a:srgbClr val="FFFFFF"/>
-                </a:solidFill>
-              </a14:hiddenFill>
-            </a:ext>
-          </a:extLst>
-        </p:spPr>
-      </p:pic>
-      <p:pic>
-        <p:nvPicPr>
-          <p:cNvPr id="4" name="Picture 24" descr="Image result for helm kubernetes">
-            <a:extLst>
-              <a:ext uri="{FF2B5EF4-FFF2-40B4-BE49-F238E27FC236}">
-                <a16:creationId xmlns:a16="http://schemas.microsoft.com/office/drawing/2014/main" id="{A5E7F1B4-9B0C-4E2B-9906-37E7F78C1F08}"/>
-              </a:ext>
-            </a:extLst>
-          </p:cNvPr>
-          <p:cNvPicPr>
-            <a:picLocks noChangeAspect="1" noChangeArrowheads="1"/>
-          </p:cNvPicPr>
-          <p:nvPr/>
-        </p:nvPicPr>
-        <p:blipFill>
-          <a:blip r:embed="rId3">
-            <a:extLst>
-              <a:ext uri="{28A0092B-C50C-407E-A947-70E740481C1C}">
-                <a14:useLocalDpi xmlns:a14="http://schemas.microsoft.com/office/drawing/2010/main" val="0"/>
-              </a:ext>
-            </a:extLst>
-          </a:blip>
-          <a:stretch>
-            <a:fillRect/>
-          </a:stretch>
-        </p:blipFill>
-        <p:spPr bwMode="auto">
-          <a:xfrm>
-            <a:off x="7534655" y="1342644"/>
-            <a:ext cx="4172712" cy="4172712"/>
-          </a:xfrm>
-          <a:prstGeom prst="rect">
-            <a:avLst/>
-          </a:prstGeom>
-          <a:noFill/>
-          <a:extLst>
-            <a:ext uri="{909E8E84-426E-40DD-AFC4-6F175D3DCCD1}">
-              <a14:hiddenFill xmlns:a14="http://schemas.microsoft.com/office/drawing/2010/main">
-                <a:solidFill>
-                  <a:srgbClr val="FFFFFF"/>
-                </a:solidFill>
-              </a14:hiddenFill>
-            </a:ext>
-          </a:extLst>
-        </p:spPr>
-      </p:pic>
-    </p:spTree>
-    <p:extLst>
-      <p:ext uri="{BB962C8B-B14F-4D97-AF65-F5344CB8AC3E}">
-        <p14:creationId xmlns:p14="http://schemas.microsoft.com/office/powerpoint/2010/main" val="571223688"/>
       </p:ext>
     </p:extLst>
   </p:cSld>
@@ -5357,10 +5337,10 @@
       </p:grpSpPr>
       <p:pic>
         <p:nvPicPr>
-          <p:cNvPr id="2" name="Picture 26" descr="Image result for istio logo png">
-            <a:extLst>
-              <a:ext uri="{FF2B5EF4-FFF2-40B4-BE49-F238E27FC236}">
-                <a16:creationId xmlns:a16="http://schemas.microsoft.com/office/drawing/2014/main" id="{5312BFD3-9FE9-47D7-B849-167B59402629}"/>
+          <p:cNvPr id="2" name="Picture 8" descr="Image result for google cloud">
+            <a:extLst>
+              <a:ext uri="{FF2B5EF4-FFF2-40B4-BE49-F238E27FC236}">
+                <a16:creationId xmlns:a16="http://schemas.microsoft.com/office/drawing/2014/main" id="{5619E21E-296E-422A-980E-3B0E68926A28}"/>
               </a:ext>
             </a:extLst>
           </p:cNvPr>
@@ -5383,8 +5363,8 @@
         </p:blipFill>
         <p:spPr bwMode="auto">
           <a:xfrm>
-            <a:off x="1253807" y="1123527"/>
-            <a:ext cx="4604800" cy="4604800"/>
+            <a:off x="1585014" y="643466"/>
+            <a:ext cx="9021972" cy="5571067"/>
           </a:xfrm>
           <a:prstGeom prst="rect">
             <a:avLst/>
@@ -5401,108 +5381,10 @@
           </a:extLst>
         </p:spPr>
       </p:pic>
-      <p:cxnSp>
-        <p:nvCxnSpPr>
-          <p:cNvPr id="14" name="Straight Connector 7">
-            <a:extLst>
-              <a:ext uri="{FF2B5EF4-FFF2-40B4-BE49-F238E27FC236}">
-                <a16:creationId xmlns:a16="http://schemas.microsoft.com/office/drawing/2014/main" id="{4D56677B-C0B7-4DAC-ACAD-8054FF1B599A}"/>
-              </a:ext>
-              <a:ext uri="{C183D7F6-B498-43B3-948B-1728B52AA6E4}">
-                <adec:decorative xmlns:adec="http://schemas.microsoft.com/office/drawing/2017/decorative" val="1"/>
-              </a:ext>
-            </a:extLst>
-          </p:cNvPr>
-          <p:cNvCxnSpPr>
-            <a:cxnSpLocks noGrp="1" noRot="1" noChangeAspect="1" noMove="1" noResize="1" noEditPoints="1" noAdjustHandles="1" noChangeArrowheads="1" noChangeShapeType="1"/>
-          </p:cNvCxnSpPr>
-          <p:nvPr>
-            <p:extLst>
-              <p:ext uri="{386F3935-93C4-4BCD-93E2-E3B085C9AB24}">
-                <p16:designElem xmlns:p16="http://schemas.microsoft.com/office/powerpoint/2015/main" val="1"/>
-              </p:ext>
-            </p:extLst>
-          </p:nvPr>
-        </p:nvCxnSpPr>
-        <p:spPr>
-          <a:xfrm>
-            <a:off x="6096000" y="1573887"/>
-            <a:ext cx="0" cy="3710227"/>
-          </a:xfrm>
-          <a:prstGeom prst="line">
-            <a:avLst/>
-          </a:prstGeom>
-          <a:ln w="19050">
-            <a:solidFill>
-              <a:srgbClr val="2963CB"/>
-            </a:solidFill>
-          </a:ln>
-        </p:spPr>
-        <p:style>
-          <a:lnRef idx="1">
-            <a:schemeClr val="accent1"/>
-          </a:lnRef>
-          <a:fillRef idx="0">
-            <a:schemeClr val="accent1"/>
-          </a:fillRef>
-          <a:effectRef idx="0">
-            <a:schemeClr val="accent1"/>
-          </a:effectRef>
-          <a:fontRef idx="minor">
-            <a:schemeClr val="tx1"/>
-          </a:fontRef>
-        </p:style>
-      </p:cxnSp>
-      <p:pic>
-        <p:nvPicPr>
-          <p:cNvPr id="3" name="Picture 2" descr="Image result for flagger istio logo">
-            <a:extLst>
-              <a:ext uri="{FF2B5EF4-FFF2-40B4-BE49-F238E27FC236}">
-                <a16:creationId xmlns:a16="http://schemas.microsoft.com/office/drawing/2014/main" id="{8EF8AD32-090E-43D0-805C-D2B98DB954A7}"/>
-              </a:ext>
-            </a:extLst>
-          </p:cNvPr>
-          <p:cNvPicPr>
-            <a:picLocks noChangeAspect="1" noChangeArrowheads="1"/>
-          </p:cNvPicPr>
-          <p:nvPr/>
-        </p:nvPicPr>
-        <p:blipFill>
-          <a:blip r:embed="rId3">
-            <a:extLst>
-              <a:ext uri="{28A0092B-C50C-407E-A947-70E740481C1C}">
-                <a14:useLocalDpi xmlns:a14="http://schemas.microsoft.com/office/drawing/2010/main" val="0"/>
-              </a:ext>
-            </a:extLst>
-          </a:blip>
-          <a:stretch>
-            <a:fillRect/>
-          </a:stretch>
-        </p:blipFill>
-        <p:spPr bwMode="auto">
-          <a:xfrm>
-            <a:off x="6343240" y="1123527"/>
-            <a:ext cx="4604800" cy="4604800"/>
-          </a:xfrm>
-          <a:prstGeom prst="rect">
-            <a:avLst/>
-          </a:prstGeom>
-          <a:noFill/>
-          <a:extLst>
-            <a:ext uri="{909E8E84-426E-40DD-AFC4-6F175D3DCCD1}">
-              <a14:hiddenFill xmlns:a14="http://schemas.microsoft.com/office/drawing/2010/main">
-                <a:solidFill>
-                  <a:srgbClr val="FFFFFF"/>
-                </a:solidFill>
-              </a14:hiddenFill>
-            </a:ext>
-          </a:extLst>
-        </p:spPr>
-      </p:pic>
     </p:spTree>
     <p:extLst>
       <p:ext uri="{BB962C8B-B14F-4D97-AF65-F5344CB8AC3E}">
-        <p14:creationId xmlns:p14="http://schemas.microsoft.com/office/powerpoint/2010/main" val="3441340057"/>
+        <p14:creationId xmlns:p14="http://schemas.microsoft.com/office/powerpoint/2010/main" val="2591163836"/>
       </p:ext>
     </p:extLst>
   </p:cSld>
@@ -5656,6 +5538,318 @@
           <a:chExt cx="0" cy="0"/>
         </a:xfrm>
       </p:grpSpPr>
+      <p:pic>
+        <p:nvPicPr>
+          <p:cNvPr id="2" name="Picture 22" descr="Image result for kubernetes logo png">
+            <a:extLst>
+              <a:ext uri="{FF2B5EF4-FFF2-40B4-BE49-F238E27FC236}">
+                <a16:creationId xmlns:a16="http://schemas.microsoft.com/office/drawing/2014/main" id="{A386B761-BBB6-430D-AB29-A1E8CB1B40B5}"/>
+              </a:ext>
+            </a:extLst>
+          </p:cNvPr>
+          <p:cNvPicPr>
+            <a:picLocks noChangeAspect="1" noChangeArrowheads="1"/>
+          </p:cNvPicPr>
+          <p:nvPr/>
+        </p:nvPicPr>
+        <p:blipFill>
+          <a:blip r:embed="rId2">
+            <a:extLst>
+              <a:ext uri="{28A0092B-C50C-407E-A947-70E740481C1C}">
+                <a14:useLocalDpi xmlns:a14="http://schemas.microsoft.com/office/drawing/2010/main" val="0"/>
+              </a:ext>
+            </a:extLst>
+          </a:blip>
+          <a:stretch>
+            <a:fillRect/>
+          </a:stretch>
+        </p:blipFill>
+        <p:spPr bwMode="auto">
+          <a:xfrm>
+            <a:off x="484632" y="625419"/>
+            <a:ext cx="6716272" cy="5607162"/>
+          </a:xfrm>
+          <a:prstGeom prst="rect">
+            <a:avLst/>
+          </a:prstGeom>
+          <a:noFill/>
+          <a:extLst>
+            <a:ext uri="{909E8E84-426E-40DD-AFC4-6F175D3DCCD1}">
+              <a14:hiddenFill xmlns:a14="http://schemas.microsoft.com/office/drawing/2010/main">
+                <a:solidFill>
+                  <a:srgbClr val="FFFFFF"/>
+                </a:solidFill>
+              </a14:hiddenFill>
+            </a:ext>
+          </a:extLst>
+        </p:spPr>
+      </p:pic>
+      <p:pic>
+        <p:nvPicPr>
+          <p:cNvPr id="4" name="Picture 24" descr="Image result for helm kubernetes">
+            <a:extLst>
+              <a:ext uri="{FF2B5EF4-FFF2-40B4-BE49-F238E27FC236}">
+                <a16:creationId xmlns:a16="http://schemas.microsoft.com/office/drawing/2014/main" id="{A5E7F1B4-9B0C-4E2B-9906-37E7F78C1F08}"/>
+              </a:ext>
+            </a:extLst>
+          </p:cNvPr>
+          <p:cNvPicPr>
+            <a:picLocks noChangeAspect="1" noChangeArrowheads="1"/>
+          </p:cNvPicPr>
+          <p:nvPr/>
+        </p:nvPicPr>
+        <p:blipFill>
+          <a:blip r:embed="rId3">
+            <a:extLst>
+              <a:ext uri="{28A0092B-C50C-407E-A947-70E740481C1C}">
+                <a14:useLocalDpi xmlns:a14="http://schemas.microsoft.com/office/drawing/2010/main" val="0"/>
+              </a:ext>
+            </a:extLst>
+          </a:blip>
+          <a:stretch>
+            <a:fillRect/>
+          </a:stretch>
+        </p:blipFill>
+        <p:spPr bwMode="auto">
+          <a:xfrm>
+            <a:off x="7534655" y="1342644"/>
+            <a:ext cx="4172712" cy="4172712"/>
+          </a:xfrm>
+          <a:prstGeom prst="rect">
+            <a:avLst/>
+          </a:prstGeom>
+          <a:noFill/>
+          <a:extLst>
+            <a:ext uri="{909E8E84-426E-40DD-AFC4-6F175D3DCCD1}">
+              <a14:hiddenFill xmlns:a14="http://schemas.microsoft.com/office/drawing/2010/main">
+                <a:solidFill>
+                  <a:srgbClr val="FFFFFF"/>
+                </a:solidFill>
+              </a14:hiddenFill>
+            </a:ext>
+          </a:extLst>
+        </p:spPr>
+      </p:pic>
+    </p:spTree>
+    <p:extLst>
+      <p:ext uri="{BB962C8B-B14F-4D97-AF65-F5344CB8AC3E}">
+        <p14:creationId xmlns:p14="http://schemas.microsoft.com/office/powerpoint/2010/main" val="571223688"/>
+      </p:ext>
+    </p:extLst>
+  </p:cSld>
+  <p:clrMapOvr>
+    <a:masterClrMapping/>
+  </p:clrMapOvr>
+</p:sld>
+</file>
+
+<file path=ppt/slides/slide21.xml><?xml version="1.0" encoding="utf-8"?>
+<p:sld xmlns:a="http://schemas.openxmlformats.org/drawingml/2006/main" xmlns:r="http://schemas.openxmlformats.org/officeDocument/2006/relationships" xmlns:p="http://schemas.openxmlformats.org/presentationml/2006/main">
+  <p:cSld>
+    <p:bg>
+      <p:bgPr>
+        <a:solidFill>
+          <a:schemeClr val="bg1"/>
+        </a:solidFill>
+        <a:effectLst/>
+      </p:bgPr>
+    </p:bg>
+    <p:spTree>
+      <p:nvGrpSpPr>
+        <p:cNvPr id="1" name=""/>
+        <p:cNvGrpSpPr/>
+        <p:nvPr/>
+      </p:nvGrpSpPr>
+      <p:grpSpPr>
+        <a:xfrm>
+          <a:off x="0" y="0"/>
+          <a:ext cx="0" cy="0"/>
+          <a:chOff x="0" y="0"/>
+          <a:chExt cx="0" cy="0"/>
+        </a:xfrm>
+      </p:grpSpPr>
+      <p:pic>
+        <p:nvPicPr>
+          <p:cNvPr id="2" name="Picture 26" descr="Image result for istio logo png">
+            <a:extLst>
+              <a:ext uri="{FF2B5EF4-FFF2-40B4-BE49-F238E27FC236}">
+                <a16:creationId xmlns:a16="http://schemas.microsoft.com/office/drawing/2014/main" id="{5312BFD3-9FE9-47D7-B849-167B59402629}"/>
+              </a:ext>
+            </a:extLst>
+          </p:cNvPr>
+          <p:cNvPicPr>
+            <a:picLocks noChangeAspect="1" noChangeArrowheads="1"/>
+          </p:cNvPicPr>
+          <p:nvPr/>
+        </p:nvPicPr>
+        <p:blipFill>
+          <a:blip r:embed="rId2">
+            <a:extLst>
+              <a:ext uri="{28A0092B-C50C-407E-A947-70E740481C1C}">
+                <a14:useLocalDpi xmlns:a14="http://schemas.microsoft.com/office/drawing/2010/main" val="0"/>
+              </a:ext>
+            </a:extLst>
+          </a:blip>
+          <a:stretch>
+            <a:fillRect/>
+          </a:stretch>
+        </p:blipFill>
+        <p:spPr bwMode="auto">
+          <a:xfrm>
+            <a:off x="1253807" y="1123527"/>
+            <a:ext cx="4604800" cy="4604800"/>
+          </a:xfrm>
+          <a:prstGeom prst="rect">
+            <a:avLst/>
+          </a:prstGeom>
+          <a:noFill/>
+          <a:extLst>
+            <a:ext uri="{909E8E84-426E-40DD-AFC4-6F175D3DCCD1}">
+              <a14:hiddenFill xmlns:a14="http://schemas.microsoft.com/office/drawing/2010/main">
+                <a:solidFill>
+                  <a:srgbClr val="FFFFFF"/>
+                </a:solidFill>
+              </a14:hiddenFill>
+            </a:ext>
+          </a:extLst>
+        </p:spPr>
+      </p:pic>
+      <p:cxnSp>
+        <p:nvCxnSpPr>
+          <p:cNvPr id="14" name="Straight Connector 7">
+            <a:extLst>
+              <a:ext uri="{FF2B5EF4-FFF2-40B4-BE49-F238E27FC236}">
+                <a16:creationId xmlns:a16="http://schemas.microsoft.com/office/drawing/2014/main" id="{4D56677B-C0B7-4DAC-ACAD-8054FF1B599A}"/>
+              </a:ext>
+              <a:ext uri="{C183D7F6-B498-43B3-948B-1728B52AA6E4}">
+                <adec:decorative xmlns:adec="http://schemas.microsoft.com/office/drawing/2017/decorative" val="1"/>
+              </a:ext>
+            </a:extLst>
+          </p:cNvPr>
+          <p:cNvCxnSpPr>
+            <a:cxnSpLocks noGrp="1" noRot="1" noChangeAspect="1" noMove="1" noResize="1" noEditPoints="1" noAdjustHandles="1" noChangeArrowheads="1" noChangeShapeType="1"/>
+          </p:cNvCxnSpPr>
+          <p:nvPr>
+            <p:extLst>
+              <p:ext uri="{386F3935-93C4-4BCD-93E2-E3B085C9AB24}">
+                <p16:designElem xmlns:p16="http://schemas.microsoft.com/office/powerpoint/2015/main" val="1"/>
+              </p:ext>
+            </p:extLst>
+          </p:nvPr>
+        </p:nvCxnSpPr>
+        <p:spPr>
+          <a:xfrm>
+            <a:off x="6096000" y="1573887"/>
+            <a:ext cx="0" cy="3710227"/>
+          </a:xfrm>
+          <a:prstGeom prst="line">
+            <a:avLst/>
+          </a:prstGeom>
+          <a:ln w="19050">
+            <a:solidFill>
+              <a:srgbClr val="2963CB"/>
+            </a:solidFill>
+          </a:ln>
+        </p:spPr>
+        <p:style>
+          <a:lnRef idx="1">
+            <a:schemeClr val="accent1"/>
+          </a:lnRef>
+          <a:fillRef idx="0">
+            <a:schemeClr val="accent1"/>
+          </a:fillRef>
+          <a:effectRef idx="0">
+            <a:schemeClr val="accent1"/>
+          </a:effectRef>
+          <a:fontRef idx="minor">
+            <a:schemeClr val="tx1"/>
+          </a:fontRef>
+        </p:style>
+      </p:cxnSp>
+      <p:pic>
+        <p:nvPicPr>
+          <p:cNvPr id="3" name="Picture 2" descr="Image result for flagger istio logo">
+            <a:extLst>
+              <a:ext uri="{FF2B5EF4-FFF2-40B4-BE49-F238E27FC236}">
+                <a16:creationId xmlns:a16="http://schemas.microsoft.com/office/drawing/2014/main" id="{8EF8AD32-090E-43D0-805C-D2B98DB954A7}"/>
+              </a:ext>
+            </a:extLst>
+          </p:cNvPr>
+          <p:cNvPicPr>
+            <a:picLocks noChangeAspect="1" noChangeArrowheads="1"/>
+          </p:cNvPicPr>
+          <p:nvPr/>
+        </p:nvPicPr>
+        <p:blipFill>
+          <a:blip r:embed="rId3">
+            <a:extLst>
+              <a:ext uri="{28A0092B-C50C-407E-A947-70E740481C1C}">
+                <a14:useLocalDpi xmlns:a14="http://schemas.microsoft.com/office/drawing/2010/main" val="0"/>
+              </a:ext>
+            </a:extLst>
+          </a:blip>
+          <a:stretch>
+            <a:fillRect/>
+          </a:stretch>
+        </p:blipFill>
+        <p:spPr bwMode="auto">
+          <a:xfrm>
+            <a:off x="6343240" y="1123527"/>
+            <a:ext cx="4604800" cy="4604800"/>
+          </a:xfrm>
+          <a:prstGeom prst="rect">
+            <a:avLst/>
+          </a:prstGeom>
+          <a:noFill/>
+          <a:extLst>
+            <a:ext uri="{909E8E84-426E-40DD-AFC4-6F175D3DCCD1}">
+              <a14:hiddenFill xmlns:a14="http://schemas.microsoft.com/office/drawing/2010/main">
+                <a:solidFill>
+                  <a:srgbClr val="FFFFFF"/>
+                </a:solidFill>
+              </a14:hiddenFill>
+            </a:ext>
+          </a:extLst>
+        </p:spPr>
+      </p:pic>
+    </p:spTree>
+    <p:extLst>
+      <p:ext uri="{BB962C8B-B14F-4D97-AF65-F5344CB8AC3E}">
+        <p14:creationId xmlns:p14="http://schemas.microsoft.com/office/powerpoint/2010/main" val="3441340057"/>
+      </p:ext>
+    </p:extLst>
+  </p:cSld>
+  <p:clrMapOvr>
+    <a:masterClrMapping/>
+  </p:clrMapOvr>
+</p:sld>
+</file>
+
+<file path=ppt/slides/slide22.xml><?xml version="1.0" encoding="utf-8"?>
+<p:sld xmlns:a="http://schemas.openxmlformats.org/drawingml/2006/main" xmlns:r="http://schemas.openxmlformats.org/officeDocument/2006/relationships" xmlns:p="http://schemas.openxmlformats.org/presentationml/2006/main">
+  <p:cSld>
+    <p:bg>
+      <p:bgPr>
+        <a:solidFill>
+          <a:schemeClr val="bg1"/>
+        </a:solidFill>
+        <a:effectLst/>
+      </p:bgPr>
+    </p:bg>
+    <p:spTree>
+      <p:nvGrpSpPr>
+        <p:cNvPr id="1" name=""/>
+        <p:cNvGrpSpPr/>
+        <p:nvPr/>
+      </p:nvGrpSpPr>
+      <p:grpSpPr>
+        <a:xfrm>
+          <a:off x="0" y="0"/>
+          <a:ext cx="0" cy="0"/>
+          <a:chOff x="0" y="0"/>
+          <a:chExt cx="0" cy="0"/>
+        </a:xfrm>
+      </p:grpSpPr>
       <p:cxnSp>
         <p:nvCxnSpPr>
           <p:cNvPr id="73" name="Straight Connector 72">
@@ -5812,7 +6006,7 @@
 </p:sld>
 </file>
 
-<file path=ppt/slides/slide21.xml><?xml version="1.0" encoding="utf-8"?>
+<file path=ppt/slides/slide23.xml><?xml version="1.0" encoding="utf-8"?>
 <p:sld xmlns:a="http://schemas.openxmlformats.org/drawingml/2006/main" xmlns:r="http://schemas.openxmlformats.org/officeDocument/2006/relationships" xmlns:p="http://schemas.openxmlformats.org/presentationml/2006/main">
   <p:cSld>
     <p:spTree>
@@ -5909,7 +6103,7 @@
 </p:sld>
 </file>
 
-<file path=ppt/slides/slide22.xml><?xml version="1.0" encoding="utf-8"?>
+<file path=ppt/slides/slide24.xml><?xml version="1.0" encoding="utf-8"?>
 <p:sld xmlns:a="http://schemas.openxmlformats.org/drawingml/2006/main" xmlns:r="http://schemas.openxmlformats.org/officeDocument/2006/relationships" xmlns:p="http://schemas.openxmlformats.org/presentationml/2006/main">
   <p:cSld>
     <p:spTree>
